--- a/deliverables/presentation_intro_problem_definition_data_collection.pptx
+++ b/deliverables/presentation_intro_problem_definition_data_collection.pptx
@@ -5,25 +5,20 @@
     <p:sldMasterId id="2147483648" r:id="rId1"/>
   </p:sldMasterIdLst>
   <p:notesMasterIdLst>
-    <p:notesMasterId r:id="rId10"/>
+    <p:notesMasterId r:id="rId7"/>
   </p:notesMasterIdLst>
   <p:sldIdLst>
     <p:sldId id="256" r:id="rId2"/>
     <p:sldId id="257" r:id="rId3"/>
-    <p:sldId id="267" r:id="rId4"/>
-    <p:sldId id="271" r:id="rId5"/>
+    <p:sldId id="273" r:id="rId4"/>
+    <p:sldId id="272" r:id="rId5"/>
     <p:sldId id="264" r:id="rId6"/>
-    <p:sldId id="270" r:id="rId7"/>
-    <p:sldId id="266" r:id="rId8"/>
-    <p:sldId id="269" r:id="rId9"/>
   </p:sldIdLst>
   <p:sldSz cx="12192000" cy="6858000"/>
   <p:notesSz cx="6858000" cy="9144000"/>
   <p:custShowLst>
     <p:custShow name="Custom Show 1" id="0">
-      <p:sldLst>
-        <p:sld r:id="rId9"/>
-      </p:sldLst>
+      <p:sldLst/>
     </p:custShow>
   </p:custShowLst>
   <p:defaultTextStyle>
@@ -217,7 +212,7 @@
           <a:p>
             <a:fld id="{8ECDFA8E-1EEE-EA46-84ED-D615946346B4}" type="datetimeFigureOut">
               <a:rPr lang="en-US" smtClean="0"/>
-              <a:t>6/26/25</a:t>
+              <a:t>6/27/25</a:t>
             </a:fld>
             <a:endParaRPr lang="en-US"/>
           </a:p>
@@ -715,7 +710,7 @@
           <a:p>
             <a:fld id="{67345697-3805-D740-8DCB-C1E09C02C100}" type="datetimeFigureOut">
               <a:rPr lang="en-US" smtClean="0"/>
-              <a:t>6/26/25</a:t>
+              <a:t>6/27/25</a:t>
             </a:fld>
             <a:endParaRPr lang="en-US"/>
           </a:p>
@@ -913,7 +908,7 @@
           <a:p>
             <a:fld id="{67345697-3805-D740-8DCB-C1E09C02C100}" type="datetimeFigureOut">
               <a:rPr lang="en-US" smtClean="0"/>
-              <a:t>6/26/25</a:t>
+              <a:t>6/27/25</a:t>
             </a:fld>
             <a:endParaRPr lang="en-US"/>
           </a:p>
@@ -1121,7 +1116,7 @@
           <a:p>
             <a:fld id="{67345697-3805-D740-8DCB-C1E09C02C100}" type="datetimeFigureOut">
               <a:rPr lang="en-US" smtClean="0"/>
-              <a:t>6/26/25</a:t>
+              <a:t>6/27/25</a:t>
             </a:fld>
             <a:endParaRPr lang="en-US"/>
           </a:p>
@@ -1319,7 +1314,7 @@
           <a:p>
             <a:fld id="{67345697-3805-D740-8DCB-C1E09C02C100}" type="datetimeFigureOut">
               <a:rPr lang="en-US" smtClean="0"/>
-              <a:t>6/26/25</a:t>
+              <a:t>6/27/25</a:t>
             </a:fld>
             <a:endParaRPr lang="en-US"/>
           </a:p>
@@ -1594,7 +1589,7 @@
           <a:p>
             <a:fld id="{67345697-3805-D740-8DCB-C1E09C02C100}" type="datetimeFigureOut">
               <a:rPr lang="en-US" smtClean="0"/>
-              <a:t>6/26/25</a:t>
+              <a:t>6/27/25</a:t>
             </a:fld>
             <a:endParaRPr lang="en-US"/>
           </a:p>
@@ -1859,7 +1854,7 @@
           <a:p>
             <a:fld id="{67345697-3805-D740-8DCB-C1E09C02C100}" type="datetimeFigureOut">
               <a:rPr lang="en-US" smtClean="0"/>
-              <a:t>6/26/25</a:t>
+              <a:t>6/27/25</a:t>
             </a:fld>
             <a:endParaRPr lang="en-US"/>
           </a:p>
@@ -2271,7 +2266,7 @@
           <a:p>
             <a:fld id="{67345697-3805-D740-8DCB-C1E09C02C100}" type="datetimeFigureOut">
               <a:rPr lang="en-US" smtClean="0"/>
-              <a:t>6/26/25</a:t>
+              <a:t>6/27/25</a:t>
             </a:fld>
             <a:endParaRPr lang="en-US"/>
           </a:p>
@@ -2412,7 +2407,7 @@
           <a:p>
             <a:fld id="{67345697-3805-D740-8DCB-C1E09C02C100}" type="datetimeFigureOut">
               <a:rPr lang="en-US" smtClean="0"/>
-              <a:t>6/26/25</a:t>
+              <a:t>6/27/25</a:t>
             </a:fld>
             <a:endParaRPr lang="en-US"/>
           </a:p>
@@ -2525,7 +2520,7 @@
           <a:p>
             <a:fld id="{67345697-3805-D740-8DCB-C1E09C02C100}" type="datetimeFigureOut">
               <a:rPr lang="en-US" smtClean="0"/>
-              <a:t>6/26/25</a:t>
+              <a:t>6/27/25</a:t>
             </a:fld>
             <a:endParaRPr lang="en-US"/>
           </a:p>
@@ -2836,7 +2831,7 @@
           <a:p>
             <a:fld id="{67345697-3805-D740-8DCB-C1E09C02C100}" type="datetimeFigureOut">
               <a:rPr lang="en-US" smtClean="0"/>
-              <a:t>6/26/25</a:t>
+              <a:t>6/27/25</a:t>
             </a:fld>
             <a:endParaRPr lang="en-US"/>
           </a:p>
@@ -3124,7 +3119,7 @@
           <a:p>
             <a:fld id="{67345697-3805-D740-8DCB-C1E09C02C100}" type="datetimeFigureOut">
               <a:rPr lang="en-US" smtClean="0"/>
-              <a:t>6/26/25</a:t>
+              <a:t>6/27/25</a:t>
             </a:fld>
             <a:endParaRPr lang="en-US"/>
           </a:p>
@@ -3365,7 +3360,7 @@
           <a:p>
             <a:fld id="{67345697-3805-D740-8DCB-C1E09C02C100}" type="datetimeFigureOut">
               <a:rPr lang="en-US" smtClean="0"/>
-              <a:t>6/26/25</a:t>
+              <a:t>6/27/25</a:t>
             </a:fld>
             <a:endParaRPr lang="en-US"/>
           </a:p>
@@ -3919,10 +3914,9 @@
           <a:lstStyle/>
           <a:p>
             <a:r>
-              <a:rPr lang="en-US"/>
+              <a:rPr lang="en-US" dirty="0"/>
               <a:t>Problem Definition</a:t>
             </a:r>
-            <a:endParaRPr lang="en-US" dirty="0"/>
           </a:p>
         </p:txBody>
       </p:sp>
@@ -3958,58 +3952,58 @@
               <a:buNone/>
             </a:pPr>
             <a:r>
-              <a:rPr lang="en-US" b="1"/>
+              <a:rPr lang="en-US" b="1" dirty="0"/>
               <a:t>Motivation</a:t>
             </a:r>
-            <a:endParaRPr lang="en-US"/>
+            <a:endParaRPr lang="en-US" dirty="0"/>
           </a:p>
           <a:p>
             <a:pPr lvl="1"/>
             <a:r>
-              <a:rPr lang="en-US"/>
+              <a:rPr lang="en-US" dirty="0"/>
               <a:t>Increasing air travel demands call for </a:t>
             </a:r>
             <a:r>
-              <a:rPr lang="en-US" b="1"/>
+              <a:rPr lang="en-US" b="1" dirty="0"/>
               <a:t>ongoing improvements</a:t>
             </a:r>
             <a:r>
-              <a:rPr lang="en-US"/>
+              <a:rPr lang="en-US" dirty="0"/>
               <a:t> in aviation safety</a:t>
             </a:r>
           </a:p>
           <a:p>
             <a:pPr lvl="1"/>
             <a:r>
-              <a:rPr lang="en-US"/>
+              <a:rPr lang="en-US" dirty="0"/>
               <a:t>Data-driven insights can support </a:t>
             </a:r>
             <a:r>
-              <a:rPr lang="en-US" b="1"/>
+              <a:rPr lang="en-US" b="1" dirty="0"/>
               <a:t>lawmakers</a:t>
             </a:r>
             <a:r>
-              <a:rPr lang="en-US"/>
+              <a:rPr lang="en-US" dirty="0"/>
               <a:t> and </a:t>
             </a:r>
             <a:r>
-              <a:rPr lang="en-US" b="1"/>
+              <a:rPr lang="en-US" b="1" dirty="0"/>
               <a:t>airlines</a:t>
             </a:r>
             <a:r>
-              <a:rPr lang="en-US"/>
+              <a:rPr lang="en-US" dirty="0"/>
               <a:t> in shaping </a:t>
             </a:r>
             <a:r>
-              <a:rPr lang="en-US" b="1"/>
+              <a:rPr lang="en-US" b="1" dirty="0"/>
               <a:t>preventive policies</a:t>
             </a:r>
             <a:r>
-              <a:rPr lang="en-US"/>
+              <a:rPr lang="en-US" dirty="0"/>
               <a:t> and </a:t>
             </a:r>
             <a:r>
-              <a:rPr lang="en-US" b="1"/>
+              <a:rPr lang="en-US" b="1" dirty="0"/>
               <a:t>risk mitigation strategies</a:t>
             </a:r>
           </a:p>
@@ -4017,81 +4011,74 @@
             <a:pPr marL="0" indent="0">
               <a:buNone/>
             </a:pPr>
-            <a:endParaRPr lang="en-US"/>
+            <a:endParaRPr lang="en-US" dirty="0"/>
           </a:p>
           <a:p>
             <a:pPr marL="0" indent="0">
               <a:buNone/>
             </a:pPr>
             <a:r>
-              <a:rPr lang="en-US" b="1"/>
+              <a:rPr lang="en-US" b="1" dirty="0"/>
               <a:t>Key Questions</a:t>
             </a:r>
-            <a:endParaRPr lang="en-US"/>
+            <a:endParaRPr lang="en-US" dirty="0"/>
           </a:p>
           <a:p>
             <a:pPr lvl="1"/>
             <a:r>
-              <a:rPr lang="en-US"/>
+              <a:rPr lang="en-US" dirty="0"/>
               <a:t>What are the most influential factors that lead to </a:t>
             </a:r>
             <a:r>
-              <a:rPr lang="en-US" b="1"/>
+              <a:rPr lang="en-US" b="1" dirty="0"/>
               <a:t>“severe” accident outcomes?</a:t>
             </a:r>
-            <a:endParaRPr lang="en-US"/>
           </a:p>
           <a:p>
             <a:pPr lvl="1"/>
             <a:r>
-              <a:rPr lang="en-US"/>
-              <a:t>How have </a:t>
-            </a:r>
-            <a:r>
-              <a:rPr lang="en-US" b="1"/>
-              <a:t>accident patterns</a:t>
-            </a:r>
-            <a:r>
-              <a:rPr lang="en-US"/>
-              <a:t> evolved over time?</a:t>
+              <a:rPr lang="en-US" dirty="0"/>
+              <a:t>Can we </a:t>
+            </a:r>
+            <a:r>
+              <a:rPr lang="en-US" b="1" dirty="0"/>
+              <a:t>predict</a:t>
+            </a:r>
+            <a:r>
+              <a:rPr lang="en-US" dirty="0"/>
+              <a:t> whether a given accident will result in serious </a:t>
+            </a:r>
+            <a:r>
+              <a:rPr lang="en-US" b="1" dirty="0"/>
+              <a:t>aircraft damage</a:t>
+            </a:r>
+            <a:r>
+              <a:rPr lang="en-US" dirty="0"/>
+              <a:t> or </a:t>
+            </a:r>
+            <a:r>
+              <a:rPr lang="en-US" b="1" dirty="0"/>
+              <a:t>casualties</a:t>
+            </a:r>
+            <a:r>
+              <a:rPr lang="en-US" dirty="0"/>
+              <a:t>?</a:t>
             </a:r>
           </a:p>
           <a:p>
             <a:pPr lvl="1"/>
             <a:r>
-              <a:rPr lang="en-US"/>
-              <a:t>Can we </a:t>
-            </a:r>
-            <a:r>
-              <a:rPr lang="en-US" b="1"/>
-              <a:t>predict</a:t>
-            </a:r>
-            <a:r>
-              <a:rPr lang="en-US"/>
-              <a:t> whether a given accident will result in serious </a:t>
-            </a:r>
-            <a:r>
-              <a:rPr lang="en-US" b="1"/>
-              <a:t>aircraft damage</a:t>
-            </a:r>
-            <a:r>
-              <a:rPr lang="en-US"/>
-              <a:t> or </a:t>
-            </a:r>
-            <a:r>
-              <a:rPr lang="en-US" b="1"/>
-              <a:t>casualties</a:t>
-            </a:r>
-            <a:r>
-              <a:rPr lang="en-US"/>
-              <a:t>?</a:t>
-            </a:r>
-          </a:p>
-          <a:p>
-            <a:pPr marL="0" indent="0">
-              <a:buNone/>
-            </a:pPr>
-            <a:endParaRPr lang="en-US"/>
+              <a:rPr lang="en-US" dirty="0"/>
+              <a:t>What trends can be observed in </a:t>
+            </a:r>
+            <a:r>
+              <a:rPr lang="en-US" b="1" dirty="0"/>
+              <a:t>the number of accidents </a:t>
+            </a:r>
+            <a:r>
+              <a:rPr lang="en-US" dirty="0"/>
+              <a:t>over time?</a:t>
+            </a:r>
           </a:p>
           <a:p>
             <a:endParaRPr lang="en-US" dirty="0"/>
@@ -4128,40 +4115,83 @@
           <a:chExt cx="0" cy="0"/>
         </a:xfrm>
       </p:grpSpPr>
-      <p:pic>
-        <p:nvPicPr>
-          <p:cNvPr id="7" name="Picture 6">
-            <a:extLst>
-              <a:ext uri="{FF2B5EF4-FFF2-40B4-BE49-F238E27FC236}">
-                <a16:creationId xmlns:a16="http://schemas.microsoft.com/office/drawing/2014/main" id="{D5B720FC-987D-1814-AD34-C232BBDA8A8C}"/>
-              </a:ext>
-            </a:extLst>
-          </p:cNvPr>
-          <p:cNvPicPr>
-            <a:picLocks noChangeAspect="1"/>
-          </p:cNvPicPr>
-          <p:nvPr/>
-        </p:nvPicPr>
-        <p:blipFill>
-          <a:blip r:embed="rId2"/>
-          <a:stretch>
-            <a:fillRect/>
-          </a:stretch>
-        </p:blipFill>
-        <p:spPr>
-          <a:xfrm>
-            <a:off x="1842654" y="33224"/>
-            <a:ext cx="9055400" cy="6791551"/>
-          </a:xfrm>
-          <a:prstGeom prst="rect">
-            <a:avLst/>
-          </a:prstGeom>
-        </p:spPr>
-      </p:pic>
+      <p:sp>
+        <p:nvSpPr>
+          <p:cNvPr id="2" name="Title 1">
+            <a:extLst>
+              <a:ext uri="{FF2B5EF4-FFF2-40B4-BE49-F238E27FC236}">
+                <a16:creationId xmlns:a16="http://schemas.microsoft.com/office/drawing/2014/main" id="{B185ED0E-4DB8-6D88-E91D-8E118059974A}"/>
+              </a:ext>
+            </a:extLst>
+          </p:cNvPr>
+          <p:cNvSpPr>
+            <a:spLocks noGrp="1"/>
+          </p:cNvSpPr>
+          <p:nvPr>
+            <p:ph type="title"/>
+          </p:nvPr>
+        </p:nvSpPr>
+        <p:spPr/>
+        <p:txBody>
+          <a:bodyPr/>
+          <a:lstStyle/>
+          <a:p>
+            <a:endParaRPr lang="en-KR" dirty="0"/>
+          </a:p>
+        </p:txBody>
+      </p:sp>
+      <p:sp>
+        <p:nvSpPr>
+          <p:cNvPr id="3" name="Content Placeholder 2">
+            <a:extLst>
+              <a:ext uri="{FF2B5EF4-FFF2-40B4-BE49-F238E27FC236}">
+                <a16:creationId xmlns:a16="http://schemas.microsoft.com/office/drawing/2014/main" id="{9DA6C982-A349-D5F6-D4AE-4DAEF8810FDE}"/>
+              </a:ext>
+            </a:extLst>
+          </p:cNvPr>
+          <p:cNvSpPr>
+            <a:spLocks noGrp="1"/>
+          </p:cNvSpPr>
+          <p:nvPr>
+            <p:ph idx="1"/>
+          </p:nvPr>
+        </p:nvSpPr>
+        <p:spPr/>
+        <p:txBody>
+          <a:bodyPr/>
+          <a:lstStyle/>
+          <a:p>
+            <a:r>
+              <a:rPr lang="en-KR" dirty="0"/>
+              <a:t>plot damage vs time(1.1.2000 – 2021.12.31)</a:t>
+            </a:r>
+          </a:p>
+          <a:p>
+            <a:r>
+              <a:rPr lang="en-US" dirty="0"/>
+              <a:t>P</a:t>
+            </a:r>
+            <a:r>
+              <a:rPr lang="en-KR" dirty="0"/>
+              <a:t>roportions in damage category over time</a:t>
+            </a:r>
+          </a:p>
+          <a:p>
+            <a:r>
+              <a:rPr lang="en-US" dirty="0"/>
+              <a:t>I</a:t>
+            </a:r>
+            <a:r>
+              <a:rPr lang="en-KR" dirty="0"/>
+              <a:t>llustrative images.</a:t>
+            </a:r>
+          </a:p>
+        </p:txBody>
+      </p:sp>
     </p:spTree>
     <p:extLst>
       <p:ext uri="{BB962C8B-B14F-4D97-AF65-F5344CB8AC3E}">
-        <p14:creationId xmlns:p14="http://schemas.microsoft.com/office/powerpoint/2010/main" val="1717326656"/>
+        <p14:creationId xmlns:p14="http://schemas.microsoft.com/office/powerpoint/2010/main" val="1382440935"/>
       </p:ext>
     </p:extLst>
   </p:cSld>
@@ -4176,7 +4206,13 @@
   <p:cSld>
     <p:spTree>
       <p:nvGrpSpPr>
-        <p:cNvPr id="1" name=""/>
+        <p:cNvPr id="1" name="">
+          <a:extLst>
+            <a:ext uri="{FF2B5EF4-FFF2-40B4-BE49-F238E27FC236}">
+              <a16:creationId xmlns:a16="http://schemas.microsoft.com/office/drawing/2014/main" id="{A9034EA1-6D63-D05E-05F5-133D017A4312}"/>
+            </a:ext>
+          </a:extLst>
+        </p:cNvPr>
         <p:cNvGrpSpPr/>
         <p:nvPr/>
       </p:nvGrpSpPr>
@@ -4193,7 +4229,7 @@
           <p:cNvPr id="2" name="Title 1">
             <a:extLst>
               <a:ext uri="{FF2B5EF4-FFF2-40B4-BE49-F238E27FC236}">
-                <a16:creationId xmlns:a16="http://schemas.microsoft.com/office/drawing/2014/main" id="{7EE1AF37-71E1-96BF-8876-F823E70E5A00}"/>
+                <a16:creationId xmlns:a16="http://schemas.microsoft.com/office/drawing/2014/main" id="{1B7F510B-8E59-7F52-05E1-640F7DDDF7F1}"/>
               </a:ext>
             </a:extLst>
           </p:cNvPr>
@@ -4206,204 +4242,68 @@
         </p:nvSpPr>
         <p:spPr/>
         <p:txBody>
-          <a:bodyPr/>
-          <a:lstStyle/>
-          <a:p>
-            <a:r>
-              <a:rPr lang="en-KR" dirty="0"/>
-              <a:t>Data Sources</a:t>
-            </a:r>
-          </a:p>
-        </p:txBody>
-      </p:sp>
-      <p:graphicFrame>
-        <p:nvGraphicFramePr>
-          <p:cNvPr id="4" name="Content Placeholder 3">
-            <a:extLst>
-              <a:ext uri="{FF2B5EF4-FFF2-40B4-BE49-F238E27FC236}">
-                <a16:creationId xmlns:a16="http://schemas.microsoft.com/office/drawing/2014/main" id="{43435F9D-4FA8-AC0D-84DE-02389368EAC8}"/>
-              </a:ext>
-            </a:extLst>
-          </p:cNvPr>
-          <p:cNvGraphicFramePr>
-            <a:graphicFrameLocks noGrp="1"/>
-          </p:cNvGraphicFramePr>
+          <a:bodyPr>
+            <a:normAutofit/>
+          </a:bodyPr>
+          <a:lstStyle/>
+          <a:p>
+            <a:r>
+              <a:rPr lang="en-US" dirty="0"/>
+              <a:t>National Travel Safety Board (NTSB) investigation database</a:t>
+            </a:r>
+            <a:endParaRPr lang="en-KR" dirty="0"/>
+          </a:p>
+        </p:txBody>
+      </p:sp>
+      <p:sp>
+        <p:nvSpPr>
+          <p:cNvPr id="5" name="Content Placeholder 4">
+            <a:extLst>
+              <a:ext uri="{FF2B5EF4-FFF2-40B4-BE49-F238E27FC236}">
+                <a16:creationId xmlns:a16="http://schemas.microsoft.com/office/drawing/2014/main" id="{3F909DC1-6A0E-24E6-DB93-71744A085D46}"/>
+              </a:ext>
+            </a:extLst>
+          </p:cNvPr>
+          <p:cNvSpPr>
+            <a:spLocks noGrp="1"/>
+          </p:cNvSpPr>
           <p:nvPr>
             <p:ph idx="1"/>
-            <p:extLst>
-              <p:ext uri="{D42A27DB-BD31-4B8C-83A1-F6EECF244321}">
-                <p14:modId xmlns:p14="http://schemas.microsoft.com/office/powerpoint/2010/main" val="2447451970"/>
-              </p:ext>
-            </p:extLst>
-          </p:nvPr>
-        </p:nvGraphicFramePr>
-        <p:xfrm>
-          <a:off x="838200" y="1825625"/>
-          <a:ext cx="10515597" cy="1381760"/>
-        </p:xfrm>
-        <a:graphic>
-          <a:graphicData uri="http://schemas.openxmlformats.org/drawingml/2006/table">
-            <a:tbl>
-              <a:tblPr firstRow="1" bandRow="1">
-                <a:tableStyleId>{5C22544A-7EE6-4342-B048-85BDC9FD1C3A}</a:tableStyleId>
-              </a:tblPr>
-              <a:tblGrid>
-                <a:gridCol w="2626895">
-                  <a:extLst>
-                    <a:ext uri="{9D8B030D-6E8A-4147-A177-3AD203B41FA5}">
-                      <a16:colId xmlns:a16="http://schemas.microsoft.com/office/drawing/2014/main" val="4093826305"/>
-                    </a:ext>
-                  </a:extLst>
-                </a:gridCol>
-                <a:gridCol w="4383503">
-                  <a:extLst>
-                    <a:ext uri="{9D8B030D-6E8A-4147-A177-3AD203B41FA5}">
-                      <a16:colId xmlns:a16="http://schemas.microsoft.com/office/drawing/2014/main" val="792745460"/>
-                    </a:ext>
-                  </a:extLst>
-                </a:gridCol>
-                <a:gridCol w="3505199">
-                  <a:extLst>
-                    <a:ext uri="{9D8B030D-6E8A-4147-A177-3AD203B41FA5}">
-                      <a16:colId xmlns:a16="http://schemas.microsoft.com/office/drawing/2014/main" val="1257540515"/>
-                    </a:ext>
-                  </a:extLst>
-                </a:gridCol>
-              </a:tblGrid>
-              <a:tr h="370840">
-                <a:tc>
-                  <a:txBody>
-                    <a:bodyPr/>
-                    <a:lstStyle/>
-                    <a:p>
-                      <a:r>
-                        <a:rPr lang="en-KR" dirty="0"/>
-                        <a:t>Dataset</a:t>
-                      </a:r>
-                    </a:p>
-                  </a:txBody>
-                  <a:tcPr/>
-                </a:tc>
-                <a:tc>
-                  <a:txBody>
-                    <a:bodyPr/>
-                    <a:lstStyle/>
-                    <a:p>
-                      <a:r>
-                        <a:rPr lang="en-KR" dirty="0"/>
-                        <a:t>Provider</a:t>
-                      </a:r>
-                    </a:p>
-                  </a:txBody>
-                  <a:tcPr/>
-                </a:tc>
-                <a:tc>
-                  <a:txBody>
-                    <a:bodyPr/>
-                    <a:lstStyle/>
-                    <a:p>
-                      <a:r>
-                        <a:rPr lang="en-KR" dirty="0"/>
-                        <a:t>Description</a:t>
-                      </a:r>
-                    </a:p>
-                  </a:txBody>
-                  <a:tcPr/>
-                </a:tc>
-                <a:extLst>
-                  <a:ext uri="{0D108BD9-81ED-4DB2-BD59-A6C34878D82A}">
-                    <a16:rowId xmlns:a16="http://schemas.microsoft.com/office/drawing/2014/main" val="59041959"/>
-                  </a:ext>
-                </a:extLst>
-              </a:tr>
-              <a:tr h="370840">
-                <a:tc>
-                  <a:txBody>
-                    <a:bodyPr/>
-                    <a:lstStyle/>
-                    <a:p>
-                      <a:r>
-                        <a:rPr lang="en-KR" dirty="0"/>
-                        <a:t>NTSB Aviation Investigation Database</a:t>
-                      </a:r>
-                    </a:p>
-                  </a:txBody>
-                  <a:tcPr/>
-                </a:tc>
-                <a:tc>
-                  <a:txBody>
-                    <a:bodyPr/>
-                    <a:lstStyle/>
-                    <a:p>
-                      <a:endParaRPr lang="en-KR" dirty="0"/>
-                    </a:p>
-                  </a:txBody>
-                  <a:tcPr/>
-                </a:tc>
-                <a:tc>
-                  <a:txBody>
-                    <a:bodyPr/>
-                    <a:lstStyle/>
-                    <a:p>
-                      <a:endParaRPr lang="en-KR"/>
-                    </a:p>
-                  </a:txBody>
-                  <a:tcPr/>
-                </a:tc>
-                <a:extLst>
-                  <a:ext uri="{0D108BD9-81ED-4DB2-BD59-A6C34878D82A}">
-                    <a16:rowId xmlns:a16="http://schemas.microsoft.com/office/drawing/2014/main" val="256920217"/>
-                  </a:ext>
-                </a:extLst>
-              </a:tr>
-              <a:tr h="370840">
-                <a:tc>
-                  <a:txBody>
-                    <a:bodyPr/>
-                    <a:lstStyle/>
-                    <a:p>
-                      <a:r>
-                        <a:rPr lang="en-KR" dirty="0"/>
-                        <a:t>T-100</a:t>
-                      </a:r>
-                    </a:p>
-                  </a:txBody>
-                  <a:tcPr/>
-                </a:tc>
-                <a:tc>
-                  <a:txBody>
-                    <a:bodyPr/>
-                    <a:lstStyle/>
-                    <a:p>
-                      <a:endParaRPr lang="en-KR"/>
-                    </a:p>
-                  </a:txBody>
-                  <a:tcPr/>
-                </a:tc>
-                <a:tc>
-                  <a:txBody>
-                    <a:bodyPr/>
-                    <a:lstStyle/>
-                    <a:p>
-                      <a:endParaRPr lang="en-KR" dirty="0"/>
-                    </a:p>
-                  </a:txBody>
-                  <a:tcPr/>
-                </a:tc>
-                <a:extLst>
-                  <a:ext uri="{0D108BD9-81ED-4DB2-BD59-A6C34878D82A}">
-                    <a16:rowId xmlns:a16="http://schemas.microsoft.com/office/drawing/2014/main" val="1383712221"/>
-                  </a:ext>
-                </a:extLst>
-              </a:tr>
-            </a:tbl>
-          </a:graphicData>
-        </a:graphic>
-      </p:graphicFrame>
+          </p:nvPr>
+        </p:nvSpPr>
+        <p:spPr/>
+        <p:txBody>
+          <a:bodyPr/>
+          <a:lstStyle/>
+          <a:p>
+            <a:pPr lvl="0"/>
+            <a:r>
+              <a:rPr lang="en-US" dirty="0"/>
+              <a:t>Dataset of investigations into airplane accidents, typically performed within 1-2 years of incident</a:t>
+            </a:r>
+          </a:p>
+          <a:p>
+            <a:pPr lvl="0"/>
+            <a:r>
+              <a:rPr lang="en-US" dirty="0"/>
+              <a:t>Fact gathering includes flight logs, maintenance records</a:t>
+            </a:r>
+            <a:endParaRPr lang="en-KR" dirty="0"/>
+          </a:p>
+          <a:p>
+            <a:pPr lvl="0"/>
+            <a:r>
+              <a:rPr lang="en-US" dirty="0"/>
+              <a:t>Includes information on on-flight injuries, their severity, and aircraft damage.</a:t>
+            </a:r>
+            <a:endParaRPr lang="en-KR" dirty="0"/>
+          </a:p>
+        </p:txBody>
+      </p:sp>
     </p:spTree>
     <p:extLst>
       <p:ext uri="{BB962C8B-B14F-4D97-AF65-F5344CB8AC3E}">
-        <p14:creationId xmlns:p14="http://schemas.microsoft.com/office/powerpoint/2010/main" val="3793642540"/>
+        <p14:creationId xmlns:p14="http://schemas.microsoft.com/office/powerpoint/2010/main" val="3430632823"/>
       </p:ext>
     </p:extLst>
   </p:cSld>
@@ -4578,11 +4478,11 @@
             </a:r>
             <a:r>
               <a:rPr lang="en-US" sz="3200" dirty="0" err="1"/>
-              <a:t>pyodbc</a:t>
+              <a:t>mdb</a:t>
             </a:r>
             <a:r>
               <a:rPr lang="en-US" sz="3200" dirty="0"/>
-              <a:t>’</a:t>
+              <a:t>-tools’</a:t>
             </a:r>
           </a:p>
           <a:p>
@@ -5001,406 +4901,6 @@
       <p:bldP spid="4" grpId="0" uiExpand="1" build="p"/>
     </p:bldLst>
   </p:timing>
-</p:sld>
-</file>
-
-<file path=ppt/slides/slide6.xml><?xml version="1.0" encoding="utf-8"?>
-<p:sld xmlns:a="http://schemas.openxmlformats.org/drawingml/2006/main" xmlns:r="http://schemas.openxmlformats.org/officeDocument/2006/relationships" xmlns:p="http://schemas.openxmlformats.org/presentationml/2006/main">
-  <p:cSld>
-    <p:spTree>
-      <p:nvGrpSpPr>
-        <p:cNvPr id="1" name="">
-          <a:extLst>
-            <a:ext uri="{FF2B5EF4-FFF2-40B4-BE49-F238E27FC236}">
-              <a16:creationId xmlns:a16="http://schemas.microsoft.com/office/drawing/2014/main" id="{428CE7DE-4081-FBFA-0D47-097C7ABEE2F9}"/>
-            </a:ext>
-          </a:extLst>
-        </p:cNvPr>
-        <p:cNvGrpSpPr/>
-        <p:nvPr/>
-      </p:nvGrpSpPr>
-      <p:grpSpPr>
-        <a:xfrm>
-          <a:off x="0" y="0"/>
-          <a:ext cx="0" cy="0"/>
-          <a:chOff x="0" y="0"/>
-          <a:chExt cx="0" cy="0"/>
-        </a:xfrm>
-      </p:grpSpPr>
-      <p:sp>
-        <p:nvSpPr>
-          <p:cNvPr id="2" name="Title 1">
-            <a:extLst>
-              <a:ext uri="{FF2B5EF4-FFF2-40B4-BE49-F238E27FC236}">
-                <a16:creationId xmlns:a16="http://schemas.microsoft.com/office/drawing/2014/main" id="{2629A22F-9770-E0B3-1845-2A786B9A09A4}"/>
-              </a:ext>
-            </a:extLst>
-          </p:cNvPr>
-          <p:cNvSpPr>
-            <a:spLocks noGrp="1"/>
-          </p:cNvSpPr>
-          <p:nvPr>
-            <p:ph type="title"/>
-          </p:nvPr>
-        </p:nvSpPr>
-        <p:spPr/>
-        <p:txBody>
-          <a:bodyPr/>
-          <a:lstStyle/>
-          <a:p>
-            <a:r>
-              <a:rPr lang="en-US" dirty="0"/>
-              <a:t>Problem Definition revisited</a:t>
-            </a:r>
-          </a:p>
-        </p:txBody>
-      </p:sp>
-      <p:sp>
-        <p:nvSpPr>
-          <p:cNvPr id="3" name="Content Placeholder 2">
-            <a:extLst>
-              <a:ext uri="{FF2B5EF4-FFF2-40B4-BE49-F238E27FC236}">
-                <a16:creationId xmlns:a16="http://schemas.microsoft.com/office/drawing/2014/main" id="{88FAFBDE-7797-5BC0-DA05-7C9F21E21AB1}"/>
-              </a:ext>
-            </a:extLst>
-          </p:cNvPr>
-          <p:cNvSpPr>
-            <a:spLocks noGrp="1"/>
-          </p:cNvSpPr>
-          <p:nvPr>
-            <p:ph idx="1"/>
-          </p:nvPr>
-        </p:nvSpPr>
-        <p:spPr/>
-        <p:txBody>
-          <a:bodyPr/>
-          <a:lstStyle/>
-          <a:p>
-            <a:pPr marL="0" indent="0">
-              <a:buNone/>
-            </a:pPr>
-            <a:r>
-              <a:rPr lang="en-US" b="1" dirty="0"/>
-              <a:t>Objective</a:t>
-            </a:r>
-            <a:endParaRPr lang="en-US" dirty="0"/>
-          </a:p>
-          <a:p>
-            <a:pPr lvl="1"/>
-            <a:r>
-              <a:rPr lang="en-US" dirty="0"/>
-              <a:t>To create a comprehensive overview of </a:t>
-            </a:r>
-            <a:r>
-              <a:rPr lang="en-US" b="1" dirty="0"/>
-              <a:t>aviation accident </a:t>
-            </a:r>
-            <a:r>
-              <a:rPr lang="en-US" dirty="0"/>
-              <a:t>in US territory during 2008 – 2022</a:t>
-            </a:r>
-          </a:p>
-          <a:p>
-            <a:pPr lvl="1"/>
-            <a:r>
-              <a:rPr lang="en-US" dirty="0"/>
-              <a:t>To analyze key contributing factors associated with </a:t>
-            </a:r>
-            <a:r>
-              <a:rPr lang="en-US" b="1" dirty="0"/>
-              <a:t>aircraft damage and casualties</a:t>
-            </a:r>
-          </a:p>
-          <a:p>
-            <a:pPr lvl="1"/>
-            <a:r>
-              <a:rPr lang="en-US" dirty="0"/>
-              <a:t>To develop </a:t>
-            </a:r>
-            <a:r>
-              <a:rPr lang="en-US" b="1" dirty="0"/>
-              <a:t>predictive insights</a:t>
-            </a:r>
-            <a:r>
-              <a:rPr lang="en-US" dirty="0"/>
-              <a:t> and </a:t>
-            </a:r>
-            <a:r>
-              <a:rPr lang="en-US" b="1" dirty="0"/>
-              <a:t>recommendations</a:t>
-            </a:r>
-            <a:r>
-              <a:rPr lang="en-US" dirty="0"/>
-              <a:t> for enhancing aviation safety</a:t>
-            </a:r>
-            <a:endParaRPr lang="en-US" dirty="0">
-              <a:highlight>
-                <a:srgbClr val="C0C0C0"/>
-              </a:highlight>
-            </a:endParaRPr>
-          </a:p>
-          <a:p>
-            <a:endParaRPr lang="en-US" dirty="0"/>
-          </a:p>
-          <a:p>
-            <a:endParaRPr lang="en-US" dirty="0"/>
-          </a:p>
-        </p:txBody>
-      </p:sp>
-    </p:spTree>
-    <p:extLst>
-      <p:ext uri="{BB962C8B-B14F-4D97-AF65-F5344CB8AC3E}">
-        <p14:creationId xmlns:p14="http://schemas.microsoft.com/office/powerpoint/2010/main" val="1257892596"/>
-      </p:ext>
-    </p:extLst>
-  </p:cSld>
-  <p:clrMapOvr>
-    <a:masterClrMapping/>
-  </p:clrMapOvr>
-</p:sld>
-</file>
-
-<file path=ppt/slides/slide7.xml><?xml version="1.0" encoding="utf-8"?>
-<p:sld xmlns:a="http://schemas.openxmlformats.org/drawingml/2006/main" xmlns:r="http://schemas.openxmlformats.org/officeDocument/2006/relationships" xmlns:p="http://schemas.openxmlformats.org/presentationml/2006/main">
-  <p:cSld>
-    <p:spTree>
-      <p:nvGrpSpPr>
-        <p:cNvPr id="1" name=""/>
-        <p:cNvGrpSpPr/>
-        <p:nvPr/>
-      </p:nvGrpSpPr>
-      <p:grpSpPr>
-        <a:xfrm>
-          <a:off x="0" y="0"/>
-          <a:ext cx="0" cy="0"/>
-          <a:chOff x="0" y="0"/>
-          <a:chExt cx="0" cy="0"/>
-        </a:xfrm>
-      </p:grpSpPr>
-      <p:sp>
-        <p:nvSpPr>
-          <p:cNvPr id="2" name="Title 1">
-            <a:extLst>
-              <a:ext uri="{FF2B5EF4-FFF2-40B4-BE49-F238E27FC236}">
-                <a16:creationId xmlns:a16="http://schemas.microsoft.com/office/drawing/2014/main" id="{25407095-D418-1F16-6D1B-F1B1EFC746A0}"/>
-              </a:ext>
-            </a:extLst>
-          </p:cNvPr>
-          <p:cNvSpPr>
-            <a:spLocks noGrp="1"/>
-          </p:cNvSpPr>
-          <p:nvPr>
-            <p:ph type="title"/>
-          </p:nvPr>
-        </p:nvSpPr>
-        <p:spPr/>
-        <p:txBody>
-          <a:bodyPr/>
-          <a:lstStyle/>
-          <a:p>
-            <a:r>
-              <a:rPr lang="en-US" dirty="0"/>
-              <a:t>KPIs &amp; Target Variables</a:t>
-            </a:r>
-          </a:p>
-        </p:txBody>
-      </p:sp>
-      <p:sp>
-        <p:nvSpPr>
-          <p:cNvPr id="3" name="Content Placeholder 2">
-            <a:extLst>
-              <a:ext uri="{FF2B5EF4-FFF2-40B4-BE49-F238E27FC236}">
-                <a16:creationId xmlns:a16="http://schemas.microsoft.com/office/drawing/2014/main" id="{E9562A2E-F841-79EF-E681-C3A7C25E258E}"/>
-              </a:ext>
-            </a:extLst>
-          </p:cNvPr>
-          <p:cNvSpPr>
-            <a:spLocks noGrp="1"/>
-          </p:cNvSpPr>
-          <p:nvPr>
-            <p:ph idx="1"/>
-          </p:nvPr>
-        </p:nvSpPr>
-        <p:spPr/>
-        <p:txBody>
-          <a:bodyPr/>
-          <a:lstStyle/>
-          <a:p>
-            <a:pPr marL="0" indent="0">
-              <a:buNone/>
-            </a:pPr>
-            <a:r>
-              <a:rPr lang="en-US" dirty="0"/>
-              <a:t>KPI: Level of accident severity</a:t>
-            </a:r>
-          </a:p>
-          <a:p>
-            <a:pPr marL="0" indent="0">
-              <a:buNone/>
-            </a:pPr>
-            <a:endParaRPr lang="en-US" dirty="0"/>
-          </a:p>
-          <a:p>
-            <a:pPr marL="514350" indent="-514350">
-              <a:buFont typeface="+mj-lt"/>
-              <a:buAutoNum type="arabicPeriod"/>
-            </a:pPr>
-            <a:r>
-              <a:rPr lang="en-US" dirty="0"/>
-              <a:t>Level of Aircraft Damage	</a:t>
-            </a:r>
-          </a:p>
-          <a:p>
-            <a:pPr lvl="1"/>
-            <a:r>
-              <a:rPr lang="en-US" dirty="0"/>
-              <a:t>Destroyed, substantial, minor, none</a:t>
-            </a:r>
-          </a:p>
-          <a:p>
-            <a:pPr marL="514350" indent="-514350">
-              <a:buFont typeface="+mj-lt"/>
-              <a:buAutoNum type="arabicPeriod"/>
-            </a:pPr>
-            <a:r>
-              <a:rPr lang="en-US" dirty="0"/>
-              <a:t>Proportion of injuries </a:t>
-            </a:r>
-          </a:p>
-          <a:p>
-            <a:pPr lvl="1"/>
-            <a:r>
-              <a:rPr lang="en-US" dirty="0"/>
-              <a:t>Fatal, serious, minor, none</a:t>
-            </a:r>
-          </a:p>
-          <a:p>
-            <a:pPr marL="514350" indent="-514350">
-              <a:buFont typeface="+mj-lt"/>
-              <a:buAutoNum type="arabicPeriod"/>
-            </a:pPr>
-            <a:r>
-              <a:rPr lang="en-US" dirty="0"/>
-              <a:t>(Number of accidents in given month)</a:t>
-            </a:r>
-          </a:p>
-        </p:txBody>
-      </p:sp>
-    </p:spTree>
-    <p:extLst>
-      <p:ext uri="{BB962C8B-B14F-4D97-AF65-F5344CB8AC3E}">
-        <p14:creationId xmlns:p14="http://schemas.microsoft.com/office/powerpoint/2010/main" val="3544964793"/>
-      </p:ext>
-    </p:extLst>
-  </p:cSld>
-  <p:clrMapOvr>
-    <a:masterClrMapping/>
-  </p:clrMapOvr>
-</p:sld>
-</file>
-
-<file path=ppt/slides/slide8.xml><?xml version="1.0" encoding="utf-8"?>
-<p:sld xmlns:a="http://schemas.openxmlformats.org/drawingml/2006/main" xmlns:r="http://schemas.openxmlformats.org/officeDocument/2006/relationships" xmlns:p="http://schemas.openxmlformats.org/presentationml/2006/main">
-  <p:cSld>
-    <p:spTree>
-      <p:nvGrpSpPr>
-        <p:cNvPr id="1" name=""/>
-        <p:cNvGrpSpPr/>
-        <p:nvPr/>
-      </p:nvGrpSpPr>
-      <p:grpSpPr>
-        <a:xfrm>
-          <a:off x="0" y="0"/>
-          <a:ext cx="0" cy="0"/>
-          <a:chOff x="0" y="0"/>
-          <a:chExt cx="0" cy="0"/>
-        </a:xfrm>
-      </p:grpSpPr>
-      <p:sp>
-        <p:nvSpPr>
-          <p:cNvPr id="2" name="Title 1">
-            <a:extLst>
-              <a:ext uri="{FF2B5EF4-FFF2-40B4-BE49-F238E27FC236}">
-                <a16:creationId xmlns:a16="http://schemas.microsoft.com/office/drawing/2014/main" id="{5EEE127B-4E2A-104C-433A-42C0CE0D1C6A}"/>
-              </a:ext>
-            </a:extLst>
-          </p:cNvPr>
-          <p:cNvSpPr>
-            <a:spLocks noGrp="1"/>
-          </p:cNvSpPr>
-          <p:nvPr>
-            <p:ph type="title"/>
-          </p:nvPr>
-        </p:nvSpPr>
-        <p:spPr/>
-        <p:txBody>
-          <a:bodyPr/>
-          <a:lstStyle/>
-          <a:p>
-            <a:endParaRPr lang="en-KR"/>
-          </a:p>
-        </p:txBody>
-      </p:sp>
-      <p:sp>
-        <p:nvSpPr>
-          <p:cNvPr id="3" name="Content Placeholder 2">
-            <a:extLst>
-              <a:ext uri="{FF2B5EF4-FFF2-40B4-BE49-F238E27FC236}">
-                <a16:creationId xmlns:a16="http://schemas.microsoft.com/office/drawing/2014/main" id="{DFF5B1B8-1119-0B7F-2511-F68E9D2C6897}"/>
-              </a:ext>
-            </a:extLst>
-          </p:cNvPr>
-          <p:cNvSpPr>
-            <a:spLocks noGrp="1"/>
-          </p:cNvSpPr>
-          <p:nvPr>
-            <p:ph sz="half" idx="1"/>
-          </p:nvPr>
-        </p:nvSpPr>
-        <p:spPr/>
-        <p:txBody>
-          <a:bodyPr/>
-          <a:lstStyle/>
-          <a:p>
-            <a:endParaRPr lang="en-KR"/>
-          </a:p>
-        </p:txBody>
-      </p:sp>
-      <p:sp>
-        <p:nvSpPr>
-          <p:cNvPr id="4" name="Content Placeholder 3">
-            <a:extLst>
-              <a:ext uri="{FF2B5EF4-FFF2-40B4-BE49-F238E27FC236}">
-                <a16:creationId xmlns:a16="http://schemas.microsoft.com/office/drawing/2014/main" id="{1E058F13-AD8B-5B0A-FDE9-C2A7A263DD2D}"/>
-              </a:ext>
-            </a:extLst>
-          </p:cNvPr>
-          <p:cNvSpPr>
-            <a:spLocks noGrp="1"/>
-          </p:cNvSpPr>
-          <p:nvPr>
-            <p:ph sz="half" idx="2"/>
-          </p:nvPr>
-        </p:nvSpPr>
-        <p:spPr/>
-        <p:txBody>
-          <a:bodyPr/>
-          <a:lstStyle/>
-          <a:p>
-            <a:endParaRPr lang="en-KR"/>
-          </a:p>
-        </p:txBody>
-      </p:sp>
-    </p:spTree>
-    <p:extLst>
-      <p:ext uri="{BB962C8B-B14F-4D97-AF65-F5344CB8AC3E}">
-        <p14:creationId xmlns:p14="http://schemas.microsoft.com/office/powerpoint/2010/main" val="3959038017"/>
-      </p:ext>
-    </p:extLst>
-  </p:cSld>
-  <p:clrMapOvr>
-    <a:masterClrMapping/>
-  </p:clrMapOvr>
 </p:sld>
 </file>
 

--- a/deliverables/presentation_intro_problem_definition_data_collection.pptx
+++ b/deliverables/presentation_intro_problem_definition_data_collection.pptx
@@ -5,14 +5,13 @@
     <p:sldMasterId id="2147483648" r:id="rId1"/>
   </p:sldMasterIdLst>
   <p:notesMasterIdLst>
-    <p:notesMasterId r:id="rId7"/>
+    <p:notesMasterId r:id="rId6"/>
   </p:notesMasterIdLst>
   <p:sldIdLst>
     <p:sldId id="256" r:id="rId2"/>
-    <p:sldId id="257" r:id="rId3"/>
-    <p:sldId id="273" r:id="rId4"/>
-    <p:sldId id="272" r:id="rId5"/>
-    <p:sldId id="264" r:id="rId6"/>
+    <p:sldId id="276" r:id="rId3"/>
+    <p:sldId id="274" r:id="rId4"/>
+    <p:sldId id="264" r:id="rId5"/>
   </p:sldIdLst>
   <p:sldSz cx="12192000" cy="6858000"/>
   <p:notesSz cx="6858000" cy="9144000"/>
@@ -130,6 +129,3064 @@
 </p188:authorLst>
 </file>
 
+<file path=ppt/diagrams/colors1.xml><?xml version="1.0" encoding="utf-8"?>
+<dgm:colorsDef xmlns:dgm="http://schemas.openxmlformats.org/drawingml/2006/diagram" xmlns:a="http://schemas.openxmlformats.org/drawingml/2006/main" uniqueId="urn:microsoft.com/office/officeart/2005/8/colors/accent0_3">
+  <dgm:title val=""/>
+  <dgm:desc val=""/>
+  <dgm:catLst>
+    <dgm:cat type="mainScheme" pri="10300"/>
+  </dgm:catLst>
+  <dgm:styleLbl name="node0">
+    <dgm:fillClrLst meth="repeat">
+      <a:schemeClr val="dk2"/>
+    </dgm:fillClrLst>
+    <dgm:linClrLst meth="repeat">
+      <a:schemeClr val="lt2"/>
+    </dgm:linClrLst>
+    <dgm:effectClrLst/>
+    <dgm:txLinClrLst/>
+    <dgm:txFillClrLst/>
+    <dgm:txEffectClrLst/>
+  </dgm:styleLbl>
+  <dgm:styleLbl name="alignNode1">
+    <dgm:fillClrLst meth="repeat">
+      <a:schemeClr val="dk2"/>
+    </dgm:fillClrLst>
+    <dgm:linClrLst meth="repeat">
+      <a:schemeClr val="dk2"/>
+    </dgm:linClrLst>
+    <dgm:effectClrLst/>
+    <dgm:txLinClrLst/>
+    <dgm:txFillClrLst/>
+    <dgm:txEffectClrLst/>
+  </dgm:styleLbl>
+  <dgm:styleLbl name="node1">
+    <dgm:fillClrLst meth="repeat">
+      <a:schemeClr val="dk2"/>
+    </dgm:fillClrLst>
+    <dgm:linClrLst meth="repeat">
+      <a:schemeClr val="lt2"/>
+    </dgm:linClrLst>
+    <dgm:effectClrLst/>
+    <dgm:txLinClrLst/>
+    <dgm:txFillClrLst/>
+    <dgm:txEffectClrLst/>
+  </dgm:styleLbl>
+  <dgm:styleLbl name="lnNode1">
+    <dgm:fillClrLst meth="repeat">
+      <a:schemeClr val="dk2"/>
+    </dgm:fillClrLst>
+    <dgm:linClrLst meth="repeat">
+      <a:schemeClr val="lt2"/>
+    </dgm:linClrLst>
+    <dgm:effectClrLst/>
+    <dgm:txLinClrLst/>
+    <dgm:txFillClrLst/>
+    <dgm:txEffectClrLst/>
+  </dgm:styleLbl>
+  <dgm:styleLbl name="vennNode1">
+    <dgm:fillClrLst meth="repeat">
+      <a:schemeClr val="dk2">
+        <a:alpha val="50000"/>
+      </a:schemeClr>
+    </dgm:fillClrLst>
+    <dgm:linClrLst meth="repeat">
+      <a:schemeClr val="lt2"/>
+    </dgm:linClrLst>
+    <dgm:effectClrLst/>
+    <dgm:txLinClrLst/>
+    <dgm:txFillClrLst/>
+    <dgm:txEffectClrLst/>
+  </dgm:styleLbl>
+  <dgm:styleLbl name="node2">
+    <dgm:fillClrLst meth="repeat">
+      <a:schemeClr val="dk2"/>
+    </dgm:fillClrLst>
+    <dgm:linClrLst meth="repeat">
+      <a:schemeClr val="lt2"/>
+    </dgm:linClrLst>
+    <dgm:effectClrLst/>
+    <dgm:txLinClrLst/>
+    <dgm:txFillClrLst/>
+    <dgm:txEffectClrLst/>
+  </dgm:styleLbl>
+  <dgm:styleLbl name="node3">
+    <dgm:fillClrLst meth="repeat">
+      <a:schemeClr val="dk2"/>
+    </dgm:fillClrLst>
+    <dgm:linClrLst meth="repeat">
+      <a:schemeClr val="lt2"/>
+    </dgm:linClrLst>
+    <dgm:effectClrLst/>
+    <dgm:txLinClrLst/>
+    <dgm:txFillClrLst/>
+    <dgm:txEffectClrLst/>
+  </dgm:styleLbl>
+  <dgm:styleLbl name="node4">
+    <dgm:fillClrLst meth="repeat">
+      <a:schemeClr val="dk2"/>
+    </dgm:fillClrLst>
+    <dgm:linClrLst meth="repeat">
+      <a:schemeClr val="lt2"/>
+    </dgm:linClrLst>
+    <dgm:effectClrLst/>
+    <dgm:txLinClrLst/>
+    <dgm:txFillClrLst/>
+    <dgm:txEffectClrLst/>
+  </dgm:styleLbl>
+  <dgm:styleLbl name="fgImgPlace1">
+    <dgm:fillClrLst meth="repeat">
+      <a:schemeClr val="dk2">
+        <a:tint val="50000"/>
+      </a:schemeClr>
+    </dgm:fillClrLst>
+    <dgm:linClrLst meth="repeat">
+      <a:schemeClr val="lt2"/>
+    </dgm:linClrLst>
+    <dgm:effectClrLst/>
+    <dgm:txLinClrLst/>
+    <dgm:txFillClrLst meth="repeat">
+      <a:schemeClr val="lt2"/>
+    </dgm:txFillClrLst>
+    <dgm:txEffectClrLst/>
+  </dgm:styleLbl>
+  <dgm:styleLbl name="alignImgPlace1">
+    <dgm:fillClrLst meth="repeat">
+      <a:schemeClr val="dk2">
+        <a:tint val="50000"/>
+      </a:schemeClr>
+    </dgm:fillClrLst>
+    <dgm:linClrLst meth="repeat">
+      <a:schemeClr val="dk2">
+        <a:shade val="80000"/>
+      </a:schemeClr>
+    </dgm:linClrLst>
+    <dgm:effectClrLst/>
+    <dgm:txLinClrLst/>
+    <dgm:txFillClrLst meth="repeat">
+      <a:schemeClr val="lt2"/>
+    </dgm:txFillClrLst>
+    <dgm:txEffectClrLst/>
+  </dgm:styleLbl>
+  <dgm:styleLbl name="bgImgPlace1">
+    <dgm:fillClrLst meth="repeat">
+      <a:schemeClr val="dk2">
+        <a:tint val="50000"/>
+      </a:schemeClr>
+    </dgm:fillClrLst>
+    <dgm:linClrLst meth="repeat">
+      <a:schemeClr val="dk2">
+        <a:shade val="80000"/>
+      </a:schemeClr>
+    </dgm:linClrLst>
+    <dgm:effectClrLst/>
+    <dgm:txLinClrLst/>
+    <dgm:txFillClrLst meth="repeat">
+      <a:schemeClr val="lt2"/>
+    </dgm:txFillClrLst>
+    <dgm:txEffectClrLst/>
+  </dgm:styleLbl>
+  <dgm:styleLbl name="sibTrans2D1">
+    <dgm:fillClrLst meth="repeat">
+      <a:schemeClr val="dk2">
+        <a:tint val="60000"/>
+      </a:schemeClr>
+    </dgm:fillClrLst>
+    <dgm:linClrLst meth="repeat">
+      <a:schemeClr val="dk2">
+        <a:tint val="60000"/>
+      </a:schemeClr>
+    </dgm:linClrLst>
+    <dgm:effectClrLst/>
+    <dgm:txLinClrLst/>
+    <dgm:txFillClrLst/>
+    <dgm:txEffectClrLst/>
+  </dgm:styleLbl>
+  <dgm:styleLbl name="fgSibTrans2D1">
+    <dgm:fillClrLst meth="repeat">
+      <a:schemeClr val="dk2">
+        <a:tint val="60000"/>
+      </a:schemeClr>
+    </dgm:fillClrLst>
+    <dgm:linClrLst meth="repeat">
+      <a:schemeClr val="dk2">
+        <a:tint val="60000"/>
+      </a:schemeClr>
+    </dgm:linClrLst>
+    <dgm:effectClrLst/>
+    <dgm:txLinClrLst/>
+    <dgm:txFillClrLst/>
+    <dgm:txEffectClrLst/>
+  </dgm:styleLbl>
+  <dgm:styleLbl name="bgSibTrans2D1">
+    <dgm:fillClrLst meth="repeat">
+      <a:schemeClr val="dk2">
+        <a:tint val="60000"/>
+      </a:schemeClr>
+    </dgm:fillClrLst>
+    <dgm:linClrLst meth="repeat">
+      <a:schemeClr val="dk2">
+        <a:tint val="60000"/>
+      </a:schemeClr>
+    </dgm:linClrLst>
+    <dgm:effectClrLst/>
+    <dgm:txLinClrLst/>
+    <dgm:txFillClrLst/>
+    <dgm:txEffectClrLst/>
+  </dgm:styleLbl>
+  <dgm:styleLbl name="sibTrans1D1">
+    <dgm:fillClrLst meth="repeat">
+      <a:schemeClr val="dk2"/>
+    </dgm:fillClrLst>
+    <dgm:linClrLst meth="repeat">
+      <a:schemeClr val="dk2"/>
+    </dgm:linClrLst>
+    <dgm:effectClrLst/>
+    <dgm:txLinClrLst/>
+    <dgm:txFillClrLst meth="repeat">
+      <a:schemeClr val="lt2"/>
+    </dgm:txFillClrLst>
+    <dgm:txEffectClrLst/>
+  </dgm:styleLbl>
+  <dgm:styleLbl name="callout">
+    <dgm:fillClrLst meth="repeat">
+      <a:schemeClr val="dk2"/>
+    </dgm:fillClrLst>
+    <dgm:linClrLst meth="repeat">
+      <a:schemeClr val="dk2">
+        <a:tint val="50000"/>
+      </a:schemeClr>
+    </dgm:linClrLst>
+    <dgm:effectClrLst/>
+    <dgm:txLinClrLst/>
+    <dgm:txFillClrLst meth="repeat">
+      <a:schemeClr val="lt2"/>
+    </dgm:txFillClrLst>
+    <dgm:txEffectClrLst/>
+  </dgm:styleLbl>
+  <dgm:styleLbl name="asst0">
+    <dgm:fillClrLst meth="repeat">
+      <a:schemeClr val="dk2"/>
+    </dgm:fillClrLst>
+    <dgm:linClrLst meth="repeat">
+      <a:schemeClr val="lt2"/>
+    </dgm:linClrLst>
+    <dgm:effectClrLst/>
+    <dgm:txLinClrLst/>
+    <dgm:txFillClrLst/>
+    <dgm:txEffectClrLst/>
+  </dgm:styleLbl>
+  <dgm:styleLbl name="asst1">
+    <dgm:fillClrLst meth="repeat">
+      <a:schemeClr val="dk2"/>
+    </dgm:fillClrLst>
+    <dgm:linClrLst meth="repeat">
+      <a:schemeClr val="lt2"/>
+    </dgm:linClrLst>
+    <dgm:effectClrLst/>
+    <dgm:txLinClrLst/>
+    <dgm:txFillClrLst/>
+    <dgm:txEffectClrLst/>
+  </dgm:styleLbl>
+  <dgm:styleLbl name="asst2">
+    <dgm:fillClrLst meth="repeat">
+      <a:schemeClr val="dk2"/>
+    </dgm:fillClrLst>
+    <dgm:linClrLst meth="repeat">
+      <a:schemeClr val="lt2"/>
+    </dgm:linClrLst>
+    <dgm:effectClrLst/>
+    <dgm:txLinClrLst/>
+    <dgm:txFillClrLst/>
+    <dgm:txEffectClrLst/>
+  </dgm:styleLbl>
+  <dgm:styleLbl name="asst3">
+    <dgm:fillClrLst meth="repeat">
+      <a:schemeClr val="dk2"/>
+    </dgm:fillClrLst>
+    <dgm:linClrLst meth="repeat">
+      <a:schemeClr val="lt2"/>
+    </dgm:linClrLst>
+    <dgm:effectClrLst/>
+    <dgm:txLinClrLst/>
+    <dgm:txFillClrLst/>
+    <dgm:txEffectClrLst/>
+  </dgm:styleLbl>
+  <dgm:styleLbl name="asst4">
+    <dgm:fillClrLst meth="repeat">
+      <a:schemeClr val="dk2"/>
+    </dgm:fillClrLst>
+    <dgm:linClrLst meth="repeat">
+      <a:schemeClr val="lt2"/>
+    </dgm:linClrLst>
+    <dgm:effectClrLst/>
+    <dgm:txLinClrLst/>
+    <dgm:txFillClrLst/>
+    <dgm:txEffectClrLst/>
+  </dgm:styleLbl>
+  <dgm:styleLbl name="parChTrans2D1">
+    <dgm:fillClrLst meth="repeat">
+      <a:schemeClr val="dk2">
+        <a:tint val="60000"/>
+      </a:schemeClr>
+    </dgm:fillClrLst>
+    <dgm:linClrLst meth="repeat">
+      <a:schemeClr val="dk2">
+        <a:tint val="60000"/>
+      </a:schemeClr>
+    </dgm:linClrLst>
+    <dgm:effectClrLst/>
+    <dgm:txLinClrLst/>
+    <dgm:txFillClrLst meth="repeat">
+      <a:schemeClr val="lt2"/>
+    </dgm:txFillClrLst>
+    <dgm:txEffectClrLst/>
+  </dgm:styleLbl>
+  <dgm:styleLbl name="parChTrans2D2">
+    <dgm:fillClrLst meth="repeat">
+      <a:schemeClr val="dk2"/>
+    </dgm:fillClrLst>
+    <dgm:linClrLst meth="repeat">
+      <a:schemeClr val="dk2"/>
+    </dgm:linClrLst>
+    <dgm:effectClrLst/>
+    <dgm:txLinClrLst/>
+    <dgm:txFillClrLst meth="repeat">
+      <a:schemeClr val="lt2"/>
+    </dgm:txFillClrLst>
+    <dgm:txEffectClrLst/>
+  </dgm:styleLbl>
+  <dgm:styleLbl name="parChTrans2D3">
+    <dgm:fillClrLst meth="repeat">
+      <a:schemeClr val="dk2"/>
+    </dgm:fillClrLst>
+    <dgm:linClrLst meth="repeat">
+      <a:schemeClr val="dk2"/>
+    </dgm:linClrLst>
+    <dgm:effectClrLst/>
+    <dgm:txLinClrLst/>
+    <dgm:txFillClrLst meth="repeat">
+      <a:schemeClr val="lt2"/>
+    </dgm:txFillClrLst>
+    <dgm:txEffectClrLst/>
+  </dgm:styleLbl>
+  <dgm:styleLbl name="parChTrans2D4">
+    <dgm:fillClrLst meth="repeat">
+      <a:schemeClr val="dk2"/>
+    </dgm:fillClrLst>
+    <dgm:linClrLst meth="repeat">
+      <a:schemeClr val="dk2"/>
+    </dgm:linClrLst>
+    <dgm:effectClrLst/>
+    <dgm:txLinClrLst/>
+    <dgm:txFillClrLst meth="repeat">
+      <a:schemeClr val="lt2"/>
+    </dgm:txFillClrLst>
+    <dgm:txEffectClrLst/>
+  </dgm:styleLbl>
+  <dgm:styleLbl name="parChTrans1D1">
+    <dgm:fillClrLst meth="repeat">
+      <a:schemeClr val="dk2"/>
+    </dgm:fillClrLst>
+    <dgm:linClrLst meth="repeat">
+      <a:schemeClr val="dk2">
+        <a:shade val="60000"/>
+      </a:schemeClr>
+    </dgm:linClrLst>
+    <dgm:effectClrLst/>
+    <dgm:txLinClrLst/>
+    <dgm:txFillClrLst meth="repeat">
+      <a:schemeClr val="tx1"/>
+    </dgm:txFillClrLst>
+    <dgm:txEffectClrLst/>
+  </dgm:styleLbl>
+  <dgm:styleLbl name="parChTrans1D2">
+    <dgm:fillClrLst meth="repeat">
+      <a:schemeClr val="dk2"/>
+    </dgm:fillClrLst>
+    <dgm:linClrLst meth="repeat">
+      <a:schemeClr val="dk2">
+        <a:shade val="60000"/>
+      </a:schemeClr>
+    </dgm:linClrLst>
+    <dgm:effectClrLst/>
+    <dgm:txLinClrLst/>
+    <dgm:txFillClrLst meth="repeat">
+      <a:schemeClr val="tx1"/>
+    </dgm:txFillClrLst>
+    <dgm:txEffectClrLst/>
+  </dgm:styleLbl>
+  <dgm:styleLbl name="parChTrans1D3">
+    <dgm:fillClrLst meth="repeat">
+      <a:schemeClr val="dk2"/>
+    </dgm:fillClrLst>
+    <dgm:linClrLst meth="repeat">
+      <a:schemeClr val="dk2">
+        <a:shade val="80000"/>
+      </a:schemeClr>
+    </dgm:linClrLst>
+    <dgm:effectClrLst/>
+    <dgm:txLinClrLst/>
+    <dgm:txFillClrLst meth="repeat">
+      <a:schemeClr val="tx1"/>
+    </dgm:txFillClrLst>
+    <dgm:txEffectClrLst/>
+  </dgm:styleLbl>
+  <dgm:styleLbl name="parChTrans1D4">
+    <dgm:fillClrLst meth="repeat">
+      <a:schemeClr val="dk2"/>
+    </dgm:fillClrLst>
+    <dgm:linClrLst meth="repeat">
+      <a:schemeClr val="dk2">
+        <a:shade val="80000"/>
+      </a:schemeClr>
+    </dgm:linClrLst>
+    <dgm:effectClrLst/>
+    <dgm:txLinClrLst/>
+    <dgm:txFillClrLst meth="repeat">
+      <a:schemeClr val="tx1"/>
+    </dgm:txFillClrLst>
+    <dgm:txEffectClrLst/>
+  </dgm:styleLbl>
+  <dgm:styleLbl name="fgAcc1">
+    <dgm:fillClrLst meth="repeat">
+      <a:schemeClr val="lt2">
+        <a:alpha val="90000"/>
+      </a:schemeClr>
+    </dgm:fillClrLst>
+    <dgm:linClrLst meth="repeat">
+      <a:schemeClr val="dk2"/>
+    </dgm:linClrLst>
+    <dgm:effectClrLst/>
+    <dgm:txLinClrLst/>
+    <dgm:txFillClrLst meth="repeat">
+      <a:schemeClr val="dk1"/>
+    </dgm:txFillClrLst>
+    <dgm:txEffectClrLst/>
+  </dgm:styleLbl>
+  <dgm:styleLbl name="conFgAcc1">
+    <dgm:fillClrLst meth="repeat">
+      <a:schemeClr val="lt2">
+        <a:alpha val="90000"/>
+      </a:schemeClr>
+    </dgm:fillClrLst>
+    <dgm:linClrLst meth="repeat">
+      <a:schemeClr val="dk2"/>
+    </dgm:linClrLst>
+    <dgm:effectClrLst/>
+    <dgm:txLinClrLst/>
+    <dgm:txFillClrLst meth="repeat">
+      <a:schemeClr val="dk1"/>
+    </dgm:txFillClrLst>
+    <dgm:txEffectClrLst/>
+  </dgm:styleLbl>
+  <dgm:styleLbl name="alignAcc1">
+    <dgm:fillClrLst meth="repeat">
+      <a:schemeClr val="lt2">
+        <a:alpha val="90000"/>
+      </a:schemeClr>
+    </dgm:fillClrLst>
+    <dgm:linClrLst meth="repeat">
+      <a:schemeClr val="dk2"/>
+    </dgm:linClrLst>
+    <dgm:effectClrLst/>
+    <dgm:txLinClrLst/>
+    <dgm:txFillClrLst meth="repeat">
+      <a:schemeClr val="dk1"/>
+    </dgm:txFillClrLst>
+    <dgm:txEffectClrLst/>
+  </dgm:styleLbl>
+  <dgm:styleLbl name="trAlignAcc1">
+    <dgm:fillClrLst meth="repeat">
+      <a:schemeClr val="lt2">
+        <a:alpha val="40000"/>
+      </a:schemeClr>
+    </dgm:fillClrLst>
+    <dgm:linClrLst meth="repeat">
+      <a:schemeClr val="dk2"/>
+    </dgm:linClrLst>
+    <dgm:effectClrLst/>
+    <dgm:txLinClrLst/>
+    <dgm:txFillClrLst meth="repeat">
+      <a:schemeClr val="dk1"/>
+    </dgm:txFillClrLst>
+    <dgm:txEffectClrLst/>
+  </dgm:styleLbl>
+  <dgm:styleLbl name="bgAcc1">
+    <dgm:fillClrLst meth="repeat">
+      <a:schemeClr val="lt2">
+        <a:alpha val="90000"/>
+      </a:schemeClr>
+    </dgm:fillClrLst>
+    <dgm:linClrLst meth="repeat">
+      <a:schemeClr val="dk2"/>
+    </dgm:linClrLst>
+    <dgm:effectClrLst/>
+    <dgm:txLinClrLst/>
+    <dgm:txFillClrLst meth="repeat">
+      <a:schemeClr val="dk1"/>
+    </dgm:txFillClrLst>
+    <dgm:txEffectClrLst/>
+  </dgm:styleLbl>
+  <dgm:styleLbl name="solidFgAcc1">
+    <dgm:fillClrLst meth="repeat">
+      <a:schemeClr val="lt2"/>
+    </dgm:fillClrLst>
+    <dgm:linClrLst meth="repeat">
+      <a:schemeClr val="dk2"/>
+    </dgm:linClrLst>
+    <dgm:effectClrLst/>
+    <dgm:txLinClrLst/>
+    <dgm:txFillClrLst meth="repeat">
+      <a:schemeClr val="dk1"/>
+    </dgm:txFillClrLst>
+    <dgm:txEffectClrLst/>
+  </dgm:styleLbl>
+  <dgm:styleLbl name="solidAlignAcc1">
+    <dgm:fillClrLst meth="repeat">
+      <a:schemeClr val="lt2"/>
+    </dgm:fillClrLst>
+    <dgm:linClrLst meth="repeat">
+      <a:schemeClr val="dk2"/>
+    </dgm:linClrLst>
+    <dgm:effectClrLst/>
+    <dgm:txLinClrLst/>
+    <dgm:txFillClrLst meth="repeat">
+      <a:schemeClr val="dk1"/>
+    </dgm:txFillClrLst>
+    <dgm:txEffectClrLst/>
+  </dgm:styleLbl>
+  <dgm:styleLbl name="solidBgAcc1">
+    <dgm:fillClrLst meth="repeat">
+      <a:schemeClr val="lt2"/>
+    </dgm:fillClrLst>
+    <dgm:linClrLst meth="repeat">
+      <a:schemeClr val="dk2"/>
+    </dgm:linClrLst>
+    <dgm:effectClrLst/>
+    <dgm:txLinClrLst/>
+    <dgm:txFillClrLst meth="repeat">
+      <a:schemeClr val="dk1"/>
+    </dgm:txFillClrLst>
+    <dgm:txEffectClrLst/>
+  </dgm:styleLbl>
+  <dgm:styleLbl name="fgAccFollowNode1">
+    <dgm:fillClrLst meth="repeat">
+      <a:schemeClr val="dk2">
+        <a:alpha val="90000"/>
+        <a:tint val="40000"/>
+      </a:schemeClr>
+    </dgm:fillClrLst>
+    <dgm:linClrLst meth="repeat">
+      <a:schemeClr val="dk2">
+        <a:alpha val="90000"/>
+        <a:tint val="40000"/>
+      </a:schemeClr>
+    </dgm:linClrLst>
+    <dgm:effectClrLst/>
+    <dgm:txLinClrLst/>
+    <dgm:txFillClrLst meth="repeat">
+      <a:schemeClr val="dk1"/>
+    </dgm:txFillClrLst>
+    <dgm:txEffectClrLst/>
+  </dgm:styleLbl>
+  <dgm:styleLbl name="alignAccFollowNode1">
+    <dgm:fillClrLst meth="repeat">
+      <a:schemeClr val="dk2">
+        <a:alpha val="90000"/>
+        <a:tint val="40000"/>
+      </a:schemeClr>
+    </dgm:fillClrLst>
+    <dgm:linClrLst meth="repeat">
+      <a:schemeClr val="dk2">
+        <a:alpha val="90000"/>
+        <a:tint val="40000"/>
+      </a:schemeClr>
+    </dgm:linClrLst>
+    <dgm:effectClrLst/>
+    <dgm:txLinClrLst/>
+    <dgm:txFillClrLst meth="repeat">
+      <a:schemeClr val="dk1"/>
+    </dgm:txFillClrLst>
+    <dgm:txEffectClrLst/>
+  </dgm:styleLbl>
+  <dgm:styleLbl name="bgAccFollowNode1">
+    <dgm:fillClrLst meth="repeat">
+      <a:schemeClr val="dk2">
+        <a:alpha val="90000"/>
+        <a:tint val="40000"/>
+      </a:schemeClr>
+    </dgm:fillClrLst>
+    <dgm:linClrLst meth="repeat">
+      <a:schemeClr val="dk2">
+        <a:alpha val="90000"/>
+        <a:tint val="40000"/>
+      </a:schemeClr>
+    </dgm:linClrLst>
+    <dgm:effectClrLst/>
+    <dgm:txLinClrLst/>
+    <dgm:txFillClrLst meth="repeat">
+      <a:schemeClr val="dk1"/>
+    </dgm:txFillClrLst>
+    <dgm:txEffectClrLst/>
+  </dgm:styleLbl>
+  <dgm:styleLbl name="fgAcc0">
+    <dgm:fillClrLst meth="repeat">
+      <a:schemeClr val="lt2">
+        <a:alpha val="90000"/>
+      </a:schemeClr>
+    </dgm:fillClrLst>
+    <dgm:linClrLst meth="repeat">
+      <a:schemeClr val="dk2"/>
+    </dgm:linClrLst>
+    <dgm:effectClrLst/>
+    <dgm:txLinClrLst/>
+    <dgm:txFillClrLst meth="repeat">
+      <a:schemeClr val="dk1"/>
+    </dgm:txFillClrLst>
+    <dgm:txEffectClrLst/>
+  </dgm:styleLbl>
+  <dgm:styleLbl name="fgAcc2">
+    <dgm:fillClrLst meth="repeat">
+      <a:schemeClr val="lt2">
+        <a:alpha val="90000"/>
+      </a:schemeClr>
+    </dgm:fillClrLst>
+    <dgm:linClrLst meth="repeat">
+      <a:schemeClr val="dk2"/>
+    </dgm:linClrLst>
+    <dgm:effectClrLst/>
+    <dgm:txLinClrLst/>
+    <dgm:txFillClrLst meth="repeat">
+      <a:schemeClr val="dk1"/>
+    </dgm:txFillClrLst>
+    <dgm:txEffectClrLst/>
+  </dgm:styleLbl>
+  <dgm:styleLbl name="fgAcc3">
+    <dgm:fillClrLst meth="repeat">
+      <a:schemeClr val="lt2">
+        <a:alpha val="90000"/>
+      </a:schemeClr>
+    </dgm:fillClrLst>
+    <dgm:linClrLst meth="repeat">
+      <a:schemeClr val="dk2"/>
+    </dgm:linClrLst>
+    <dgm:effectClrLst/>
+    <dgm:txLinClrLst/>
+    <dgm:txFillClrLst meth="repeat">
+      <a:schemeClr val="dk1"/>
+    </dgm:txFillClrLst>
+    <dgm:txEffectClrLst/>
+  </dgm:styleLbl>
+  <dgm:styleLbl name="fgAcc4">
+    <dgm:fillClrLst meth="repeat">
+      <a:schemeClr val="lt2">
+        <a:alpha val="90000"/>
+      </a:schemeClr>
+    </dgm:fillClrLst>
+    <dgm:linClrLst meth="repeat">
+      <a:schemeClr val="dk2"/>
+    </dgm:linClrLst>
+    <dgm:effectClrLst/>
+    <dgm:txLinClrLst/>
+    <dgm:txFillClrLst meth="repeat">
+      <a:schemeClr val="dk1"/>
+    </dgm:txFillClrLst>
+    <dgm:txEffectClrLst/>
+  </dgm:styleLbl>
+  <dgm:styleLbl name="bgShp">
+    <dgm:fillClrLst meth="repeat">
+      <a:schemeClr val="dk2">
+        <a:tint val="40000"/>
+      </a:schemeClr>
+    </dgm:fillClrLst>
+    <dgm:linClrLst meth="repeat">
+      <a:schemeClr val="dk2"/>
+    </dgm:linClrLst>
+    <dgm:effectClrLst/>
+    <dgm:txLinClrLst/>
+    <dgm:txFillClrLst meth="repeat">
+      <a:schemeClr val="dk1"/>
+    </dgm:txFillClrLst>
+    <dgm:txEffectClrLst/>
+  </dgm:styleLbl>
+  <dgm:styleLbl name="dkBgShp">
+    <dgm:fillClrLst meth="repeat">
+      <a:schemeClr val="dk2">
+        <a:shade val="80000"/>
+      </a:schemeClr>
+    </dgm:fillClrLst>
+    <dgm:linClrLst meth="repeat">
+      <a:schemeClr val="dk2"/>
+    </dgm:linClrLst>
+    <dgm:effectClrLst/>
+    <dgm:txLinClrLst/>
+    <dgm:txFillClrLst meth="repeat">
+      <a:schemeClr val="lt1"/>
+    </dgm:txFillClrLst>
+    <dgm:txEffectClrLst/>
+  </dgm:styleLbl>
+  <dgm:styleLbl name="trBgShp">
+    <dgm:fillClrLst meth="repeat">
+      <a:schemeClr val="dk2">
+        <a:tint val="50000"/>
+        <a:alpha val="40000"/>
+      </a:schemeClr>
+    </dgm:fillClrLst>
+    <dgm:linClrLst meth="repeat">
+      <a:schemeClr val="dk2"/>
+    </dgm:linClrLst>
+    <dgm:effectClrLst/>
+    <dgm:txLinClrLst/>
+    <dgm:txFillClrLst meth="repeat">
+      <a:schemeClr val="lt1"/>
+    </dgm:txFillClrLst>
+    <dgm:txEffectClrLst/>
+  </dgm:styleLbl>
+  <dgm:styleLbl name="fgShp">
+    <dgm:fillClrLst meth="repeat">
+      <a:schemeClr val="dk2">
+        <a:tint val="60000"/>
+      </a:schemeClr>
+    </dgm:fillClrLst>
+    <dgm:linClrLst meth="repeat">
+      <a:schemeClr val="lt2"/>
+    </dgm:linClrLst>
+    <dgm:effectClrLst/>
+    <dgm:txLinClrLst/>
+    <dgm:txFillClrLst meth="repeat">
+      <a:schemeClr val="dk1"/>
+    </dgm:txFillClrLst>
+    <dgm:txEffectClrLst/>
+  </dgm:styleLbl>
+  <dgm:styleLbl name="revTx">
+    <dgm:fillClrLst meth="repeat">
+      <a:schemeClr val="lt2">
+        <a:alpha val="0"/>
+      </a:schemeClr>
+    </dgm:fillClrLst>
+    <dgm:linClrLst meth="repeat">
+      <a:schemeClr val="dk1">
+        <a:alpha val="0"/>
+      </a:schemeClr>
+    </dgm:linClrLst>
+    <dgm:effectClrLst/>
+    <dgm:txLinClrLst/>
+    <dgm:txFillClrLst meth="repeat">
+      <a:schemeClr val="tx1"/>
+    </dgm:txFillClrLst>
+    <dgm:txEffectClrLst/>
+  </dgm:styleLbl>
+</dgm:colorsDef>
+</file>
+
+<file path=ppt/diagrams/data1.xml><?xml version="1.0" encoding="utf-8"?>
+<dgm:dataModel xmlns:dgm="http://schemas.openxmlformats.org/drawingml/2006/diagram" xmlns:a="http://schemas.openxmlformats.org/drawingml/2006/main">
+  <dgm:ptLst>
+    <dgm:pt modelId="{34C14568-E7BB-4413-94CA-DFAD06918ECD}" type="doc">
+      <dgm:prSet loTypeId="urn:microsoft.com/office/officeart/2005/8/layout/hierarchy1" loCatId="hierarchy" qsTypeId="urn:microsoft.com/office/officeart/2005/8/quickstyle/simple1" qsCatId="simple" csTypeId="urn:microsoft.com/office/officeart/2005/8/colors/accent0_3" csCatId="mainScheme" phldr="1"/>
+      <dgm:spPr/>
+      <dgm:t>
+        <a:bodyPr/>
+        <a:lstStyle/>
+        <a:p>
+          <a:endParaRPr lang="en-US"/>
+        </a:p>
+      </dgm:t>
+    </dgm:pt>
+    <dgm:pt modelId="{1090E908-F583-4075-9B5D-7B997D04603A}">
+      <dgm:prSet/>
+      <dgm:spPr/>
+      <dgm:t>
+        <a:bodyPr/>
+        <a:lstStyle/>
+        <a:p>
+          <a:r>
+            <a:rPr lang="en-US" dirty="0"/>
+            <a:t>Dataset of investigations </a:t>
+          </a:r>
+          <a:br>
+            <a:rPr lang="en-US" dirty="0"/>
+          </a:br>
+          <a:r>
+            <a:rPr lang="en-US" dirty="0"/>
+            <a:t>into airplane accidents</a:t>
+          </a:r>
+          <a:br>
+            <a:rPr lang="en-US" dirty="0"/>
+          </a:br>
+          <a:endParaRPr lang="en-US" dirty="0"/>
+        </a:p>
+      </dgm:t>
+    </dgm:pt>
+    <dgm:pt modelId="{4016DCFD-AA3B-4C56-89D1-B7235CE935BF}" type="parTrans" cxnId="{4F4DDD92-128A-4672-9C01-3F7A4EA85B3D}">
+      <dgm:prSet/>
+      <dgm:spPr/>
+      <dgm:t>
+        <a:bodyPr/>
+        <a:lstStyle/>
+        <a:p>
+          <a:endParaRPr lang="en-US"/>
+        </a:p>
+      </dgm:t>
+    </dgm:pt>
+    <dgm:pt modelId="{64C33865-9E66-4A21-9D52-FD6B48D9B0F9}" type="sibTrans" cxnId="{4F4DDD92-128A-4672-9C01-3F7A4EA85B3D}">
+      <dgm:prSet/>
+      <dgm:spPr/>
+      <dgm:t>
+        <a:bodyPr/>
+        <a:lstStyle/>
+        <a:p>
+          <a:endParaRPr lang="en-US"/>
+        </a:p>
+      </dgm:t>
+    </dgm:pt>
+    <dgm:pt modelId="{46434E2D-4340-4DCF-AB37-C14F0DF423ED}">
+      <dgm:prSet/>
+      <dgm:spPr/>
+      <dgm:t>
+        <a:bodyPr/>
+        <a:lstStyle/>
+        <a:p>
+          <a:r>
+            <a:rPr lang="en-US" dirty="0"/>
+            <a:t>Fact gathering </a:t>
+          </a:r>
+          <a:br>
+            <a:rPr lang="en-US" dirty="0"/>
+          </a:br>
+          <a:r>
+            <a:rPr lang="en-US" dirty="0"/>
+            <a:t>includes flight logs, maintenance records</a:t>
+          </a:r>
+        </a:p>
+      </dgm:t>
+    </dgm:pt>
+    <dgm:pt modelId="{061EF0BB-B680-4776-A269-5B887FBFB70D}" type="parTrans" cxnId="{9D8E2D83-5907-4B5D-8D7F-44811BAD51E0}">
+      <dgm:prSet/>
+      <dgm:spPr/>
+      <dgm:t>
+        <a:bodyPr/>
+        <a:lstStyle/>
+        <a:p>
+          <a:endParaRPr lang="en-US"/>
+        </a:p>
+      </dgm:t>
+    </dgm:pt>
+    <dgm:pt modelId="{29228A9B-6B83-4F20-AE24-C236B6D5C67B}" type="sibTrans" cxnId="{9D8E2D83-5907-4B5D-8D7F-44811BAD51E0}">
+      <dgm:prSet/>
+      <dgm:spPr/>
+      <dgm:t>
+        <a:bodyPr/>
+        <a:lstStyle/>
+        <a:p>
+          <a:endParaRPr lang="en-US"/>
+        </a:p>
+      </dgm:t>
+    </dgm:pt>
+    <dgm:pt modelId="{7F00F745-77AC-4B75-A9AB-AF1DE1459710}">
+      <dgm:prSet/>
+      <dgm:spPr/>
+      <dgm:t>
+        <a:bodyPr/>
+        <a:lstStyle/>
+        <a:p>
+          <a:r>
+            <a:rPr lang="en-US" dirty="0"/>
+            <a:t>On-flight injuries </a:t>
+          </a:r>
+          <a:br>
+            <a:rPr lang="en-US" dirty="0"/>
+          </a:br>
+          <a:r>
+            <a:rPr lang="en-US" dirty="0"/>
+            <a:t>Severity </a:t>
+          </a:r>
+          <a:br>
+            <a:rPr lang="en-US" dirty="0"/>
+          </a:br>
+          <a:r>
+            <a:rPr lang="en-US" dirty="0"/>
+            <a:t>Aircraft damage.</a:t>
+          </a:r>
+        </a:p>
+      </dgm:t>
+    </dgm:pt>
+    <dgm:pt modelId="{BBD9A904-4F53-4FDA-B8FA-9898D9AF4ECF}" type="parTrans" cxnId="{5D8D7F49-FE0F-4A9B-8F94-6F994E51FA16}">
+      <dgm:prSet/>
+      <dgm:spPr/>
+      <dgm:t>
+        <a:bodyPr/>
+        <a:lstStyle/>
+        <a:p>
+          <a:endParaRPr lang="en-US"/>
+        </a:p>
+      </dgm:t>
+    </dgm:pt>
+    <dgm:pt modelId="{A435B22C-0FE5-47FA-BF66-5C40D2E4C572}" type="sibTrans" cxnId="{5D8D7F49-FE0F-4A9B-8F94-6F994E51FA16}">
+      <dgm:prSet/>
+      <dgm:spPr/>
+      <dgm:t>
+        <a:bodyPr/>
+        <a:lstStyle/>
+        <a:p>
+          <a:endParaRPr lang="en-US"/>
+        </a:p>
+      </dgm:t>
+    </dgm:pt>
+    <dgm:pt modelId="{351FC0E5-ABBA-8146-8722-0A8F37412ED1}" type="pres">
+      <dgm:prSet presAssocID="{34C14568-E7BB-4413-94CA-DFAD06918ECD}" presName="hierChild1" presStyleCnt="0">
+        <dgm:presLayoutVars>
+          <dgm:chPref val="1"/>
+          <dgm:dir/>
+          <dgm:animOne val="branch"/>
+          <dgm:animLvl val="lvl"/>
+          <dgm:resizeHandles/>
+        </dgm:presLayoutVars>
+      </dgm:prSet>
+      <dgm:spPr/>
+    </dgm:pt>
+    <dgm:pt modelId="{0D60AFA5-F4ED-F146-948E-45D66093E38D}" type="pres">
+      <dgm:prSet presAssocID="{1090E908-F583-4075-9B5D-7B997D04603A}" presName="hierRoot1" presStyleCnt="0"/>
+      <dgm:spPr/>
+    </dgm:pt>
+    <dgm:pt modelId="{0DE35E5C-1DC5-8F4F-8676-9C54AF98E2DC}" type="pres">
+      <dgm:prSet presAssocID="{1090E908-F583-4075-9B5D-7B997D04603A}" presName="composite" presStyleCnt="0"/>
+      <dgm:spPr/>
+    </dgm:pt>
+    <dgm:pt modelId="{921B662B-1B71-2242-8D73-D8A0CEC7904A}" type="pres">
+      <dgm:prSet presAssocID="{1090E908-F583-4075-9B5D-7B997D04603A}" presName="background" presStyleLbl="node0" presStyleIdx="0" presStyleCnt="3"/>
+      <dgm:spPr/>
+    </dgm:pt>
+    <dgm:pt modelId="{139E5A70-7023-8F4C-8463-F7FE98446D82}" type="pres">
+      <dgm:prSet presAssocID="{1090E908-F583-4075-9B5D-7B997D04603A}" presName="text" presStyleLbl="fgAcc0" presStyleIdx="0" presStyleCnt="3">
+        <dgm:presLayoutVars>
+          <dgm:chPref val="3"/>
+        </dgm:presLayoutVars>
+      </dgm:prSet>
+      <dgm:spPr/>
+    </dgm:pt>
+    <dgm:pt modelId="{3D18BEA5-7C30-9F47-923A-E8EF7BD26068}" type="pres">
+      <dgm:prSet presAssocID="{1090E908-F583-4075-9B5D-7B997D04603A}" presName="hierChild2" presStyleCnt="0"/>
+      <dgm:spPr/>
+    </dgm:pt>
+    <dgm:pt modelId="{4EDAB510-0830-B648-A04B-039119FA91F4}" type="pres">
+      <dgm:prSet presAssocID="{46434E2D-4340-4DCF-AB37-C14F0DF423ED}" presName="hierRoot1" presStyleCnt="0"/>
+      <dgm:spPr/>
+    </dgm:pt>
+    <dgm:pt modelId="{CB3DA3E1-3D91-E446-9740-6B3F85453BF5}" type="pres">
+      <dgm:prSet presAssocID="{46434E2D-4340-4DCF-AB37-C14F0DF423ED}" presName="composite" presStyleCnt="0"/>
+      <dgm:spPr/>
+    </dgm:pt>
+    <dgm:pt modelId="{3EE0BBBD-C89D-924E-896F-C95AB0F07652}" type="pres">
+      <dgm:prSet presAssocID="{46434E2D-4340-4DCF-AB37-C14F0DF423ED}" presName="background" presStyleLbl="node0" presStyleIdx="1" presStyleCnt="3"/>
+      <dgm:spPr/>
+    </dgm:pt>
+    <dgm:pt modelId="{4D7EE0DA-717D-DA44-AA12-B52C9F229BE3}" type="pres">
+      <dgm:prSet presAssocID="{46434E2D-4340-4DCF-AB37-C14F0DF423ED}" presName="text" presStyleLbl="fgAcc0" presStyleIdx="1" presStyleCnt="3">
+        <dgm:presLayoutVars>
+          <dgm:chPref val="3"/>
+        </dgm:presLayoutVars>
+      </dgm:prSet>
+      <dgm:spPr/>
+    </dgm:pt>
+    <dgm:pt modelId="{2BD0BCEE-0DFF-B94F-A83C-EC0650E86236}" type="pres">
+      <dgm:prSet presAssocID="{46434E2D-4340-4DCF-AB37-C14F0DF423ED}" presName="hierChild2" presStyleCnt="0"/>
+      <dgm:spPr/>
+    </dgm:pt>
+    <dgm:pt modelId="{1D98D291-0807-CB4D-9BA3-8406DA165B66}" type="pres">
+      <dgm:prSet presAssocID="{7F00F745-77AC-4B75-A9AB-AF1DE1459710}" presName="hierRoot1" presStyleCnt="0"/>
+      <dgm:spPr/>
+    </dgm:pt>
+    <dgm:pt modelId="{D31DA8A3-7082-844B-B67E-F4F6EFDB2E07}" type="pres">
+      <dgm:prSet presAssocID="{7F00F745-77AC-4B75-A9AB-AF1DE1459710}" presName="composite" presStyleCnt="0"/>
+      <dgm:spPr/>
+    </dgm:pt>
+    <dgm:pt modelId="{26FB48BC-C558-5241-9B5B-545D272571DE}" type="pres">
+      <dgm:prSet presAssocID="{7F00F745-77AC-4B75-A9AB-AF1DE1459710}" presName="background" presStyleLbl="node0" presStyleIdx="2" presStyleCnt="3"/>
+      <dgm:spPr/>
+    </dgm:pt>
+    <dgm:pt modelId="{AF5D826B-EB5D-4A42-9461-C37343A562CC}" type="pres">
+      <dgm:prSet presAssocID="{7F00F745-77AC-4B75-A9AB-AF1DE1459710}" presName="text" presStyleLbl="fgAcc0" presStyleIdx="2" presStyleCnt="3">
+        <dgm:presLayoutVars>
+          <dgm:chPref val="3"/>
+        </dgm:presLayoutVars>
+      </dgm:prSet>
+      <dgm:spPr/>
+    </dgm:pt>
+    <dgm:pt modelId="{B4C78203-B2B9-A842-9F25-0ACD39DE4A06}" type="pres">
+      <dgm:prSet presAssocID="{7F00F745-77AC-4B75-A9AB-AF1DE1459710}" presName="hierChild2" presStyleCnt="0"/>
+      <dgm:spPr/>
+    </dgm:pt>
+  </dgm:ptLst>
+  <dgm:cxnLst>
+    <dgm:cxn modelId="{D6E1D948-78EE-644E-A830-4DC6BE8A20FD}" type="presOf" srcId="{34C14568-E7BB-4413-94CA-DFAD06918ECD}" destId="{351FC0E5-ABBA-8146-8722-0A8F37412ED1}" srcOrd="0" destOrd="0" presId="urn:microsoft.com/office/officeart/2005/8/layout/hierarchy1"/>
+    <dgm:cxn modelId="{5D8D7F49-FE0F-4A9B-8F94-6F994E51FA16}" srcId="{34C14568-E7BB-4413-94CA-DFAD06918ECD}" destId="{7F00F745-77AC-4B75-A9AB-AF1DE1459710}" srcOrd="2" destOrd="0" parTransId="{BBD9A904-4F53-4FDA-B8FA-9898D9AF4ECF}" sibTransId="{A435B22C-0FE5-47FA-BF66-5C40D2E4C572}"/>
+    <dgm:cxn modelId="{9D8E2D83-5907-4B5D-8D7F-44811BAD51E0}" srcId="{34C14568-E7BB-4413-94CA-DFAD06918ECD}" destId="{46434E2D-4340-4DCF-AB37-C14F0DF423ED}" srcOrd="1" destOrd="0" parTransId="{061EF0BB-B680-4776-A269-5B887FBFB70D}" sibTransId="{29228A9B-6B83-4F20-AE24-C236B6D5C67B}"/>
+    <dgm:cxn modelId="{C3CAB08A-F391-7247-A395-26E77977680E}" type="presOf" srcId="{7F00F745-77AC-4B75-A9AB-AF1DE1459710}" destId="{AF5D826B-EB5D-4A42-9461-C37343A562CC}" srcOrd="0" destOrd="0" presId="urn:microsoft.com/office/officeart/2005/8/layout/hierarchy1"/>
+    <dgm:cxn modelId="{4F4DDD92-128A-4672-9C01-3F7A4EA85B3D}" srcId="{34C14568-E7BB-4413-94CA-DFAD06918ECD}" destId="{1090E908-F583-4075-9B5D-7B997D04603A}" srcOrd="0" destOrd="0" parTransId="{4016DCFD-AA3B-4C56-89D1-B7235CE935BF}" sibTransId="{64C33865-9E66-4A21-9D52-FD6B48D9B0F9}"/>
+    <dgm:cxn modelId="{8271269B-46FD-E14C-BF4B-5A6480B83766}" type="presOf" srcId="{1090E908-F583-4075-9B5D-7B997D04603A}" destId="{139E5A70-7023-8F4C-8463-F7FE98446D82}" srcOrd="0" destOrd="0" presId="urn:microsoft.com/office/officeart/2005/8/layout/hierarchy1"/>
+    <dgm:cxn modelId="{920EFED0-FA9F-7843-ADF8-22A681ABE6D3}" type="presOf" srcId="{46434E2D-4340-4DCF-AB37-C14F0DF423ED}" destId="{4D7EE0DA-717D-DA44-AA12-B52C9F229BE3}" srcOrd="0" destOrd="0" presId="urn:microsoft.com/office/officeart/2005/8/layout/hierarchy1"/>
+    <dgm:cxn modelId="{9479B9EE-309D-CC4E-B1F5-049DED3D7FA3}" type="presParOf" srcId="{351FC0E5-ABBA-8146-8722-0A8F37412ED1}" destId="{0D60AFA5-F4ED-F146-948E-45D66093E38D}" srcOrd="0" destOrd="0" presId="urn:microsoft.com/office/officeart/2005/8/layout/hierarchy1"/>
+    <dgm:cxn modelId="{673102DB-4476-1846-8CF2-F58EF2FA2126}" type="presParOf" srcId="{0D60AFA5-F4ED-F146-948E-45D66093E38D}" destId="{0DE35E5C-1DC5-8F4F-8676-9C54AF98E2DC}" srcOrd="0" destOrd="0" presId="urn:microsoft.com/office/officeart/2005/8/layout/hierarchy1"/>
+    <dgm:cxn modelId="{AF669521-0109-8C4E-BA0B-1B1BFDD21B00}" type="presParOf" srcId="{0DE35E5C-1DC5-8F4F-8676-9C54AF98E2DC}" destId="{921B662B-1B71-2242-8D73-D8A0CEC7904A}" srcOrd="0" destOrd="0" presId="urn:microsoft.com/office/officeart/2005/8/layout/hierarchy1"/>
+    <dgm:cxn modelId="{DE30B170-9B3F-1F42-8FAA-654BA4C0C0DC}" type="presParOf" srcId="{0DE35E5C-1DC5-8F4F-8676-9C54AF98E2DC}" destId="{139E5A70-7023-8F4C-8463-F7FE98446D82}" srcOrd="1" destOrd="0" presId="urn:microsoft.com/office/officeart/2005/8/layout/hierarchy1"/>
+    <dgm:cxn modelId="{FF1234D1-7D81-D54C-8A82-E2750D689FB1}" type="presParOf" srcId="{0D60AFA5-F4ED-F146-948E-45D66093E38D}" destId="{3D18BEA5-7C30-9F47-923A-E8EF7BD26068}" srcOrd="1" destOrd="0" presId="urn:microsoft.com/office/officeart/2005/8/layout/hierarchy1"/>
+    <dgm:cxn modelId="{256E68A7-F974-754F-B60C-CF11ABCFFCD7}" type="presParOf" srcId="{351FC0E5-ABBA-8146-8722-0A8F37412ED1}" destId="{4EDAB510-0830-B648-A04B-039119FA91F4}" srcOrd="1" destOrd="0" presId="urn:microsoft.com/office/officeart/2005/8/layout/hierarchy1"/>
+    <dgm:cxn modelId="{9F87A731-6939-E845-BF36-3B2E9FC31959}" type="presParOf" srcId="{4EDAB510-0830-B648-A04B-039119FA91F4}" destId="{CB3DA3E1-3D91-E446-9740-6B3F85453BF5}" srcOrd="0" destOrd="0" presId="urn:microsoft.com/office/officeart/2005/8/layout/hierarchy1"/>
+    <dgm:cxn modelId="{94BADFF7-475C-6441-9D4B-DD580F9478EA}" type="presParOf" srcId="{CB3DA3E1-3D91-E446-9740-6B3F85453BF5}" destId="{3EE0BBBD-C89D-924E-896F-C95AB0F07652}" srcOrd="0" destOrd="0" presId="urn:microsoft.com/office/officeart/2005/8/layout/hierarchy1"/>
+    <dgm:cxn modelId="{9590252E-28E4-6540-8C43-EAB0980A1C30}" type="presParOf" srcId="{CB3DA3E1-3D91-E446-9740-6B3F85453BF5}" destId="{4D7EE0DA-717D-DA44-AA12-B52C9F229BE3}" srcOrd="1" destOrd="0" presId="urn:microsoft.com/office/officeart/2005/8/layout/hierarchy1"/>
+    <dgm:cxn modelId="{4926CDEF-35CD-8242-BB46-4E4585CA6B12}" type="presParOf" srcId="{4EDAB510-0830-B648-A04B-039119FA91F4}" destId="{2BD0BCEE-0DFF-B94F-A83C-EC0650E86236}" srcOrd="1" destOrd="0" presId="urn:microsoft.com/office/officeart/2005/8/layout/hierarchy1"/>
+    <dgm:cxn modelId="{6E541055-E8FE-614C-958F-53F7A84A277E}" type="presParOf" srcId="{351FC0E5-ABBA-8146-8722-0A8F37412ED1}" destId="{1D98D291-0807-CB4D-9BA3-8406DA165B66}" srcOrd="2" destOrd="0" presId="urn:microsoft.com/office/officeart/2005/8/layout/hierarchy1"/>
+    <dgm:cxn modelId="{3E792C41-61F7-6C4F-83D2-DBCB6DA1CCB0}" type="presParOf" srcId="{1D98D291-0807-CB4D-9BA3-8406DA165B66}" destId="{D31DA8A3-7082-844B-B67E-F4F6EFDB2E07}" srcOrd="0" destOrd="0" presId="urn:microsoft.com/office/officeart/2005/8/layout/hierarchy1"/>
+    <dgm:cxn modelId="{6AEF83BE-8AA2-014A-9E53-BE9C2C0146F4}" type="presParOf" srcId="{D31DA8A3-7082-844B-B67E-F4F6EFDB2E07}" destId="{26FB48BC-C558-5241-9B5B-545D272571DE}" srcOrd="0" destOrd="0" presId="urn:microsoft.com/office/officeart/2005/8/layout/hierarchy1"/>
+    <dgm:cxn modelId="{3916589A-6FB7-F74A-9674-2F16F0970914}" type="presParOf" srcId="{D31DA8A3-7082-844B-B67E-F4F6EFDB2E07}" destId="{AF5D826B-EB5D-4A42-9461-C37343A562CC}" srcOrd="1" destOrd="0" presId="urn:microsoft.com/office/officeart/2005/8/layout/hierarchy1"/>
+    <dgm:cxn modelId="{1F9FC8D1-66BB-0F4C-9170-BDA9633EDD22}" type="presParOf" srcId="{1D98D291-0807-CB4D-9BA3-8406DA165B66}" destId="{B4C78203-B2B9-A842-9F25-0ACD39DE4A06}" srcOrd="1" destOrd="0" presId="urn:microsoft.com/office/officeart/2005/8/layout/hierarchy1"/>
+  </dgm:cxnLst>
+  <dgm:bg/>
+  <dgm:whole/>
+  <dgm:extLst>
+    <a:ext uri="http://schemas.microsoft.com/office/drawing/2008/diagram">
+      <dsp:dataModelExt xmlns:dsp="http://schemas.microsoft.com/office/drawing/2008/diagram" relId="rId6" minVer="http://schemas.openxmlformats.org/drawingml/2006/diagram"/>
+    </a:ext>
+  </dgm:extLst>
+</dgm:dataModel>
+</file>
+
+<file path=ppt/diagrams/drawing1.xml><?xml version="1.0" encoding="utf-8"?>
+<dsp:drawing xmlns:dgm="http://schemas.openxmlformats.org/drawingml/2006/diagram" xmlns:dsp="http://schemas.microsoft.com/office/drawing/2008/diagram" xmlns:a="http://schemas.openxmlformats.org/drawingml/2006/main">
+  <dsp:spTree>
+    <dsp:nvGrpSpPr>
+      <dsp:cNvPr id="0" name=""/>
+      <dsp:cNvGrpSpPr/>
+    </dsp:nvGrpSpPr>
+    <dsp:grpSpPr/>
+    <dsp:sp modelId="{921B662B-1B71-2242-8D73-D8A0CEC7904A}">
+      <dsp:nvSpPr>
+        <dsp:cNvPr id="0" name=""/>
+        <dsp:cNvSpPr/>
+      </dsp:nvSpPr>
+      <dsp:spPr>
+        <a:xfrm>
+          <a:off x="0" y="524133"/>
+          <a:ext cx="2918936" cy="1853524"/>
+        </a:xfrm>
+        <a:prstGeom prst="roundRect">
+          <a:avLst>
+            <a:gd name="adj" fmla="val 10000"/>
+          </a:avLst>
+        </a:prstGeom>
+        <a:solidFill>
+          <a:schemeClr val="dk2">
+            <a:hueOff val="0"/>
+            <a:satOff val="0"/>
+            <a:lumOff val="0"/>
+            <a:alphaOff val="0"/>
+          </a:schemeClr>
+        </a:solidFill>
+        <a:ln w="12700" cap="flat" cmpd="sng" algn="ctr">
+          <a:solidFill>
+            <a:schemeClr val="lt2">
+              <a:hueOff val="0"/>
+              <a:satOff val="0"/>
+              <a:lumOff val="0"/>
+              <a:alphaOff val="0"/>
+            </a:schemeClr>
+          </a:solidFill>
+          <a:prstDash val="solid"/>
+          <a:miter lim="800000"/>
+        </a:ln>
+        <a:effectLst/>
+      </dsp:spPr>
+      <dsp:style>
+        <a:lnRef idx="2">
+          <a:scrgbClr r="0" g="0" b="0"/>
+        </a:lnRef>
+        <a:fillRef idx="1">
+          <a:scrgbClr r="0" g="0" b="0"/>
+        </a:fillRef>
+        <a:effectRef idx="0">
+          <a:scrgbClr r="0" g="0" b="0"/>
+        </a:effectRef>
+        <a:fontRef idx="minor">
+          <a:schemeClr val="lt1"/>
+        </a:fontRef>
+      </dsp:style>
+    </dsp:sp>
+    <dsp:sp modelId="{139E5A70-7023-8F4C-8463-F7FE98446D82}">
+      <dsp:nvSpPr>
+        <dsp:cNvPr id="0" name=""/>
+        <dsp:cNvSpPr/>
+      </dsp:nvSpPr>
+      <dsp:spPr>
+        <a:xfrm>
+          <a:off x="324326" y="832243"/>
+          <a:ext cx="2918936" cy="1853524"/>
+        </a:xfrm>
+        <a:prstGeom prst="roundRect">
+          <a:avLst>
+            <a:gd name="adj" fmla="val 10000"/>
+          </a:avLst>
+        </a:prstGeom>
+        <a:solidFill>
+          <a:schemeClr val="lt2">
+            <a:alpha val="90000"/>
+            <a:hueOff val="0"/>
+            <a:satOff val="0"/>
+            <a:lumOff val="0"/>
+            <a:alphaOff val="0"/>
+          </a:schemeClr>
+        </a:solidFill>
+        <a:ln w="12700" cap="flat" cmpd="sng" algn="ctr">
+          <a:solidFill>
+            <a:schemeClr val="dk2">
+              <a:hueOff val="0"/>
+              <a:satOff val="0"/>
+              <a:lumOff val="0"/>
+              <a:alphaOff val="0"/>
+            </a:schemeClr>
+          </a:solidFill>
+          <a:prstDash val="solid"/>
+          <a:miter lim="800000"/>
+        </a:ln>
+        <a:effectLst/>
+      </dsp:spPr>
+      <dsp:style>
+        <a:lnRef idx="2">
+          <a:scrgbClr r="0" g="0" b="0"/>
+        </a:lnRef>
+        <a:fillRef idx="1">
+          <a:scrgbClr r="0" g="0" b="0"/>
+        </a:fillRef>
+        <a:effectRef idx="0">
+          <a:scrgbClr r="0" g="0" b="0"/>
+        </a:effectRef>
+        <a:fontRef idx="minor"/>
+      </dsp:style>
+      <dsp:txBody>
+        <a:bodyPr spcFirstLastPara="0" vert="horz" wrap="square" lIns="83820" tIns="83820" rIns="83820" bIns="83820" numCol="1" spcCol="1270" anchor="ctr" anchorCtr="0">
+          <a:noAutofit/>
+        </a:bodyPr>
+        <a:lstStyle/>
+        <a:p>
+          <a:pPr marL="0" lvl="0" indent="0" algn="ctr" defTabSz="977900">
+            <a:lnSpc>
+              <a:spcPct val="90000"/>
+            </a:lnSpc>
+            <a:spcBef>
+              <a:spcPct val="0"/>
+            </a:spcBef>
+            <a:spcAft>
+              <a:spcPct val="35000"/>
+            </a:spcAft>
+            <a:buNone/>
+          </a:pPr>
+          <a:r>
+            <a:rPr lang="en-US" sz="2200" kern="1200" dirty="0"/>
+            <a:t>Dataset of investigations </a:t>
+          </a:r>
+          <a:br>
+            <a:rPr lang="en-US" sz="2200" kern="1200" dirty="0"/>
+          </a:br>
+          <a:r>
+            <a:rPr lang="en-US" sz="2200" kern="1200" dirty="0"/>
+            <a:t>into airplane accidents</a:t>
+          </a:r>
+          <a:br>
+            <a:rPr lang="en-US" sz="2200" kern="1200" dirty="0"/>
+          </a:br>
+          <a:endParaRPr lang="en-US" sz="2200" kern="1200" dirty="0"/>
+        </a:p>
+      </dsp:txBody>
+      <dsp:txXfrm>
+        <a:off x="378614" y="886531"/>
+        <a:ext cx="2810360" cy="1744948"/>
+      </dsp:txXfrm>
+    </dsp:sp>
+    <dsp:sp modelId="{3EE0BBBD-C89D-924E-896F-C95AB0F07652}">
+      <dsp:nvSpPr>
+        <dsp:cNvPr id="0" name=""/>
+        <dsp:cNvSpPr/>
+      </dsp:nvSpPr>
+      <dsp:spPr>
+        <a:xfrm>
+          <a:off x="3567588" y="524133"/>
+          <a:ext cx="2918936" cy="1853524"/>
+        </a:xfrm>
+        <a:prstGeom prst="roundRect">
+          <a:avLst>
+            <a:gd name="adj" fmla="val 10000"/>
+          </a:avLst>
+        </a:prstGeom>
+        <a:solidFill>
+          <a:schemeClr val="dk2">
+            <a:hueOff val="0"/>
+            <a:satOff val="0"/>
+            <a:lumOff val="0"/>
+            <a:alphaOff val="0"/>
+          </a:schemeClr>
+        </a:solidFill>
+        <a:ln w="12700" cap="flat" cmpd="sng" algn="ctr">
+          <a:solidFill>
+            <a:schemeClr val="lt2">
+              <a:hueOff val="0"/>
+              <a:satOff val="0"/>
+              <a:lumOff val="0"/>
+              <a:alphaOff val="0"/>
+            </a:schemeClr>
+          </a:solidFill>
+          <a:prstDash val="solid"/>
+          <a:miter lim="800000"/>
+        </a:ln>
+        <a:effectLst/>
+      </dsp:spPr>
+      <dsp:style>
+        <a:lnRef idx="2">
+          <a:scrgbClr r="0" g="0" b="0"/>
+        </a:lnRef>
+        <a:fillRef idx="1">
+          <a:scrgbClr r="0" g="0" b="0"/>
+        </a:fillRef>
+        <a:effectRef idx="0">
+          <a:scrgbClr r="0" g="0" b="0"/>
+        </a:effectRef>
+        <a:fontRef idx="minor">
+          <a:schemeClr val="lt1"/>
+        </a:fontRef>
+      </dsp:style>
+    </dsp:sp>
+    <dsp:sp modelId="{4D7EE0DA-717D-DA44-AA12-B52C9F229BE3}">
+      <dsp:nvSpPr>
+        <dsp:cNvPr id="0" name=""/>
+        <dsp:cNvSpPr/>
+      </dsp:nvSpPr>
+      <dsp:spPr>
+        <a:xfrm>
+          <a:off x="3891915" y="832243"/>
+          <a:ext cx="2918936" cy="1853524"/>
+        </a:xfrm>
+        <a:prstGeom prst="roundRect">
+          <a:avLst>
+            <a:gd name="adj" fmla="val 10000"/>
+          </a:avLst>
+        </a:prstGeom>
+        <a:solidFill>
+          <a:schemeClr val="lt2">
+            <a:alpha val="90000"/>
+            <a:hueOff val="0"/>
+            <a:satOff val="0"/>
+            <a:lumOff val="0"/>
+            <a:alphaOff val="0"/>
+          </a:schemeClr>
+        </a:solidFill>
+        <a:ln w="12700" cap="flat" cmpd="sng" algn="ctr">
+          <a:solidFill>
+            <a:schemeClr val="dk2">
+              <a:hueOff val="0"/>
+              <a:satOff val="0"/>
+              <a:lumOff val="0"/>
+              <a:alphaOff val="0"/>
+            </a:schemeClr>
+          </a:solidFill>
+          <a:prstDash val="solid"/>
+          <a:miter lim="800000"/>
+        </a:ln>
+        <a:effectLst/>
+      </dsp:spPr>
+      <dsp:style>
+        <a:lnRef idx="2">
+          <a:scrgbClr r="0" g="0" b="0"/>
+        </a:lnRef>
+        <a:fillRef idx="1">
+          <a:scrgbClr r="0" g="0" b="0"/>
+        </a:fillRef>
+        <a:effectRef idx="0">
+          <a:scrgbClr r="0" g="0" b="0"/>
+        </a:effectRef>
+        <a:fontRef idx="minor"/>
+      </dsp:style>
+      <dsp:txBody>
+        <a:bodyPr spcFirstLastPara="0" vert="horz" wrap="square" lIns="83820" tIns="83820" rIns="83820" bIns="83820" numCol="1" spcCol="1270" anchor="ctr" anchorCtr="0">
+          <a:noAutofit/>
+        </a:bodyPr>
+        <a:lstStyle/>
+        <a:p>
+          <a:pPr marL="0" lvl="0" indent="0" algn="ctr" defTabSz="977900">
+            <a:lnSpc>
+              <a:spcPct val="90000"/>
+            </a:lnSpc>
+            <a:spcBef>
+              <a:spcPct val="0"/>
+            </a:spcBef>
+            <a:spcAft>
+              <a:spcPct val="35000"/>
+            </a:spcAft>
+            <a:buNone/>
+          </a:pPr>
+          <a:r>
+            <a:rPr lang="en-US" sz="2200" kern="1200" dirty="0"/>
+            <a:t>Fact gathering </a:t>
+          </a:r>
+          <a:br>
+            <a:rPr lang="en-US" sz="2200" kern="1200" dirty="0"/>
+          </a:br>
+          <a:r>
+            <a:rPr lang="en-US" sz="2200" kern="1200" dirty="0"/>
+            <a:t>includes flight logs, maintenance records</a:t>
+          </a:r>
+        </a:p>
+      </dsp:txBody>
+      <dsp:txXfrm>
+        <a:off x="3946203" y="886531"/>
+        <a:ext cx="2810360" cy="1744948"/>
+      </dsp:txXfrm>
+    </dsp:sp>
+    <dsp:sp modelId="{26FB48BC-C558-5241-9B5B-545D272571DE}">
+      <dsp:nvSpPr>
+        <dsp:cNvPr id="0" name=""/>
+        <dsp:cNvSpPr/>
+      </dsp:nvSpPr>
+      <dsp:spPr>
+        <a:xfrm>
+          <a:off x="7135177" y="524133"/>
+          <a:ext cx="2918936" cy="1853524"/>
+        </a:xfrm>
+        <a:prstGeom prst="roundRect">
+          <a:avLst>
+            <a:gd name="adj" fmla="val 10000"/>
+          </a:avLst>
+        </a:prstGeom>
+        <a:solidFill>
+          <a:schemeClr val="dk2">
+            <a:hueOff val="0"/>
+            <a:satOff val="0"/>
+            <a:lumOff val="0"/>
+            <a:alphaOff val="0"/>
+          </a:schemeClr>
+        </a:solidFill>
+        <a:ln w="12700" cap="flat" cmpd="sng" algn="ctr">
+          <a:solidFill>
+            <a:schemeClr val="lt2">
+              <a:hueOff val="0"/>
+              <a:satOff val="0"/>
+              <a:lumOff val="0"/>
+              <a:alphaOff val="0"/>
+            </a:schemeClr>
+          </a:solidFill>
+          <a:prstDash val="solid"/>
+          <a:miter lim="800000"/>
+        </a:ln>
+        <a:effectLst/>
+      </dsp:spPr>
+      <dsp:style>
+        <a:lnRef idx="2">
+          <a:scrgbClr r="0" g="0" b="0"/>
+        </a:lnRef>
+        <a:fillRef idx="1">
+          <a:scrgbClr r="0" g="0" b="0"/>
+        </a:fillRef>
+        <a:effectRef idx="0">
+          <a:scrgbClr r="0" g="0" b="0"/>
+        </a:effectRef>
+        <a:fontRef idx="minor">
+          <a:schemeClr val="lt1"/>
+        </a:fontRef>
+      </dsp:style>
+    </dsp:sp>
+    <dsp:sp modelId="{AF5D826B-EB5D-4A42-9461-C37343A562CC}">
+      <dsp:nvSpPr>
+        <dsp:cNvPr id="0" name=""/>
+        <dsp:cNvSpPr/>
+      </dsp:nvSpPr>
+      <dsp:spPr>
+        <a:xfrm>
+          <a:off x="7459503" y="832243"/>
+          <a:ext cx="2918936" cy="1853524"/>
+        </a:xfrm>
+        <a:prstGeom prst="roundRect">
+          <a:avLst>
+            <a:gd name="adj" fmla="val 10000"/>
+          </a:avLst>
+        </a:prstGeom>
+        <a:solidFill>
+          <a:schemeClr val="lt2">
+            <a:alpha val="90000"/>
+            <a:hueOff val="0"/>
+            <a:satOff val="0"/>
+            <a:lumOff val="0"/>
+            <a:alphaOff val="0"/>
+          </a:schemeClr>
+        </a:solidFill>
+        <a:ln w="12700" cap="flat" cmpd="sng" algn="ctr">
+          <a:solidFill>
+            <a:schemeClr val="dk2">
+              <a:hueOff val="0"/>
+              <a:satOff val="0"/>
+              <a:lumOff val="0"/>
+              <a:alphaOff val="0"/>
+            </a:schemeClr>
+          </a:solidFill>
+          <a:prstDash val="solid"/>
+          <a:miter lim="800000"/>
+        </a:ln>
+        <a:effectLst/>
+      </dsp:spPr>
+      <dsp:style>
+        <a:lnRef idx="2">
+          <a:scrgbClr r="0" g="0" b="0"/>
+        </a:lnRef>
+        <a:fillRef idx="1">
+          <a:scrgbClr r="0" g="0" b="0"/>
+        </a:fillRef>
+        <a:effectRef idx="0">
+          <a:scrgbClr r="0" g="0" b="0"/>
+        </a:effectRef>
+        <a:fontRef idx="minor"/>
+      </dsp:style>
+      <dsp:txBody>
+        <a:bodyPr spcFirstLastPara="0" vert="horz" wrap="square" lIns="83820" tIns="83820" rIns="83820" bIns="83820" numCol="1" spcCol="1270" anchor="ctr" anchorCtr="0">
+          <a:noAutofit/>
+        </a:bodyPr>
+        <a:lstStyle/>
+        <a:p>
+          <a:pPr marL="0" lvl="0" indent="0" algn="ctr" defTabSz="977900">
+            <a:lnSpc>
+              <a:spcPct val="90000"/>
+            </a:lnSpc>
+            <a:spcBef>
+              <a:spcPct val="0"/>
+            </a:spcBef>
+            <a:spcAft>
+              <a:spcPct val="35000"/>
+            </a:spcAft>
+            <a:buNone/>
+          </a:pPr>
+          <a:r>
+            <a:rPr lang="en-US" sz="2200" kern="1200" dirty="0"/>
+            <a:t>On-flight injuries </a:t>
+          </a:r>
+          <a:br>
+            <a:rPr lang="en-US" sz="2200" kern="1200" dirty="0"/>
+          </a:br>
+          <a:r>
+            <a:rPr lang="en-US" sz="2200" kern="1200" dirty="0"/>
+            <a:t>Severity </a:t>
+          </a:r>
+          <a:br>
+            <a:rPr lang="en-US" sz="2200" kern="1200" dirty="0"/>
+          </a:br>
+          <a:r>
+            <a:rPr lang="en-US" sz="2200" kern="1200" dirty="0"/>
+            <a:t>Aircraft damage.</a:t>
+          </a:r>
+        </a:p>
+      </dsp:txBody>
+      <dsp:txXfrm>
+        <a:off x="7513791" y="886531"/>
+        <a:ext cx="2810360" cy="1744948"/>
+      </dsp:txXfrm>
+    </dsp:sp>
+  </dsp:spTree>
+</dsp:drawing>
+</file>
+
+<file path=ppt/diagrams/layout1.xml><?xml version="1.0" encoding="utf-8"?>
+<dgm:layoutDef xmlns:dgm="http://schemas.openxmlformats.org/drawingml/2006/diagram" xmlns:a="http://schemas.openxmlformats.org/drawingml/2006/main" uniqueId="urn:microsoft.com/office/officeart/2005/8/layout/hierarchy1">
+  <dgm:title val=""/>
+  <dgm:desc val=""/>
+  <dgm:catLst>
+    <dgm:cat type="hierarchy" pri="2000"/>
+  </dgm:catLst>
+  <dgm:sampData>
+    <dgm:dataModel>
+      <dgm:ptLst>
+        <dgm:pt modelId="0" type="doc"/>
+        <dgm:pt modelId="1">
+          <dgm:prSet phldr="1"/>
+        </dgm:pt>
+        <dgm:pt modelId="2">
+          <dgm:prSet phldr="1"/>
+        </dgm:pt>
+        <dgm:pt modelId="21">
+          <dgm:prSet phldr="1"/>
+        </dgm:pt>
+        <dgm:pt modelId="22">
+          <dgm:prSet phldr="1"/>
+        </dgm:pt>
+        <dgm:pt modelId="3">
+          <dgm:prSet phldr="1"/>
+        </dgm:pt>
+        <dgm:pt modelId="31">
+          <dgm:prSet phldr="1"/>
+        </dgm:pt>
+      </dgm:ptLst>
+      <dgm:cxnLst>
+        <dgm:cxn modelId="4" srcId="0" destId="1" srcOrd="0" destOrd="0"/>
+        <dgm:cxn modelId="5" srcId="1" destId="2" srcOrd="0" destOrd="0"/>
+        <dgm:cxn modelId="6" srcId="1" destId="3" srcOrd="1" destOrd="0"/>
+        <dgm:cxn modelId="23" srcId="2" destId="21" srcOrd="0" destOrd="0"/>
+        <dgm:cxn modelId="24" srcId="2" destId="22" srcOrd="1" destOrd="0"/>
+        <dgm:cxn modelId="33" srcId="3" destId="31" srcOrd="0" destOrd="0"/>
+      </dgm:cxnLst>
+      <dgm:bg/>
+      <dgm:whole/>
+    </dgm:dataModel>
+  </dgm:sampData>
+  <dgm:styleData>
+    <dgm:dataModel>
+      <dgm:ptLst>
+        <dgm:pt modelId="0" type="doc"/>
+        <dgm:pt modelId="1"/>
+        <dgm:pt modelId="11"/>
+        <dgm:pt modelId="12"/>
+      </dgm:ptLst>
+      <dgm:cxnLst>
+        <dgm:cxn modelId="2" srcId="0" destId="1" srcOrd="0" destOrd="0"/>
+        <dgm:cxn modelId="13" srcId="1" destId="11" srcOrd="0" destOrd="0"/>
+        <dgm:cxn modelId="14" srcId="1" destId="12" srcOrd="1" destOrd="0"/>
+      </dgm:cxnLst>
+      <dgm:bg/>
+      <dgm:whole/>
+    </dgm:dataModel>
+  </dgm:styleData>
+  <dgm:clrData>
+    <dgm:dataModel>
+      <dgm:ptLst>
+        <dgm:pt modelId="0" type="doc"/>
+        <dgm:pt modelId="1"/>
+        <dgm:pt modelId="2"/>
+        <dgm:pt modelId="21"/>
+        <dgm:pt modelId="211"/>
+        <dgm:pt modelId="3"/>
+        <dgm:pt modelId="31"/>
+        <dgm:pt modelId="311"/>
+      </dgm:ptLst>
+      <dgm:cxnLst>
+        <dgm:cxn modelId="4" srcId="0" destId="1" srcOrd="0" destOrd="0"/>
+        <dgm:cxn modelId="5" srcId="1" destId="2" srcOrd="0" destOrd="0"/>
+        <dgm:cxn modelId="6" srcId="1" destId="3" srcOrd="1" destOrd="0"/>
+        <dgm:cxn modelId="23" srcId="2" destId="21" srcOrd="0" destOrd="0"/>
+        <dgm:cxn modelId="24" srcId="21" destId="211" srcOrd="0" destOrd="0"/>
+        <dgm:cxn modelId="33" srcId="3" destId="31" srcOrd="0" destOrd="0"/>
+        <dgm:cxn modelId="34" srcId="31" destId="311" srcOrd="0" destOrd="0"/>
+      </dgm:cxnLst>
+      <dgm:bg/>
+      <dgm:whole/>
+    </dgm:dataModel>
+  </dgm:clrData>
+  <dgm:layoutNode name="hierChild1">
+    <dgm:varLst>
+      <dgm:chPref val="1"/>
+      <dgm:dir/>
+      <dgm:animOne val="branch"/>
+      <dgm:animLvl val="lvl"/>
+      <dgm:resizeHandles/>
+    </dgm:varLst>
+    <dgm:choose name="Name0">
+      <dgm:if name="Name1" func="var" arg="dir" op="equ" val="norm">
+        <dgm:alg type="hierChild">
+          <dgm:param type="linDir" val="fromL"/>
+        </dgm:alg>
+      </dgm:if>
+      <dgm:else name="Name2">
+        <dgm:alg type="hierChild">
+          <dgm:param type="linDir" val="fromR"/>
+        </dgm:alg>
+      </dgm:else>
+    </dgm:choose>
+    <dgm:shape xmlns:r="http://schemas.openxmlformats.org/officeDocument/2006/relationships" r:blip="">
+      <dgm:adjLst/>
+    </dgm:shape>
+    <dgm:presOf/>
+    <dgm:constrLst>
+      <dgm:constr type="primFontSz" for="des" ptType="node" op="equ" val="65"/>
+      <dgm:constr type="w" for="des" forName="composite" refType="w"/>
+      <dgm:constr type="h" for="des" forName="composite" refType="w" refFor="des" refForName="composite" fact="0.667"/>
+      <dgm:constr type="w" for="des" forName="composite2" refType="w" refFor="des" refForName="composite"/>
+      <dgm:constr type="h" for="des" forName="composite2" refType="h" refFor="des" refForName="composite"/>
+      <dgm:constr type="w" for="des" forName="composite3" refType="w" refFor="des" refForName="composite"/>
+      <dgm:constr type="h" for="des" forName="composite3" refType="h" refFor="des" refForName="composite"/>
+      <dgm:constr type="w" for="des" forName="composite4" refType="w" refFor="des" refForName="composite"/>
+      <dgm:constr type="h" for="des" forName="composite4" refType="h" refFor="des" refForName="composite"/>
+      <dgm:constr type="w" for="des" forName="composite5" refType="w" refFor="des" refForName="composite"/>
+      <dgm:constr type="h" for="des" forName="composite5" refType="h" refFor="des" refForName="composite"/>
+      <dgm:constr type="sibSp" refType="w" refFor="des" refForName="composite" fact="0.1"/>
+      <dgm:constr type="sibSp" for="des" forName="hierChild2" refType="sibSp"/>
+      <dgm:constr type="sibSp" for="des" forName="hierChild3" refType="sibSp"/>
+      <dgm:constr type="sibSp" for="des" forName="hierChild4" refType="sibSp"/>
+      <dgm:constr type="sibSp" for="des" forName="hierChild5" refType="sibSp"/>
+      <dgm:constr type="sibSp" for="des" forName="hierChild6" refType="sibSp"/>
+      <dgm:constr type="sp" for="des" forName="hierRoot1" refType="h" refFor="des" refForName="composite" fact="0.25"/>
+      <dgm:constr type="sp" for="des" forName="hierRoot2" refType="sp" refFor="des" refForName="hierRoot1"/>
+      <dgm:constr type="sp" for="des" forName="hierRoot3" refType="sp" refFor="des" refForName="hierRoot1"/>
+      <dgm:constr type="sp" for="des" forName="hierRoot4" refType="sp" refFor="des" refForName="hierRoot1"/>
+      <dgm:constr type="sp" for="des" forName="hierRoot5" refType="sp" refFor="des" refForName="hierRoot1"/>
+    </dgm:constrLst>
+    <dgm:ruleLst/>
+    <dgm:forEach name="Name3" axis="ch">
+      <dgm:forEach name="Name4" axis="self" ptType="node">
+        <dgm:layoutNode name="hierRoot1">
+          <dgm:alg type="hierRoot"/>
+          <dgm:shape xmlns:r="http://schemas.openxmlformats.org/officeDocument/2006/relationships" r:blip="">
+            <dgm:adjLst/>
+          </dgm:shape>
+          <dgm:presOf/>
+          <dgm:constrLst>
+            <dgm:constr type="bendDist" for="des" ptType="parTrans" refType="sp" fact="0.5"/>
+          </dgm:constrLst>
+          <dgm:ruleLst/>
+          <dgm:layoutNode name="composite">
+            <dgm:alg type="composite"/>
+            <dgm:shape xmlns:r="http://schemas.openxmlformats.org/officeDocument/2006/relationships" r:blip="">
+              <dgm:adjLst/>
+            </dgm:shape>
+            <dgm:presOf/>
+            <dgm:constrLst>
+              <dgm:constr type="w" for="ch" forName="background" refType="w" fact="0.9"/>
+              <dgm:constr type="h" for="ch" forName="background" refType="w" refFor="ch" refForName="background" fact="0.635"/>
+              <dgm:constr type="t" for="ch" forName="background"/>
+              <dgm:constr type="l" for="ch" forName="background"/>
+              <dgm:constr type="w" for="ch" forName="text" refType="w" fact="0.9"/>
+              <dgm:constr type="h" for="ch" forName="text" refType="w" refFor="ch" refForName="text" fact="0.635"/>
+              <dgm:constr type="t" for="ch" forName="text" refType="w" fact="0.095"/>
+              <dgm:constr type="l" for="ch" forName="text" refType="w" fact="0.1"/>
+            </dgm:constrLst>
+            <dgm:ruleLst/>
+            <dgm:layoutNode name="background" styleLbl="node0" moveWith="text">
+              <dgm:alg type="sp"/>
+              <dgm:shape xmlns:r="http://schemas.openxmlformats.org/officeDocument/2006/relationships" type="roundRect" r:blip="">
+                <dgm:adjLst>
+                  <dgm:adj idx="1" val="0.1"/>
+                </dgm:adjLst>
+              </dgm:shape>
+              <dgm:presOf/>
+              <dgm:constrLst/>
+              <dgm:ruleLst/>
+            </dgm:layoutNode>
+            <dgm:layoutNode name="text" styleLbl="fgAcc0">
+              <dgm:varLst>
+                <dgm:chPref val="3"/>
+              </dgm:varLst>
+              <dgm:alg type="tx"/>
+              <dgm:shape xmlns:r="http://schemas.openxmlformats.org/officeDocument/2006/relationships" type="roundRect" r:blip="">
+                <dgm:adjLst>
+                  <dgm:adj idx="1" val="0.1"/>
+                </dgm:adjLst>
+              </dgm:shape>
+              <dgm:presOf axis="self"/>
+              <dgm:constrLst>
+                <dgm:constr type="tMarg" refType="primFontSz" fact="0.3"/>
+                <dgm:constr type="bMarg" refType="primFontSz" fact="0.3"/>
+                <dgm:constr type="lMarg" refType="primFontSz" fact="0.3"/>
+                <dgm:constr type="rMarg" refType="primFontSz" fact="0.3"/>
+              </dgm:constrLst>
+              <dgm:ruleLst>
+                <dgm:rule type="primFontSz" val="5" fact="NaN" max="NaN"/>
+              </dgm:ruleLst>
+            </dgm:layoutNode>
+          </dgm:layoutNode>
+          <dgm:layoutNode name="hierChild2">
+            <dgm:choose name="Name5">
+              <dgm:if name="Name6" func="var" arg="dir" op="equ" val="norm">
+                <dgm:alg type="hierChild">
+                  <dgm:param type="linDir" val="fromL"/>
+                </dgm:alg>
+              </dgm:if>
+              <dgm:else name="Name7">
+                <dgm:alg type="hierChild">
+                  <dgm:param type="linDir" val="fromR"/>
+                </dgm:alg>
+              </dgm:else>
+            </dgm:choose>
+            <dgm:shape xmlns:r="http://schemas.openxmlformats.org/officeDocument/2006/relationships" r:blip="">
+              <dgm:adjLst/>
+            </dgm:shape>
+            <dgm:presOf/>
+            <dgm:constrLst/>
+            <dgm:ruleLst/>
+            <dgm:forEach name="Name8" axis="ch">
+              <dgm:forEach name="Name9" axis="self" ptType="parTrans" cnt="1">
+                <dgm:layoutNode name="Name10">
+                  <dgm:alg type="conn">
+                    <dgm:param type="dim" val="1D"/>
+                    <dgm:param type="endSty" val="noArr"/>
+                    <dgm:param type="connRout" val="bend"/>
+                    <dgm:param type="bendPt" val="end"/>
+                    <dgm:param type="begPts" val="bCtr"/>
+                    <dgm:param type="endPts" val="tCtr"/>
+                    <dgm:param type="srcNode" val="background"/>
+                    <dgm:param type="dstNode" val="background2"/>
+                  </dgm:alg>
+                  <dgm:shape xmlns:r="http://schemas.openxmlformats.org/officeDocument/2006/relationships" type="conn" r:blip="" zOrderOff="-999">
+                    <dgm:adjLst/>
+                  </dgm:shape>
+                  <dgm:presOf axis="self"/>
+                  <dgm:constrLst>
+                    <dgm:constr type="begPad"/>
+                    <dgm:constr type="endPad"/>
+                  </dgm:constrLst>
+                  <dgm:ruleLst/>
+                </dgm:layoutNode>
+              </dgm:forEach>
+              <dgm:forEach name="Name11" axis="self" ptType="node">
+                <dgm:layoutNode name="hierRoot2">
+                  <dgm:alg type="hierRoot"/>
+                  <dgm:shape xmlns:r="http://schemas.openxmlformats.org/officeDocument/2006/relationships" r:blip="">
+                    <dgm:adjLst/>
+                  </dgm:shape>
+                  <dgm:presOf/>
+                  <dgm:constrLst>
+                    <dgm:constr type="bendDist" for="des" ptType="parTrans" refType="sp" fact="0.5"/>
+                  </dgm:constrLst>
+                  <dgm:ruleLst/>
+                  <dgm:layoutNode name="composite2">
+                    <dgm:alg type="composite"/>
+                    <dgm:shape xmlns:r="http://schemas.openxmlformats.org/officeDocument/2006/relationships" r:blip="">
+                      <dgm:adjLst/>
+                    </dgm:shape>
+                    <dgm:presOf/>
+                    <dgm:constrLst>
+                      <dgm:constr type="w" for="ch" forName="background2" refType="w" fact="0.9"/>
+                      <dgm:constr type="h" for="ch" forName="background2" refType="w" refFor="ch" refForName="background2" fact="0.635"/>
+                      <dgm:constr type="t" for="ch" forName="background2"/>
+                      <dgm:constr type="l" for="ch" forName="background2"/>
+                      <dgm:constr type="w" for="ch" forName="text2" refType="w" fact="0.9"/>
+                      <dgm:constr type="h" for="ch" forName="text2" refType="w" refFor="ch" refForName="text2" fact="0.635"/>
+                      <dgm:constr type="t" for="ch" forName="text2" refType="w" fact="0.095"/>
+                      <dgm:constr type="l" for="ch" forName="text2" refType="w" fact="0.1"/>
+                    </dgm:constrLst>
+                    <dgm:ruleLst/>
+                    <dgm:layoutNode name="background2" moveWith="text2">
+                      <dgm:alg type="sp"/>
+                      <dgm:shape xmlns:r="http://schemas.openxmlformats.org/officeDocument/2006/relationships" type="roundRect" r:blip="">
+                        <dgm:adjLst>
+                          <dgm:adj idx="1" val="0.1"/>
+                        </dgm:adjLst>
+                      </dgm:shape>
+                      <dgm:presOf/>
+                      <dgm:constrLst/>
+                      <dgm:ruleLst/>
+                    </dgm:layoutNode>
+                    <dgm:layoutNode name="text2" styleLbl="fgAcc2">
+                      <dgm:varLst>
+                        <dgm:chPref val="3"/>
+                      </dgm:varLst>
+                      <dgm:alg type="tx"/>
+                      <dgm:shape xmlns:r="http://schemas.openxmlformats.org/officeDocument/2006/relationships" type="roundRect" r:blip="">
+                        <dgm:adjLst>
+                          <dgm:adj idx="1" val="0.1"/>
+                        </dgm:adjLst>
+                      </dgm:shape>
+                      <dgm:presOf axis="self"/>
+                      <dgm:constrLst>
+                        <dgm:constr type="tMarg" refType="primFontSz" fact="0.3"/>
+                        <dgm:constr type="bMarg" refType="primFontSz" fact="0.3"/>
+                        <dgm:constr type="lMarg" refType="primFontSz" fact="0.3"/>
+                        <dgm:constr type="rMarg" refType="primFontSz" fact="0.3"/>
+                      </dgm:constrLst>
+                      <dgm:ruleLst>
+                        <dgm:rule type="primFontSz" val="5" fact="NaN" max="NaN"/>
+                      </dgm:ruleLst>
+                    </dgm:layoutNode>
+                  </dgm:layoutNode>
+                  <dgm:layoutNode name="hierChild3">
+                    <dgm:choose name="Name12">
+                      <dgm:if name="Name13" func="var" arg="dir" op="equ" val="norm">
+                        <dgm:alg type="hierChild">
+                          <dgm:param type="linDir" val="fromL"/>
+                        </dgm:alg>
+                      </dgm:if>
+                      <dgm:else name="Name14">
+                        <dgm:alg type="hierChild">
+                          <dgm:param type="linDir" val="fromR"/>
+                        </dgm:alg>
+                      </dgm:else>
+                    </dgm:choose>
+                    <dgm:shape xmlns:r="http://schemas.openxmlformats.org/officeDocument/2006/relationships" r:blip="">
+                      <dgm:adjLst/>
+                    </dgm:shape>
+                    <dgm:presOf/>
+                    <dgm:constrLst/>
+                    <dgm:ruleLst/>
+                    <dgm:forEach name="Name15" axis="ch">
+                      <dgm:forEach name="Name16" axis="self" ptType="parTrans" cnt="1">
+                        <dgm:layoutNode name="Name17">
+                          <dgm:alg type="conn">
+                            <dgm:param type="dim" val="1D"/>
+                            <dgm:param type="endSty" val="noArr"/>
+                            <dgm:param type="connRout" val="bend"/>
+                            <dgm:param type="bendPt" val="end"/>
+                            <dgm:param type="begPts" val="bCtr"/>
+                            <dgm:param type="endPts" val="tCtr"/>
+                            <dgm:param type="srcNode" val="background2"/>
+                            <dgm:param type="dstNode" val="background3"/>
+                          </dgm:alg>
+                          <dgm:shape xmlns:r="http://schemas.openxmlformats.org/officeDocument/2006/relationships" type="conn" r:blip="" zOrderOff="-999">
+                            <dgm:adjLst/>
+                          </dgm:shape>
+                          <dgm:presOf axis="self"/>
+                          <dgm:constrLst>
+                            <dgm:constr type="begPad"/>
+                            <dgm:constr type="endPad"/>
+                          </dgm:constrLst>
+                          <dgm:ruleLst/>
+                        </dgm:layoutNode>
+                      </dgm:forEach>
+                      <dgm:forEach name="Name18" axis="self" ptType="node">
+                        <dgm:layoutNode name="hierRoot3">
+                          <dgm:alg type="hierRoot"/>
+                          <dgm:shape xmlns:r="http://schemas.openxmlformats.org/officeDocument/2006/relationships" r:blip="">
+                            <dgm:adjLst/>
+                          </dgm:shape>
+                          <dgm:presOf/>
+                          <dgm:constrLst>
+                            <dgm:constr type="bendDist" for="des" ptType="parTrans" refType="sp" fact="0.5"/>
+                          </dgm:constrLst>
+                          <dgm:ruleLst/>
+                          <dgm:layoutNode name="composite3">
+                            <dgm:alg type="composite"/>
+                            <dgm:shape xmlns:r="http://schemas.openxmlformats.org/officeDocument/2006/relationships" r:blip="">
+                              <dgm:adjLst/>
+                            </dgm:shape>
+                            <dgm:presOf/>
+                            <dgm:constrLst>
+                              <dgm:constr type="w" for="ch" forName="background3" refType="w" fact="0.9"/>
+                              <dgm:constr type="h" for="ch" forName="background3" refType="w" refFor="ch" refForName="background3" fact="0.635"/>
+                              <dgm:constr type="t" for="ch" forName="background3"/>
+                              <dgm:constr type="l" for="ch" forName="background3"/>
+                              <dgm:constr type="w" for="ch" forName="text3" refType="w" fact="0.9"/>
+                              <dgm:constr type="h" for="ch" forName="text3" refType="w" refFor="ch" refForName="text3" fact="0.635"/>
+                              <dgm:constr type="t" for="ch" forName="text3" refType="w" fact="0.095"/>
+                              <dgm:constr type="l" for="ch" forName="text3" refType="w" fact="0.1"/>
+                            </dgm:constrLst>
+                            <dgm:ruleLst/>
+                            <dgm:layoutNode name="background3" moveWith="text3">
+                              <dgm:alg type="sp"/>
+                              <dgm:shape xmlns:r="http://schemas.openxmlformats.org/officeDocument/2006/relationships" type="roundRect" r:blip="">
+                                <dgm:adjLst>
+                                  <dgm:adj idx="1" val="0.1"/>
+                                </dgm:adjLst>
+                              </dgm:shape>
+                              <dgm:presOf/>
+                              <dgm:constrLst/>
+                              <dgm:ruleLst/>
+                            </dgm:layoutNode>
+                            <dgm:layoutNode name="text3" styleLbl="fgAcc3">
+                              <dgm:varLst>
+                                <dgm:chPref val="3"/>
+                              </dgm:varLst>
+                              <dgm:alg type="tx"/>
+                              <dgm:shape xmlns:r="http://schemas.openxmlformats.org/officeDocument/2006/relationships" type="roundRect" r:blip="">
+                                <dgm:adjLst>
+                                  <dgm:adj idx="1" val="0.1"/>
+                                </dgm:adjLst>
+                              </dgm:shape>
+                              <dgm:presOf axis="self"/>
+                              <dgm:constrLst>
+                                <dgm:constr type="tMarg" refType="primFontSz" fact="0.3"/>
+                                <dgm:constr type="bMarg" refType="primFontSz" fact="0.3"/>
+                                <dgm:constr type="lMarg" refType="primFontSz" fact="0.3"/>
+                                <dgm:constr type="rMarg" refType="primFontSz" fact="0.3"/>
+                              </dgm:constrLst>
+                              <dgm:ruleLst>
+                                <dgm:rule type="primFontSz" val="5" fact="NaN" max="NaN"/>
+                              </dgm:ruleLst>
+                            </dgm:layoutNode>
+                          </dgm:layoutNode>
+                          <dgm:layoutNode name="hierChild4">
+                            <dgm:choose name="Name19">
+                              <dgm:if name="Name20" func="var" arg="dir" op="equ" val="norm">
+                                <dgm:alg type="hierChild">
+                                  <dgm:param type="linDir" val="fromL"/>
+                                </dgm:alg>
+                              </dgm:if>
+                              <dgm:else name="Name21">
+                                <dgm:alg type="hierChild">
+                                  <dgm:param type="linDir" val="fromR"/>
+                                </dgm:alg>
+                              </dgm:else>
+                            </dgm:choose>
+                            <dgm:shape xmlns:r="http://schemas.openxmlformats.org/officeDocument/2006/relationships" r:blip="">
+                              <dgm:adjLst/>
+                            </dgm:shape>
+                            <dgm:presOf/>
+                            <dgm:constrLst/>
+                            <dgm:ruleLst/>
+                            <dgm:forEach name="repeat" axis="ch">
+                              <dgm:forEach name="Name22" axis="self" ptType="parTrans" cnt="1">
+                                <dgm:layoutNode name="Name23">
+                                  <dgm:choose name="Name24">
+                                    <dgm:if name="Name25" axis="self" func="depth" op="lte" val="4">
+                                      <dgm:alg type="conn">
+                                        <dgm:param type="dim" val="1D"/>
+                                        <dgm:param type="endSty" val="noArr"/>
+                                        <dgm:param type="connRout" val="bend"/>
+                                        <dgm:param type="bendPt" val="end"/>
+                                        <dgm:param type="begPts" val="bCtr"/>
+                                        <dgm:param type="endPts" val="tCtr"/>
+                                        <dgm:param type="srcNode" val="background3"/>
+                                        <dgm:param type="dstNode" val="background4"/>
+                                      </dgm:alg>
+                                    </dgm:if>
+                                    <dgm:else name="Name26">
+                                      <dgm:alg type="conn">
+                                        <dgm:param type="dim" val="1D"/>
+                                        <dgm:param type="endSty" val="noArr"/>
+                                        <dgm:param type="connRout" val="bend"/>
+                                        <dgm:param type="bendPt" val="end"/>
+                                        <dgm:param type="begPts" val="bCtr"/>
+                                        <dgm:param type="endPts" val="tCtr"/>
+                                        <dgm:param type="srcNode" val="background4"/>
+                                        <dgm:param type="dstNode" val="background4"/>
+                                      </dgm:alg>
+                                    </dgm:else>
+                                  </dgm:choose>
+                                  <dgm:shape xmlns:r="http://schemas.openxmlformats.org/officeDocument/2006/relationships" type="conn" r:blip="" zOrderOff="-999">
+                                    <dgm:adjLst/>
+                                  </dgm:shape>
+                                  <dgm:presOf axis="self"/>
+                                  <dgm:constrLst>
+                                    <dgm:constr type="begPad"/>
+                                    <dgm:constr type="endPad"/>
+                                  </dgm:constrLst>
+                                  <dgm:ruleLst/>
+                                </dgm:layoutNode>
+                              </dgm:forEach>
+                              <dgm:forEach name="Name27" axis="self" ptType="node">
+                                <dgm:layoutNode name="hierRoot4">
+                                  <dgm:alg type="hierRoot"/>
+                                  <dgm:shape xmlns:r="http://schemas.openxmlformats.org/officeDocument/2006/relationships" r:blip="">
+                                    <dgm:adjLst/>
+                                  </dgm:shape>
+                                  <dgm:presOf/>
+                                  <dgm:constrLst>
+                                    <dgm:constr type="bendDist" for="des" ptType="parTrans" refType="sp" fact="0.5"/>
+                                  </dgm:constrLst>
+                                  <dgm:ruleLst/>
+                                  <dgm:layoutNode name="composite4">
+                                    <dgm:alg type="composite"/>
+                                    <dgm:shape xmlns:r="http://schemas.openxmlformats.org/officeDocument/2006/relationships" r:blip="">
+                                      <dgm:adjLst/>
+                                    </dgm:shape>
+                                    <dgm:presOf/>
+                                    <dgm:constrLst>
+                                      <dgm:constr type="w" for="ch" forName="background4" refType="w" fact="0.9"/>
+                                      <dgm:constr type="h" for="ch" forName="background4" refType="w" refFor="ch" refForName="background4" fact="0.635"/>
+                                      <dgm:constr type="t" for="ch" forName="background4"/>
+                                      <dgm:constr type="l" for="ch" forName="background4"/>
+                                      <dgm:constr type="w" for="ch" forName="text4" refType="w" fact="0.9"/>
+                                      <dgm:constr type="h" for="ch" forName="text4" refType="w" refFor="ch" refForName="text4" fact="0.635"/>
+                                      <dgm:constr type="t" for="ch" forName="text4" refType="w" fact="0.095"/>
+                                      <dgm:constr type="l" for="ch" forName="text4" refType="w" fact="0.1"/>
+                                    </dgm:constrLst>
+                                    <dgm:ruleLst/>
+                                    <dgm:layoutNode name="background4" moveWith="text4">
+                                      <dgm:alg type="sp"/>
+                                      <dgm:shape xmlns:r="http://schemas.openxmlformats.org/officeDocument/2006/relationships" type="roundRect" r:blip="">
+                                        <dgm:adjLst>
+                                          <dgm:adj idx="1" val="0.1"/>
+                                        </dgm:adjLst>
+                                      </dgm:shape>
+                                      <dgm:presOf/>
+                                      <dgm:constrLst/>
+                                      <dgm:ruleLst/>
+                                    </dgm:layoutNode>
+                                    <dgm:layoutNode name="text4" styleLbl="fgAcc4">
+                                      <dgm:varLst>
+                                        <dgm:chPref val="3"/>
+                                      </dgm:varLst>
+                                      <dgm:alg type="tx"/>
+                                      <dgm:shape xmlns:r="http://schemas.openxmlformats.org/officeDocument/2006/relationships" type="roundRect" r:blip="">
+                                        <dgm:adjLst>
+                                          <dgm:adj idx="1" val="0.1"/>
+                                        </dgm:adjLst>
+                                      </dgm:shape>
+                                      <dgm:presOf axis="self"/>
+                                      <dgm:constrLst>
+                                        <dgm:constr type="tMarg" refType="primFontSz" fact="0.3"/>
+                                        <dgm:constr type="bMarg" refType="primFontSz" fact="0.3"/>
+                                        <dgm:constr type="lMarg" refType="primFontSz" fact="0.3"/>
+                                        <dgm:constr type="rMarg" refType="primFontSz" fact="0.3"/>
+                                      </dgm:constrLst>
+                                      <dgm:ruleLst>
+                                        <dgm:rule type="primFontSz" val="5" fact="NaN" max="NaN"/>
+                                      </dgm:ruleLst>
+                                    </dgm:layoutNode>
+                                  </dgm:layoutNode>
+                                  <dgm:layoutNode name="hierChild5">
+                                    <dgm:choose name="Name28">
+                                      <dgm:if name="Name29" func="var" arg="dir" op="equ" val="norm">
+                                        <dgm:alg type="hierChild">
+                                          <dgm:param type="linDir" val="fromL"/>
+                                        </dgm:alg>
+                                      </dgm:if>
+                                      <dgm:else name="Name30">
+                                        <dgm:alg type="hierChild">
+                                          <dgm:param type="linDir" val="fromR"/>
+                                        </dgm:alg>
+                                      </dgm:else>
+                                    </dgm:choose>
+                                    <dgm:shape xmlns:r="http://schemas.openxmlformats.org/officeDocument/2006/relationships" r:blip="">
+                                      <dgm:adjLst/>
+                                    </dgm:shape>
+                                    <dgm:presOf/>
+                                    <dgm:constrLst/>
+                                    <dgm:ruleLst/>
+                                    <dgm:forEach name="Name31" ref="repeat"/>
+                                  </dgm:layoutNode>
+                                </dgm:layoutNode>
+                              </dgm:forEach>
+                            </dgm:forEach>
+                          </dgm:layoutNode>
+                        </dgm:layoutNode>
+                      </dgm:forEach>
+                    </dgm:forEach>
+                  </dgm:layoutNode>
+                </dgm:layoutNode>
+              </dgm:forEach>
+            </dgm:forEach>
+          </dgm:layoutNode>
+        </dgm:layoutNode>
+      </dgm:forEach>
+    </dgm:forEach>
+  </dgm:layoutNode>
+</dgm:layoutDef>
+</file>
+
+<file path=ppt/diagrams/quickStyle1.xml><?xml version="1.0" encoding="utf-8"?>
+<dgm:styleDef xmlns:dgm="http://schemas.openxmlformats.org/drawingml/2006/diagram" xmlns:a="http://schemas.openxmlformats.org/drawingml/2006/main" uniqueId="urn:microsoft.com/office/officeart/2005/8/quickstyle/simple1">
+  <dgm:title val=""/>
+  <dgm:desc val=""/>
+  <dgm:catLst>
+    <dgm:cat type="simple" pri="10100"/>
+  </dgm:catLst>
+  <dgm:scene3d>
+    <a:camera prst="orthographicFront"/>
+    <a:lightRig rig="threePt" dir="t"/>
+  </dgm:scene3d>
+  <dgm:styleLbl name="node0">
+    <dgm:scene3d>
+      <a:camera prst="orthographicFront"/>
+      <a:lightRig rig="threePt" dir="t"/>
+    </dgm:scene3d>
+    <dgm:sp3d/>
+    <dgm:txPr/>
+    <dgm:style>
+      <a:lnRef idx="2">
+        <a:scrgbClr r="0" g="0" b="0"/>
+      </a:lnRef>
+      <a:fillRef idx="1">
+        <a:scrgbClr r="0" g="0" b="0"/>
+      </a:fillRef>
+      <a:effectRef idx="0">
+        <a:scrgbClr r="0" g="0" b="0"/>
+      </a:effectRef>
+      <a:fontRef idx="minor">
+        <a:schemeClr val="lt1"/>
+      </a:fontRef>
+    </dgm:style>
+  </dgm:styleLbl>
+  <dgm:styleLbl name="lnNode1">
+    <dgm:scene3d>
+      <a:camera prst="orthographicFront"/>
+      <a:lightRig rig="threePt" dir="t"/>
+    </dgm:scene3d>
+    <dgm:sp3d/>
+    <dgm:txPr/>
+    <dgm:style>
+      <a:lnRef idx="2">
+        <a:scrgbClr r="0" g="0" b="0"/>
+      </a:lnRef>
+      <a:fillRef idx="1">
+        <a:scrgbClr r="0" g="0" b="0"/>
+      </a:fillRef>
+      <a:effectRef idx="0">
+        <a:scrgbClr r="0" g="0" b="0"/>
+      </a:effectRef>
+      <a:fontRef idx="minor">
+        <a:schemeClr val="lt1"/>
+      </a:fontRef>
+    </dgm:style>
+  </dgm:styleLbl>
+  <dgm:styleLbl name="vennNode1">
+    <dgm:scene3d>
+      <a:camera prst="orthographicFront"/>
+      <a:lightRig rig="threePt" dir="t"/>
+    </dgm:scene3d>
+    <dgm:sp3d/>
+    <dgm:txPr/>
+    <dgm:style>
+      <a:lnRef idx="2">
+        <a:scrgbClr r="0" g="0" b="0"/>
+      </a:lnRef>
+      <a:fillRef idx="1">
+        <a:scrgbClr r="0" g="0" b="0"/>
+      </a:fillRef>
+      <a:effectRef idx="0">
+        <a:scrgbClr r="0" g="0" b="0"/>
+      </a:effectRef>
+      <a:fontRef idx="minor">
+        <a:schemeClr val="tx1"/>
+      </a:fontRef>
+    </dgm:style>
+  </dgm:styleLbl>
+  <dgm:styleLbl name="alignNode1">
+    <dgm:scene3d>
+      <a:camera prst="orthographicFront"/>
+      <a:lightRig rig="threePt" dir="t"/>
+    </dgm:scene3d>
+    <dgm:sp3d/>
+    <dgm:txPr/>
+    <dgm:style>
+      <a:lnRef idx="2">
+        <a:scrgbClr r="0" g="0" b="0"/>
+      </a:lnRef>
+      <a:fillRef idx="1">
+        <a:scrgbClr r="0" g="0" b="0"/>
+      </a:fillRef>
+      <a:effectRef idx="0">
+        <a:scrgbClr r="0" g="0" b="0"/>
+      </a:effectRef>
+      <a:fontRef idx="minor">
+        <a:schemeClr val="lt1"/>
+      </a:fontRef>
+    </dgm:style>
+  </dgm:styleLbl>
+  <dgm:styleLbl name="node1">
+    <dgm:scene3d>
+      <a:camera prst="orthographicFront"/>
+      <a:lightRig rig="threePt" dir="t"/>
+    </dgm:scene3d>
+    <dgm:sp3d/>
+    <dgm:txPr/>
+    <dgm:style>
+      <a:lnRef idx="2">
+        <a:scrgbClr r="0" g="0" b="0"/>
+      </a:lnRef>
+      <a:fillRef idx="1">
+        <a:scrgbClr r="0" g="0" b="0"/>
+      </a:fillRef>
+      <a:effectRef idx="0">
+        <a:scrgbClr r="0" g="0" b="0"/>
+      </a:effectRef>
+      <a:fontRef idx="minor">
+        <a:schemeClr val="lt1"/>
+      </a:fontRef>
+    </dgm:style>
+  </dgm:styleLbl>
+  <dgm:styleLbl name="node2">
+    <dgm:scene3d>
+      <a:camera prst="orthographicFront"/>
+      <a:lightRig rig="threePt" dir="t"/>
+    </dgm:scene3d>
+    <dgm:sp3d/>
+    <dgm:txPr/>
+    <dgm:style>
+      <a:lnRef idx="2">
+        <a:scrgbClr r="0" g="0" b="0"/>
+      </a:lnRef>
+      <a:fillRef idx="1">
+        <a:scrgbClr r="0" g="0" b="0"/>
+      </a:fillRef>
+      <a:effectRef idx="0">
+        <a:scrgbClr r="0" g="0" b="0"/>
+      </a:effectRef>
+      <a:fontRef idx="minor">
+        <a:schemeClr val="lt1"/>
+      </a:fontRef>
+    </dgm:style>
+  </dgm:styleLbl>
+  <dgm:styleLbl name="node3">
+    <dgm:scene3d>
+      <a:camera prst="orthographicFront"/>
+      <a:lightRig rig="threePt" dir="t"/>
+    </dgm:scene3d>
+    <dgm:sp3d/>
+    <dgm:txPr/>
+    <dgm:style>
+      <a:lnRef idx="2">
+        <a:scrgbClr r="0" g="0" b="0"/>
+      </a:lnRef>
+      <a:fillRef idx="1">
+        <a:scrgbClr r="0" g="0" b="0"/>
+      </a:fillRef>
+      <a:effectRef idx="0">
+        <a:scrgbClr r="0" g="0" b="0"/>
+      </a:effectRef>
+      <a:fontRef idx="minor">
+        <a:schemeClr val="lt1"/>
+      </a:fontRef>
+    </dgm:style>
+  </dgm:styleLbl>
+  <dgm:styleLbl name="node4">
+    <dgm:scene3d>
+      <a:camera prst="orthographicFront"/>
+      <a:lightRig rig="threePt" dir="t"/>
+    </dgm:scene3d>
+    <dgm:sp3d/>
+    <dgm:txPr/>
+    <dgm:style>
+      <a:lnRef idx="2">
+        <a:scrgbClr r="0" g="0" b="0"/>
+      </a:lnRef>
+      <a:fillRef idx="1">
+        <a:scrgbClr r="0" g="0" b="0"/>
+      </a:fillRef>
+      <a:effectRef idx="0">
+        <a:scrgbClr r="0" g="0" b="0"/>
+      </a:effectRef>
+      <a:fontRef idx="minor">
+        <a:schemeClr val="lt1"/>
+      </a:fontRef>
+    </dgm:style>
+  </dgm:styleLbl>
+  <dgm:styleLbl name="fgImgPlace1">
+    <dgm:scene3d>
+      <a:camera prst="orthographicFront"/>
+      <a:lightRig rig="threePt" dir="t"/>
+    </dgm:scene3d>
+    <dgm:sp3d/>
+    <dgm:txPr/>
+    <dgm:style>
+      <a:lnRef idx="2">
+        <a:scrgbClr r="0" g="0" b="0"/>
+      </a:lnRef>
+      <a:fillRef idx="1">
+        <a:scrgbClr r="0" g="0" b="0"/>
+      </a:fillRef>
+      <a:effectRef idx="0">
+        <a:scrgbClr r="0" g="0" b="0"/>
+      </a:effectRef>
+      <a:fontRef idx="minor"/>
+    </dgm:style>
+  </dgm:styleLbl>
+  <dgm:styleLbl name="alignImgPlace1">
+    <dgm:scene3d>
+      <a:camera prst="orthographicFront"/>
+      <a:lightRig rig="threePt" dir="t"/>
+    </dgm:scene3d>
+    <dgm:sp3d/>
+    <dgm:txPr/>
+    <dgm:style>
+      <a:lnRef idx="2">
+        <a:scrgbClr r="0" g="0" b="0"/>
+      </a:lnRef>
+      <a:fillRef idx="1">
+        <a:scrgbClr r="0" g="0" b="0"/>
+      </a:fillRef>
+      <a:effectRef idx="0">
+        <a:scrgbClr r="0" g="0" b="0"/>
+      </a:effectRef>
+      <a:fontRef idx="minor"/>
+    </dgm:style>
+  </dgm:styleLbl>
+  <dgm:styleLbl name="bgImgPlace1">
+    <dgm:scene3d>
+      <a:camera prst="orthographicFront"/>
+      <a:lightRig rig="threePt" dir="t"/>
+    </dgm:scene3d>
+    <dgm:sp3d/>
+    <dgm:txPr/>
+    <dgm:style>
+      <a:lnRef idx="2">
+        <a:scrgbClr r="0" g="0" b="0"/>
+      </a:lnRef>
+      <a:fillRef idx="1">
+        <a:scrgbClr r="0" g="0" b="0"/>
+      </a:fillRef>
+      <a:effectRef idx="0">
+        <a:scrgbClr r="0" g="0" b="0"/>
+      </a:effectRef>
+      <a:fontRef idx="minor"/>
+    </dgm:style>
+  </dgm:styleLbl>
+  <dgm:styleLbl name="sibTrans2D1">
+    <dgm:scene3d>
+      <a:camera prst="orthographicFront"/>
+      <a:lightRig rig="threePt" dir="t"/>
+    </dgm:scene3d>
+    <dgm:sp3d/>
+    <dgm:txPr/>
+    <dgm:style>
+      <a:lnRef idx="0">
+        <a:scrgbClr r="0" g="0" b="0"/>
+      </a:lnRef>
+      <a:fillRef idx="1">
+        <a:scrgbClr r="0" g="0" b="0"/>
+      </a:fillRef>
+      <a:effectRef idx="0">
+        <a:scrgbClr r="0" g="0" b="0"/>
+      </a:effectRef>
+      <a:fontRef idx="minor">
+        <a:schemeClr val="lt1"/>
+      </a:fontRef>
+    </dgm:style>
+  </dgm:styleLbl>
+  <dgm:styleLbl name="fgSibTrans2D1">
+    <dgm:scene3d>
+      <a:camera prst="orthographicFront"/>
+      <a:lightRig rig="threePt" dir="t"/>
+    </dgm:scene3d>
+    <dgm:sp3d/>
+    <dgm:txPr/>
+    <dgm:style>
+      <a:lnRef idx="0">
+        <a:scrgbClr r="0" g="0" b="0"/>
+      </a:lnRef>
+      <a:fillRef idx="1">
+        <a:scrgbClr r="0" g="0" b="0"/>
+      </a:fillRef>
+      <a:effectRef idx="0">
+        <a:scrgbClr r="0" g="0" b="0"/>
+      </a:effectRef>
+      <a:fontRef idx="minor">
+        <a:schemeClr val="lt1"/>
+      </a:fontRef>
+    </dgm:style>
+  </dgm:styleLbl>
+  <dgm:styleLbl name="bgSibTrans2D1">
+    <dgm:scene3d>
+      <a:camera prst="orthographicFront"/>
+      <a:lightRig rig="threePt" dir="t"/>
+    </dgm:scene3d>
+    <dgm:sp3d/>
+    <dgm:txPr/>
+    <dgm:style>
+      <a:lnRef idx="0">
+        <a:scrgbClr r="0" g="0" b="0"/>
+      </a:lnRef>
+      <a:fillRef idx="1">
+        <a:scrgbClr r="0" g="0" b="0"/>
+      </a:fillRef>
+      <a:effectRef idx="0">
+        <a:scrgbClr r="0" g="0" b="0"/>
+      </a:effectRef>
+      <a:fontRef idx="minor">
+        <a:schemeClr val="lt1"/>
+      </a:fontRef>
+    </dgm:style>
+  </dgm:styleLbl>
+  <dgm:styleLbl name="sibTrans1D1">
+    <dgm:scene3d>
+      <a:camera prst="orthographicFront"/>
+      <a:lightRig rig="threePt" dir="t"/>
+    </dgm:scene3d>
+    <dgm:sp3d/>
+    <dgm:txPr/>
+    <dgm:style>
+      <a:lnRef idx="1">
+        <a:scrgbClr r="0" g="0" b="0"/>
+      </a:lnRef>
+      <a:fillRef idx="0">
+        <a:scrgbClr r="0" g="0" b="0"/>
+      </a:fillRef>
+      <a:effectRef idx="0">
+        <a:scrgbClr r="0" g="0" b="0"/>
+      </a:effectRef>
+      <a:fontRef idx="minor"/>
+    </dgm:style>
+  </dgm:styleLbl>
+  <dgm:styleLbl name="callout">
+    <dgm:scene3d>
+      <a:camera prst="orthographicFront"/>
+      <a:lightRig rig="threePt" dir="t"/>
+    </dgm:scene3d>
+    <dgm:sp3d/>
+    <dgm:txPr/>
+    <dgm:style>
+      <a:lnRef idx="2">
+        <a:scrgbClr r="0" g="0" b="0"/>
+      </a:lnRef>
+      <a:fillRef idx="1">
+        <a:scrgbClr r="0" g="0" b="0"/>
+      </a:fillRef>
+      <a:effectRef idx="0">
+        <a:scrgbClr r="0" g="0" b="0"/>
+      </a:effectRef>
+      <a:fontRef idx="minor"/>
+    </dgm:style>
+  </dgm:styleLbl>
+  <dgm:styleLbl name="asst0">
+    <dgm:scene3d>
+      <a:camera prst="orthographicFront"/>
+      <a:lightRig rig="threePt" dir="t"/>
+    </dgm:scene3d>
+    <dgm:sp3d/>
+    <dgm:txPr/>
+    <dgm:style>
+      <a:lnRef idx="2">
+        <a:scrgbClr r="0" g="0" b="0"/>
+      </a:lnRef>
+      <a:fillRef idx="1">
+        <a:scrgbClr r="0" g="0" b="0"/>
+      </a:fillRef>
+      <a:effectRef idx="0">
+        <a:scrgbClr r="0" g="0" b="0"/>
+      </a:effectRef>
+      <a:fontRef idx="minor">
+        <a:schemeClr val="lt1"/>
+      </a:fontRef>
+    </dgm:style>
+  </dgm:styleLbl>
+  <dgm:styleLbl name="asst1">
+    <dgm:scene3d>
+      <a:camera prst="orthographicFront"/>
+      <a:lightRig rig="threePt" dir="t"/>
+    </dgm:scene3d>
+    <dgm:sp3d/>
+    <dgm:txPr/>
+    <dgm:style>
+      <a:lnRef idx="2">
+        <a:scrgbClr r="0" g="0" b="0"/>
+      </a:lnRef>
+      <a:fillRef idx="1">
+        <a:scrgbClr r="0" g="0" b="0"/>
+      </a:fillRef>
+      <a:effectRef idx="0">
+        <a:scrgbClr r="0" g="0" b="0"/>
+      </a:effectRef>
+      <a:fontRef idx="minor">
+        <a:schemeClr val="lt1"/>
+      </a:fontRef>
+    </dgm:style>
+  </dgm:styleLbl>
+  <dgm:styleLbl name="asst2">
+    <dgm:scene3d>
+      <a:camera prst="orthographicFront"/>
+      <a:lightRig rig="threePt" dir="t"/>
+    </dgm:scene3d>
+    <dgm:sp3d/>
+    <dgm:txPr/>
+    <dgm:style>
+      <a:lnRef idx="2">
+        <a:scrgbClr r="0" g="0" b="0"/>
+      </a:lnRef>
+      <a:fillRef idx="1">
+        <a:scrgbClr r="0" g="0" b="0"/>
+      </a:fillRef>
+      <a:effectRef idx="0">
+        <a:scrgbClr r="0" g="0" b="0"/>
+      </a:effectRef>
+      <a:fontRef idx="minor">
+        <a:schemeClr val="lt1"/>
+      </a:fontRef>
+    </dgm:style>
+  </dgm:styleLbl>
+  <dgm:styleLbl name="asst3">
+    <dgm:scene3d>
+      <a:camera prst="orthographicFront"/>
+      <a:lightRig rig="threePt" dir="t"/>
+    </dgm:scene3d>
+    <dgm:sp3d/>
+    <dgm:txPr/>
+    <dgm:style>
+      <a:lnRef idx="2">
+        <a:scrgbClr r="0" g="0" b="0"/>
+      </a:lnRef>
+      <a:fillRef idx="1">
+        <a:scrgbClr r="0" g="0" b="0"/>
+      </a:fillRef>
+      <a:effectRef idx="0">
+        <a:scrgbClr r="0" g="0" b="0"/>
+      </a:effectRef>
+      <a:fontRef idx="minor">
+        <a:schemeClr val="lt1"/>
+      </a:fontRef>
+    </dgm:style>
+  </dgm:styleLbl>
+  <dgm:styleLbl name="asst4">
+    <dgm:scene3d>
+      <a:camera prst="orthographicFront"/>
+      <a:lightRig rig="threePt" dir="t"/>
+    </dgm:scene3d>
+    <dgm:sp3d/>
+    <dgm:txPr/>
+    <dgm:style>
+      <a:lnRef idx="2">
+        <a:scrgbClr r="0" g="0" b="0"/>
+      </a:lnRef>
+      <a:fillRef idx="1">
+        <a:scrgbClr r="0" g="0" b="0"/>
+      </a:fillRef>
+      <a:effectRef idx="0">
+        <a:scrgbClr r="0" g="0" b="0"/>
+      </a:effectRef>
+      <a:fontRef idx="minor">
+        <a:schemeClr val="lt1"/>
+      </a:fontRef>
+    </dgm:style>
+  </dgm:styleLbl>
+  <dgm:styleLbl name="parChTrans2D1">
+    <dgm:scene3d>
+      <a:camera prst="orthographicFront"/>
+      <a:lightRig rig="threePt" dir="t"/>
+    </dgm:scene3d>
+    <dgm:sp3d/>
+    <dgm:txPr/>
+    <dgm:style>
+      <a:lnRef idx="2">
+        <a:scrgbClr r="0" g="0" b="0"/>
+      </a:lnRef>
+      <a:fillRef idx="1">
+        <a:scrgbClr r="0" g="0" b="0"/>
+      </a:fillRef>
+      <a:effectRef idx="0">
+        <a:scrgbClr r="0" g="0" b="0"/>
+      </a:effectRef>
+      <a:fontRef idx="minor">
+        <a:schemeClr val="lt1"/>
+      </a:fontRef>
+    </dgm:style>
+  </dgm:styleLbl>
+  <dgm:styleLbl name="parChTrans2D2">
+    <dgm:scene3d>
+      <a:camera prst="orthographicFront"/>
+      <a:lightRig rig="threePt" dir="t"/>
+    </dgm:scene3d>
+    <dgm:sp3d/>
+    <dgm:txPr/>
+    <dgm:style>
+      <a:lnRef idx="2">
+        <a:scrgbClr r="0" g="0" b="0"/>
+      </a:lnRef>
+      <a:fillRef idx="1">
+        <a:scrgbClr r="0" g="0" b="0"/>
+      </a:fillRef>
+      <a:effectRef idx="0">
+        <a:scrgbClr r="0" g="0" b="0"/>
+      </a:effectRef>
+      <a:fontRef idx="minor">
+        <a:schemeClr val="lt1"/>
+      </a:fontRef>
+    </dgm:style>
+  </dgm:styleLbl>
+  <dgm:styleLbl name="parChTrans2D3">
+    <dgm:scene3d>
+      <a:camera prst="orthographicFront"/>
+      <a:lightRig rig="threePt" dir="t"/>
+    </dgm:scene3d>
+    <dgm:sp3d/>
+    <dgm:txPr/>
+    <dgm:style>
+      <a:lnRef idx="2">
+        <a:scrgbClr r="0" g="0" b="0"/>
+      </a:lnRef>
+      <a:fillRef idx="1">
+        <a:scrgbClr r="0" g="0" b="0"/>
+      </a:fillRef>
+      <a:effectRef idx="0">
+        <a:scrgbClr r="0" g="0" b="0"/>
+      </a:effectRef>
+      <a:fontRef idx="minor">
+        <a:schemeClr val="lt1"/>
+      </a:fontRef>
+    </dgm:style>
+  </dgm:styleLbl>
+  <dgm:styleLbl name="parChTrans2D4">
+    <dgm:scene3d>
+      <a:camera prst="orthographicFront"/>
+      <a:lightRig rig="threePt" dir="t"/>
+    </dgm:scene3d>
+    <dgm:sp3d/>
+    <dgm:txPr/>
+    <dgm:style>
+      <a:lnRef idx="2">
+        <a:scrgbClr r="0" g="0" b="0"/>
+      </a:lnRef>
+      <a:fillRef idx="1">
+        <a:scrgbClr r="0" g="0" b="0"/>
+      </a:fillRef>
+      <a:effectRef idx="0">
+        <a:scrgbClr r="0" g="0" b="0"/>
+      </a:effectRef>
+      <a:fontRef idx="minor">
+        <a:schemeClr val="lt1"/>
+      </a:fontRef>
+    </dgm:style>
+  </dgm:styleLbl>
+  <dgm:styleLbl name="parChTrans1D1">
+    <dgm:scene3d>
+      <a:camera prst="orthographicFront"/>
+      <a:lightRig rig="threePt" dir="t"/>
+    </dgm:scene3d>
+    <dgm:sp3d/>
+    <dgm:txPr/>
+    <dgm:style>
+      <a:lnRef idx="2">
+        <a:scrgbClr r="0" g="0" b="0"/>
+      </a:lnRef>
+      <a:fillRef idx="0">
+        <a:scrgbClr r="0" g="0" b="0"/>
+      </a:fillRef>
+      <a:effectRef idx="0">
+        <a:scrgbClr r="0" g="0" b="0"/>
+      </a:effectRef>
+      <a:fontRef idx="minor"/>
+    </dgm:style>
+  </dgm:styleLbl>
+  <dgm:styleLbl name="parChTrans1D2">
+    <dgm:scene3d>
+      <a:camera prst="orthographicFront"/>
+      <a:lightRig rig="threePt" dir="t"/>
+    </dgm:scene3d>
+    <dgm:sp3d/>
+    <dgm:txPr/>
+    <dgm:style>
+      <a:lnRef idx="2">
+        <a:scrgbClr r="0" g="0" b="0"/>
+      </a:lnRef>
+      <a:fillRef idx="0">
+        <a:scrgbClr r="0" g="0" b="0"/>
+      </a:fillRef>
+      <a:effectRef idx="0">
+        <a:scrgbClr r="0" g="0" b="0"/>
+      </a:effectRef>
+      <a:fontRef idx="minor"/>
+    </dgm:style>
+  </dgm:styleLbl>
+  <dgm:styleLbl name="parChTrans1D3">
+    <dgm:scene3d>
+      <a:camera prst="orthographicFront"/>
+      <a:lightRig rig="threePt" dir="t"/>
+    </dgm:scene3d>
+    <dgm:sp3d/>
+    <dgm:txPr/>
+    <dgm:style>
+      <a:lnRef idx="2">
+        <a:scrgbClr r="0" g="0" b="0"/>
+      </a:lnRef>
+      <a:fillRef idx="0">
+        <a:scrgbClr r="0" g="0" b="0"/>
+      </a:fillRef>
+      <a:effectRef idx="0">
+        <a:scrgbClr r="0" g="0" b="0"/>
+      </a:effectRef>
+      <a:fontRef idx="minor"/>
+    </dgm:style>
+  </dgm:styleLbl>
+  <dgm:styleLbl name="parChTrans1D4">
+    <dgm:scene3d>
+      <a:camera prst="orthographicFront"/>
+      <a:lightRig rig="threePt" dir="t"/>
+    </dgm:scene3d>
+    <dgm:sp3d/>
+    <dgm:txPr/>
+    <dgm:style>
+      <a:lnRef idx="2">
+        <a:scrgbClr r="0" g="0" b="0"/>
+      </a:lnRef>
+      <a:fillRef idx="0">
+        <a:scrgbClr r="0" g="0" b="0"/>
+      </a:fillRef>
+      <a:effectRef idx="0">
+        <a:scrgbClr r="0" g="0" b="0"/>
+      </a:effectRef>
+      <a:fontRef idx="minor"/>
+    </dgm:style>
+  </dgm:styleLbl>
+  <dgm:styleLbl name="fgAcc1">
+    <dgm:scene3d>
+      <a:camera prst="orthographicFront"/>
+      <a:lightRig rig="threePt" dir="t"/>
+    </dgm:scene3d>
+    <dgm:sp3d/>
+    <dgm:txPr/>
+    <dgm:style>
+      <a:lnRef idx="2">
+        <a:scrgbClr r="0" g="0" b="0"/>
+      </a:lnRef>
+      <a:fillRef idx="1">
+        <a:scrgbClr r="0" g="0" b="0"/>
+      </a:fillRef>
+      <a:effectRef idx="0">
+        <a:scrgbClr r="0" g="0" b="0"/>
+      </a:effectRef>
+      <a:fontRef idx="minor"/>
+    </dgm:style>
+  </dgm:styleLbl>
+  <dgm:styleLbl name="conFgAcc1">
+    <dgm:scene3d>
+      <a:camera prst="orthographicFront"/>
+      <a:lightRig rig="threePt" dir="t"/>
+    </dgm:scene3d>
+    <dgm:sp3d/>
+    <dgm:txPr/>
+    <dgm:style>
+      <a:lnRef idx="2">
+        <a:scrgbClr r="0" g="0" b="0"/>
+      </a:lnRef>
+      <a:fillRef idx="1">
+        <a:scrgbClr r="0" g="0" b="0"/>
+      </a:fillRef>
+      <a:effectRef idx="0">
+        <a:scrgbClr r="0" g="0" b="0"/>
+      </a:effectRef>
+      <a:fontRef idx="minor"/>
+    </dgm:style>
+  </dgm:styleLbl>
+  <dgm:styleLbl name="alignAcc1">
+    <dgm:scene3d>
+      <a:camera prst="orthographicFront"/>
+      <a:lightRig rig="threePt" dir="t"/>
+    </dgm:scene3d>
+    <dgm:sp3d/>
+    <dgm:txPr/>
+    <dgm:style>
+      <a:lnRef idx="2">
+        <a:scrgbClr r="0" g="0" b="0"/>
+      </a:lnRef>
+      <a:fillRef idx="1">
+        <a:scrgbClr r="0" g="0" b="0"/>
+      </a:fillRef>
+      <a:effectRef idx="0">
+        <a:scrgbClr r="0" g="0" b="0"/>
+      </a:effectRef>
+      <a:fontRef idx="minor"/>
+    </dgm:style>
+  </dgm:styleLbl>
+  <dgm:styleLbl name="trAlignAcc1">
+    <dgm:scene3d>
+      <a:camera prst="orthographicFront"/>
+      <a:lightRig rig="threePt" dir="t"/>
+    </dgm:scene3d>
+    <dgm:sp3d/>
+    <dgm:txPr/>
+    <dgm:style>
+      <a:lnRef idx="1">
+        <a:scrgbClr r="0" g="0" b="0"/>
+      </a:lnRef>
+      <a:fillRef idx="1">
+        <a:scrgbClr r="0" g="0" b="0"/>
+      </a:fillRef>
+      <a:effectRef idx="0">
+        <a:scrgbClr r="0" g="0" b="0"/>
+      </a:effectRef>
+      <a:fontRef idx="minor"/>
+    </dgm:style>
+  </dgm:styleLbl>
+  <dgm:styleLbl name="bgAcc1">
+    <dgm:scene3d>
+      <a:camera prst="orthographicFront"/>
+      <a:lightRig rig="threePt" dir="t"/>
+    </dgm:scene3d>
+    <dgm:sp3d/>
+    <dgm:txPr/>
+    <dgm:style>
+      <a:lnRef idx="2">
+        <a:scrgbClr r="0" g="0" b="0"/>
+      </a:lnRef>
+      <a:fillRef idx="1">
+        <a:scrgbClr r="0" g="0" b="0"/>
+      </a:fillRef>
+      <a:effectRef idx="0">
+        <a:scrgbClr r="0" g="0" b="0"/>
+      </a:effectRef>
+      <a:fontRef idx="minor"/>
+    </dgm:style>
+  </dgm:styleLbl>
+  <dgm:styleLbl name="solidFgAcc1">
+    <dgm:scene3d>
+      <a:camera prst="orthographicFront"/>
+      <a:lightRig rig="threePt" dir="t"/>
+    </dgm:scene3d>
+    <dgm:sp3d/>
+    <dgm:txPr/>
+    <dgm:style>
+      <a:lnRef idx="2">
+        <a:scrgbClr r="0" g="0" b="0"/>
+      </a:lnRef>
+      <a:fillRef idx="1">
+        <a:scrgbClr r="0" g="0" b="0"/>
+      </a:fillRef>
+      <a:effectRef idx="0">
+        <a:scrgbClr r="0" g="0" b="0"/>
+      </a:effectRef>
+      <a:fontRef idx="minor"/>
+    </dgm:style>
+  </dgm:styleLbl>
+  <dgm:styleLbl name="solidAlignAcc1">
+    <dgm:scene3d>
+      <a:camera prst="orthographicFront"/>
+      <a:lightRig rig="threePt" dir="t"/>
+    </dgm:scene3d>
+    <dgm:sp3d/>
+    <dgm:txPr/>
+    <dgm:style>
+      <a:lnRef idx="2">
+        <a:scrgbClr r="0" g="0" b="0"/>
+      </a:lnRef>
+      <a:fillRef idx="1">
+        <a:scrgbClr r="0" g="0" b="0"/>
+      </a:fillRef>
+      <a:effectRef idx="0">
+        <a:scrgbClr r="0" g="0" b="0"/>
+      </a:effectRef>
+      <a:fontRef idx="minor"/>
+    </dgm:style>
+  </dgm:styleLbl>
+  <dgm:styleLbl name="solidBgAcc1">
+    <dgm:scene3d>
+      <a:camera prst="orthographicFront"/>
+      <a:lightRig rig="threePt" dir="t"/>
+    </dgm:scene3d>
+    <dgm:sp3d/>
+    <dgm:txPr/>
+    <dgm:style>
+      <a:lnRef idx="2">
+        <a:scrgbClr r="0" g="0" b="0"/>
+      </a:lnRef>
+      <a:fillRef idx="1">
+        <a:scrgbClr r="0" g="0" b="0"/>
+      </a:fillRef>
+      <a:effectRef idx="0">
+        <a:scrgbClr r="0" g="0" b="0"/>
+      </a:effectRef>
+      <a:fontRef idx="minor"/>
+    </dgm:style>
+  </dgm:styleLbl>
+  <dgm:styleLbl name="fgAccFollowNode1">
+    <dgm:scene3d>
+      <a:camera prst="orthographicFront"/>
+      <a:lightRig rig="threePt" dir="t"/>
+    </dgm:scene3d>
+    <dgm:sp3d/>
+    <dgm:txPr/>
+    <dgm:style>
+      <a:lnRef idx="2">
+        <a:scrgbClr r="0" g="0" b="0"/>
+      </a:lnRef>
+      <a:fillRef idx="1">
+        <a:scrgbClr r="0" g="0" b="0"/>
+      </a:fillRef>
+      <a:effectRef idx="0">
+        <a:scrgbClr r="0" g="0" b="0"/>
+      </a:effectRef>
+      <a:fontRef idx="minor"/>
+    </dgm:style>
+  </dgm:styleLbl>
+  <dgm:styleLbl name="alignAccFollowNode1">
+    <dgm:scene3d>
+      <a:camera prst="orthographicFront"/>
+      <a:lightRig rig="threePt" dir="t"/>
+    </dgm:scene3d>
+    <dgm:sp3d/>
+    <dgm:txPr/>
+    <dgm:style>
+      <a:lnRef idx="2">
+        <a:scrgbClr r="0" g="0" b="0"/>
+      </a:lnRef>
+      <a:fillRef idx="1">
+        <a:scrgbClr r="0" g="0" b="0"/>
+      </a:fillRef>
+      <a:effectRef idx="0">
+        <a:scrgbClr r="0" g="0" b="0"/>
+      </a:effectRef>
+      <a:fontRef idx="minor"/>
+    </dgm:style>
+  </dgm:styleLbl>
+  <dgm:styleLbl name="bgAccFollowNode1">
+    <dgm:scene3d>
+      <a:camera prst="orthographicFront"/>
+      <a:lightRig rig="threePt" dir="t"/>
+    </dgm:scene3d>
+    <dgm:sp3d/>
+    <dgm:txPr/>
+    <dgm:style>
+      <a:lnRef idx="2">
+        <a:scrgbClr r="0" g="0" b="0"/>
+      </a:lnRef>
+      <a:fillRef idx="1">
+        <a:scrgbClr r="0" g="0" b="0"/>
+      </a:fillRef>
+      <a:effectRef idx="0">
+        <a:scrgbClr r="0" g="0" b="0"/>
+      </a:effectRef>
+      <a:fontRef idx="minor"/>
+    </dgm:style>
+  </dgm:styleLbl>
+  <dgm:styleLbl name="fgAcc0">
+    <dgm:scene3d>
+      <a:camera prst="orthographicFront"/>
+      <a:lightRig rig="threePt" dir="t"/>
+    </dgm:scene3d>
+    <dgm:sp3d/>
+    <dgm:txPr/>
+    <dgm:style>
+      <a:lnRef idx="2">
+        <a:scrgbClr r="0" g="0" b="0"/>
+      </a:lnRef>
+      <a:fillRef idx="1">
+        <a:scrgbClr r="0" g="0" b="0"/>
+      </a:fillRef>
+      <a:effectRef idx="0">
+        <a:scrgbClr r="0" g="0" b="0"/>
+      </a:effectRef>
+      <a:fontRef idx="minor"/>
+    </dgm:style>
+  </dgm:styleLbl>
+  <dgm:styleLbl name="fgAcc2">
+    <dgm:scene3d>
+      <a:camera prst="orthographicFront"/>
+      <a:lightRig rig="threePt" dir="t"/>
+    </dgm:scene3d>
+    <dgm:sp3d/>
+    <dgm:txPr/>
+    <dgm:style>
+      <a:lnRef idx="2">
+        <a:scrgbClr r="0" g="0" b="0"/>
+      </a:lnRef>
+      <a:fillRef idx="1">
+        <a:scrgbClr r="0" g="0" b="0"/>
+      </a:fillRef>
+      <a:effectRef idx="0">
+        <a:scrgbClr r="0" g="0" b="0"/>
+      </a:effectRef>
+      <a:fontRef idx="minor"/>
+    </dgm:style>
+  </dgm:styleLbl>
+  <dgm:styleLbl name="fgAcc3">
+    <dgm:scene3d>
+      <a:camera prst="orthographicFront"/>
+      <a:lightRig rig="threePt" dir="t"/>
+    </dgm:scene3d>
+    <dgm:sp3d/>
+    <dgm:txPr/>
+    <dgm:style>
+      <a:lnRef idx="2">
+        <a:scrgbClr r="0" g="0" b="0"/>
+      </a:lnRef>
+      <a:fillRef idx="1">
+        <a:scrgbClr r="0" g="0" b="0"/>
+      </a:fillRef>
+      <a:effectRef idx="0">
+        <a:scrgbClr r="0" g="0" b="0"/>
+      </a:effectRef>
+      <a:fontRef idx="minor"/>
+    </dgm:style>
+  </dgm:styleLbl>
+  <dgm:styleLbl name="fgAcc4">
+    <dgm:scene3d>
+      <a:camera prst="orthographicFront"/>
+      <a:lightRig rig="threePt" dir="t"/>
+    </dgm:scene3d>
+    <dgm:sp3d/>
+    <dgm:txPr/>
+    <dgm:style>
+      <a:lnRef idx="2">
+        <a:scrgbClr r="0" g="0" b="0"/>
+      </a:lnRef>
+      <a:fillRef idx="1">
+        <a:scrgbClr r="0" g="0" b="0"/>
+      </a:fillRef>
+      <a:effectRef idx="0">
+        <a:scrgbClr r="0" g="0" b="0"/>
+      </a:effectRef>
+      <a:fontRef idx="minor"/>
+    </dgm:style>
+  </dgm:styleLbl>
+  <dgm:styleLbl name="bgShp">
+    <dgm:scene3d>
+      <a:camera prst="orthographicFront"/>
+      <a:lightRig rig="threePt" dir="t"/>
+    </dgm:scene3d>
+    <dgm:sp3d/>
+    <dgm:txPr/>
+    <dgm:style>
+      <a:lnRef idx="0">
+        <a:scrgbClr r="0" g="0" b="0"/>
+      </a:lnRef>
+      <a:fillRef idx="1">
+        <a:scrgbClr r="0" g="0" b="0"/>
+      </a:fillRef>
+      <a:effectRef idx="0">
+        <a:scrgbClr r="0" g="0" b="0"/>
+      </a:effectRef>
+      <a:fontRef idx="minor"/>
+    </dgm:style>
+  </dgm:styleLbl>
+  <dgm:styleLbl name="dkBgShp">
+    <dgm:scene3d>
+      <a:camera prst="orthographicFront"/>
+      <a:lightRig rig="threePt" dir="t"/>
+    </dgm:scene3d>
+    <dgm:sp3d/>
+    <dgm:txPr/>
+    <dgm:style>
+      <a:lnRef idx="0">
+        <a:scrgbClr r="0" g="0" b="0"/>
+      </a:lnRef>
+      <a:fillRef idx="1">
+        <a:scrgbClr r="0" g="0" b="0"/>
+      </a:fillRef>
+      <a:effectRef idx="0">
+        <a:scrgbClr r="0" g="0" b="0"/>
+      </a:effectRef>
+      <a:fontRef idx="minor"/>
+    </dgm:style>
+  </dgm:styleLbl>
+  <dgm:styleLbl name="trBgShp">
+    <dgm:scene3d>
+      <a:camera prst="orthographicFront"/>
+      <a:lightRig rig="threePt" dir="t"/>
+    </dgm:scene3d>
+    <dgm:sp3d/>
+    <dgm:txPr/>
+    <dgm:style>
+      <a:lnRef idx="0">
+        <a:scrgbClr r="0" g="0" b="0"/>
+      </a:lnRef>
+      <a:fillRef idx="1">
+        <a:scrgbClr r="0" g="0" b="0"/>
+      </a:fillRef>
+      <a:effectRef idx="0">
+        <a:scrgbClr r="0" g="0" b="0"/>
+      </a:effectRef>
+      <a:fontRef idx="minor"/>
+    </dgm:style>
+  </dgm:styleLbl>
+  <dgm:styleLbl name="fgShp">
+    <dgm:scene3d>
+      <a:camera prst="orthographicFront"/>
+      <a:lightRig rig="threePt" dir="t"/>
+    </dgm:scene3d>
+    <dgm:sp3d/>
+    <dgm:txPr/>
+    <dgm:style>
+      <a:lnRef idx="2">
+        <a:scrgbClr r="0" g="0" b="0"/>
+      </a:lnRef>
+      <a:fillRef idx="1">
+        <a:scrgbClr r="0" g="0" b="0"/>
+      </a:fillRef>
+      <a:effectRef idx="0">
+        <a:scrgbClr r="0" g="0" b="0"/>
+      </a:effectRef>
+      <a:fontRef idx="minor"/>
+    </dgm:style>
+  </dgm:styleLbl>
+  <dgm:styleLbl name="revTx">
+    <dgm:scene3d>
+      <a:camera prst="orthographicFront"/>
+      <a:lightRig rig="threePt" dir="t"/>
+    </dgm:scene3d>
+    <dgm:sp3d/>
+    <dgm:txPr/>
+    <dgm:style>
+      <a:lnRef idx="0">
+        <a:scrgbClr r="0" g="0" b="0"/>
+      </a:lnRef>
+      <a:fillRef idx="0">
+        <a:scrgbClr r="0" g="0" b="0"/>
+      </a:fillRef>
+      <a:effectRef idx="0">
+        <a:scrgbClr r="0" g="0" b="0"/>
+      </a:effectRef>
+      <a:fontRef idx="minor"/>
+    </dgm:style>
+  </dgm:styleLbl>
+</dgm:styleDef>
+</file>
+
 <file path=ppt/notesMasters/notesMaster1.xml><?xml version="1.0" encoding="utf-8"?>
 <p:notesMaster xmlns:a="http://schemas.openxmlformats.org/drawingml/2006/main" xmlns:r="http://schemas.openxmlformats.org/officeDocument/2006/relationships" xmlns:p="http://schemas.openxmlformats.org/presentationml/2006/main">
   <p:cSld>
@@ -484,7 +3541,13 @@
   <p:cSld>
     <p:spTree>
       <p:nvGrpSpPr>
-        <p:cNvPr id="1" name=""/>
+        <p:cNvPr id="1" name="">
+          <a:extLst>
+            <a:ext uri="{FF2B5EF4-FFF2-40B4-BE49-F238E27FC236}">
+              <a16:creationId xmlns:a16="http://schemas.microsoft.com/office/drawing/2014/main" id="{C67248F5-219C-9C4B-2EED-0A72F7032475}"/>
+            </a:ext>
+          </a:extLst>
+        </p:cNvPr>
         <p:cNvGrpSpPr/>
         <p:nvPr/>
       </p:nvGrpSpPr>
@@ -498,7 +3561,13 @@
       </p:grpSpPr>
       <p:sp>
         <p:nvSpPr>
-          <p:cNvPr id="2" name="Slide Image Placeholder 1"/>
+          <p:cNvPr id="2" name="Slide Image Placeholder 1">
+            <a:extLst>
+              <a:ext uri="{FF2B5EF4-FFF2-40B4-BE49-F238E27FC236}">
+                <a16:creationId xmlns:a16="http://schemas.microsoft.com/office/drawing/2014/main" id="{A0A7D2F1-C623-46F3-1915-4628C87CB1A8}"/>
+              </a:ext>
+            </a:extLst>
+          </p:cNvPr>
           <p:cNvSpPr>
             <a:spLocks noGrp="1" noRot="1" noChangeAspect="1"/>
           </p:cNvSpPr>
@@ -510,7 +3579,13 @@
       </p:sp>
       <p:sp>
         <p:nvSpPr>
-          <p:cNvPr id="3" name="Notes Placeholder 2"/>
+          <p:cNvPr id="3" name="Notes Placeholder 2">
+            <a:extLst>
+              <a:ext uri="{FF2B5EF4-FFF2-40B4-BE49-F238E27FC236}">
+                <a16:creationId xmlns:a16="http://schemas.microsoft.com/office/drawing/2014/main" id="{87AEB7C6-EC1A-8732-D23D-682DA9125CE3}"/>
+              </a:ext>
+            </a:extLst>
+          </p:cNvPr>
           <p:cNvSpPr>
             <a:spLocks noGrp="1"/>
           </p:cNvSpPr>
@@ -529,7 +3604,13 @@
       </p:sp>
       <p:sp>
         <p:nvSpPr>
-          <p:cNvPr id="4" name="Slide Number Placeholder 3"/>
+          <p:cNvPr id="4" name="Slide Number Placeholder 3">
+            <a:extLst>
+              <a:ext uri="{FF2B5EF4-FFF2-40B4-BE49-F238E27FC236}">
+                <a16:creationId xmlns:a16="http://schemas.microsoft.com/office/drawing/2014/main" id="{0FE4CEFA-B8DA-8D55-0C24-63BCB52E3E1A}"/>
+              </a:ext>
+            </a:extLst>
+          </p:cNvPr>
           <p:cNvSpPr>
             <a:spLocks noGrp="1"/>
           </p:cNvSpPr>
@@ -553,7 +3634,7 @@
     </p:spTree>
     <p:extLst>
       <p:ext uri="{BB962C8B-B14F-4D97-AF65-F5344CB8AC3E}">
-        <p14:creationId xmlns:p14="http://schemas.microsoft.com/office/powerpoint/2010/main" val="609728806"/>
+        <p14:creationId xmlns:p14="http://schemas.microsoft.com/office/powerpoint/2010/main" val="3012565002"/>
       </p:ext>
     </p:extLst>
   </p:cSld>
@@ -3828,15 +6909,7 @@
           <a:p>
             <a:r>
               <a:rPr lang="en-US" dirty="0"/>
-              <a:t>C.J. Argue, Jake Caldwell, </a:t>
-            </a:r>
-            <a:r>
-              <a:rPr lang="en-US" dirty="0" err="1"/>
-              <a:t>Inkee</a:t>
-            </a:r>
-            <a:r>
-              <a:rPr lang="en-US" dirty="0"/>
-              <a:t> Jung, </a:t>
+              <a:t>C.J. Argue, Jake Caldwell, Inkee Jung, </a:t>
             </a:r>
             <a:r>
               <a:rPr lang="en-US" dirty="0" err="1"/>
@@ -3851,14 +6924,11 @@
             <a:endParaRPr lang="en-US" dirty="0"/>
           </a:p>
           <a:p>
-            <a:r>
-              <a:rPr lang="en-US" dirty="0">
-                <a:highlight>
-                  <a:srgbClr val="C0C0C0"/>
-                </a:highlight>
-              </a:rPr>
-              <a:t>Include pictures, positions seeking</a:t>
-            </a:r>
+            <a:endParaRPr lang="en-US" dirty="0">
+              <a:highlight>
+                <a:srgbClr val="C0C0C0"/>
+              </a:highlight>
+            </a:endParaRPr>
           </a:p>
         </p:txBody>
       </p:sp>
@@ -3880,336 +6950,10 @@
   <p:cSld>
     <p:spTree>
       <p:nvGrpSpPr>
-        <p:cNvPr id="1" name=""/>
-        <p:cNvGrpSpPr/>
-        <p:nvPr/>
-      </p:nvGrpSpPr>
-      <p:grpSpPr>
-        <a:xfrm>
-          <a:off x="0" y="0"/>
-          <a:ext cx="0" cy="0"/>
-          <a:chOff x="0" y="0"/>
-          <a:chExt cx="0" cy="0"/>
-        </a:xfrm>
-      </p:grpSpPr>
-      <p:sp>
-        <p:nvSpPr>
-          <p:cNvPr id="2" name="Title 1">
-            <a:extLst>
-              <a:ext uri="{FF2B5EF4-FFF2-40B4-BE49-F238E27FC236}">
-                <a16:creationId xmlns:a16="http://schemas.microsoft.com/office/drawing/2014/main" id="{858088EF-0A49-B058-610F-6A06378B5566}"/>
-              </a:ext>
-            </a:extLst>
-          </p:cNvPr>
-          <p:cNvSpPr>
-            <a:spLocks noGrp="1"/>
-          </p:cNvSpPr>
-          <p:nvPr>
-            <p:ph type="title"/>
-          </p:nvPr>
-        </p:nvSpPr>
-        <p:spPr/>
-        <p:txBody>
-          <a:bodyPr/>
-          <a:lstStyle/>
-          <a:p>
-            <a:r>
-              <a:rPr lang="en-US" dirty="0"/>
-              <a:t>Problem Definition</a:t>
-            </a:r>
-          </a:p>
-        </p:txBody>
-      </p:sp>
-      <p:sp>
-        <p:nvSpPr>
-          <p:cNvPr id="3" name="Content Placeholder 2">
-            <a:extLst>
-              <a:ext uri="{FF2B5EF4-FFF2-40B4-BE49-F238E27FC236}">
-                <a16:creationId xmlns:a16="http://schemas.microsoft.com/office/drawing/2014/main" id="{A892BCAF-F742-A759-F9C1-5466AD8059F9}"/>
-              </a:ext>
-            </a:extLst>
-          </p:cNvPr>
-          <p:cNvSpPr>
-            <a:spLocks noGrp="1"/>
-          </p:cNvSpPr>
-          <p:nvPr>
-            <p:ph idx="1"/>
-          </p:nvPr>
-        </p:nvSpPr>
-        <p:spPr>
-          <a:xfrm>
-            <a:off x="810126" y="1459832"/>
-            <a:ext cx="11566358" cy="5033043"/>
-          </a:xfrm>
-        </p:spPr>
-        <p:txBody>
-          <a:bodyPr>
-            <a:normAutofit/>
-          </a:bodyPr>
-          <a:lstStyle/>
-          <a:p>
-            <a:pPr marL="0" indent="0">
-              <a:buNone/>
-            </a:pPr>
-            <a:r>
-              <a:rPr lang="en-US" b="1" dirty="0"/>
-              <a:t>Motivation</a:t>
-            </a:r>
-            <a:endParaRPr lang="en-US" dirty="0"/>
-          </a:p>
-          <a:p>
-            <a:pPr lvl="1"/>
-            <a:r>
-              <a:rPr lang="en-US" dirty="0"/>
-              <a:t>Increasing air travel demands call for </a:t>
-            </a:r>
-            <a:r>
-              <a:rPr lang="en-US" b="1" dirty="0"/>
-              <a:t>ongoing improvements</a:t>
-            </a:r>
-            <a:r>
-              <a:rPr lang="en-US" dirty="0"/>
-              <a:t> in aviation safety</a:t>
-            </a:r>
-          </a:p>
-          <a:p>
-            <a:pPr lvl="1"/>
-            <a:r>
-              <a:rPr lang="en-US" dirty="0"/>
-              <a:t>Data-driven insights can support </a:t>
-            </a:r>
-            <a:r>
-              <a:rPr lang="en-US" b="1" dirty="0"/>
-              <a:t>lawmakers</a:t>
-            </a:r>
-            <a:r>
-              <a:rPr lang="en-US" dirty="0"/>
-              <a:t> and </a:t>
-            </a:r>
-            <a:r>
-              <a:rPr lang="en-US" b="1" dirty="0"/>
-              <a:t>airlines</a:t>
-            </a:r>
-            <a:r>
-              <a:rPr lang="en-US" dirty="0"/>
-              <a:t> in shaping </a:t>
-            </a:r>
-            <a:r>
-              <a:rPr lang="en-US" b="1" dirty="0"/>
-              <a:t>preventive policies</a:t>
-            </a:r>
-            <a:r>
-              <a:rPr lang="en-US" dirty="0"/>
-              <a:t> and </a:t>
-            </a:r>
-            <a:r>
-              <a:rPr lang="en-US" b="1" dirty="0"/>
-              <a:t>risk mitigation strategies</a:t>
-            </a:r>
-          </a:p>
-          <a:p>
-            <a:pPr marL="0" indent="0">
-              <a:buNone/>
-            </a:pPr>
-            <a:endParaRPr lang="en-US" dirty="0"/>
-          </a:p>
-          <a:p>
-            <a:pPr marL="0" indent="0">
-              <a:buNone/>
-            </a:pPr>
-            <a:r>
-              <a:rPr lang="en-US" b="1" dirty="0"/>
-              <a:t>Key Questions</a:t>
-            </a:r>
-            <a:endParaRPr lang="en-US" dirty="0"/>
-          </a:p>
-          <a:p>
-            <a:pPr lvl="1"/>
-            <a:r>
-              <a:rPr lang="en-US" dirty="0"/>
-              <a:t>What are the most influential factors that lead to </a:t>
-            </a:r>
-            <a:r>
-              <a:rPr lang="en-US" b="1" dirty="0"/>
-              <a:t>“severe” accident outcomes?</a:t>
-            </a:r>
-          </a:p>
-          <a:p>
-            <a:pPr lvl="1"/>
-            <a:r>
-              <a:rPr lang="en-US" dirty="0"/>
-              <a:t>Can we </a:t>
-            </a:r>
-            <a:r>
-              <a:rPr lang="en-US" b="1" dirty="0"/>
-              <a:t>predict</a:t>
-            </a:r>
-            <a:r>
-              <a:rPr lang="en-US" dirty="0"/>
-              <a:t> whether a given accident will result in serious </a:t>
-            </a:r>
-            <a:r>
-              <a:rPr lang="en-US" b="1" dirty="0"/>
-              <a:t>aircraft damage</a:t>
-            </a:r>
-            <a:r>
-              <a:rPr lang="en-US" dirty="0"/>
-              <a:t> or </a:t>
-            </a:r>
-            <a:r>
-              <a:rPr lang="en-US" b="1" dirty="0"/>
-              <a:t>casualties</a:t>
-            </a:r>
-            <a:r>
-              <a:rPr lang="en-US" dirty="0"/>
-              <a:t>?</a:t>
-            </a:r>
-          </a:p>
-          <a:p>
-            <a:pPr lvl="1"/>
-            <a:r>
-              <a:rPr lang="en-US" dirty="0"/>
-              <a:t>What trends can be observed in </a:t>
-            </a:r>
-            <a:r>
-              <a:rPr lang="en-US" b="1" dirty="0"/>
-              <a:t>the number of accidents </a:t>
-            </a:r>
-            <a:r>
-              <a:rPr lang="en-US" dirty="0"/>
-              <a:t>over time?</a:t>
-            </a:r>
-          </a:p>
-          <a:p>
-            <a:endParaRPr lang="en-US" dirty="0"/>
-          </a:p>
-        </p:txBody>
-      </p:sp>
-    </p:spTree>
-    <p:extLst>
-      <p:ext uri="{BB962C8B-B14F-4D97-AF65-F5344CB8AC3E}">
-        <p14:creationId xmlns:p14="http://schemas.microsoft.com/office/powerpoint/2010/main" val="109853869"/>
-      </p:ext>
-    </p:extLst>
-  </p:cSld>
-  <p:clrMapOvr>
-    <a:masterClrMapping/>
-  </p:clrMapOvr>
-</p:sld>
-</file>
-
-<file path=ppt/slides/slide3.xml><?xml version="1.0" encoding="utf-8"?>
-<p:sld xmlns:a="http://schemas.openxmlformats.org/drawingml/2006/main" xmlns:r="http://schemas.openxmlformats.org/officeDocument/2006/relationships" xmlns:p="http://schemas.openxmlformats.org/presentationml/2006/main">
-  <p:cSld>
-    <p:spTree>
-      <p:nvGrpSpPr>
-        <p:cNvPr id="1" name=""/>
-        <p:cNvGrpSpPr/>
-        <p:nvPr/>
-      </p:nvGrpSpPr>
-      <p:grpSpPr>
-        <a:xfrm>
-          <a:off x="0" y="0"/>
-          <a:ext cx="0" cy="0"/>
-          <a:chOff x="0" y="0"/>
-          <a:chExt cx="0" cy="0"/>
-        </a:xfrm>
-      </p:grpSpPr>
-      <p:sp>
-        <p:nvSpPr>
-          <p:cNvPr id="2" name="Title 1">
-            <a:extLst>
-              <a:ext uri="{FF2B5EF4-FFF2-40B4-BE49-F238E27FC236}">
-                <a16:creationId xmlns:a16="http://schemas.microsoft.com/office/drawing/2014/main" id="{B185ED0E-4DB8-6D88-E91D-8E118059974A}"/>
-              </a:ext>
-            </a:extLst>
-          </p:cNvPr>
-          <p:cNvSpPr>
-            <a:spLocks noGrp="1"/>
-          </p:cNvSpPr>
-          <p:nvPr>
-            <p:ph type="title"/>
-          </p:nvPr>
-        </p:nvSpPr>
-        <p:spPr/>
-        <p:txBody>
-          <a:bodyPr/>
-          <a:lstStyle/>
-          <a:p>
-            <a:endParaRPr lang="en-KR" dirty="0"/>
-          </a:p>
-        </p:txBody>
-      </p:sp>
-      <p:sp>
-        <p:nvSpPr>
-          <p:cNvPr id="3" name="Content Placeholder 2">
-            <a:extLst>
-              <a:ext uri="{FF2B5EF4-FFF2-40B4-BE49-F238E27FC236}">
-                <a16:creationId xmlns:a16="http://schemas.microsoft.com/office/drawing/2014/main" id="{9DA6C982-A349-D5F6-D4AE-4DAEF8810FDE}"/>
-              </a:ext>
-            </a:extLst>
-          </p:cNvPr>
-          <p:cNvSpPr>
-            <a:spLocks noGrp="1"/>
-          </p:cNvSpPr>
-          <p:nvPr>
-            <p:ph idx="1"/>
-          </p:nvPr>
-        </p:nvSpPr>
-        <p:spPr/>
-        <p:txBody>
-          <a:bodyPr/>
-          <a:lstStyle/>
-          <a:p>
-            <a:r>
-              <a:rPr lang="en-KR" dirty="0"/>
-              <a:t>plot damage vs time(1.1.2000 – 2021.12.31)</a:t>
-            </a:r>
-          </a:p>
-          <a:p>
-            <a:r>
-              <a:rPr lang="en-US" dirty="0"/>
-              <a:t>P</a:t>
-            </a:r>
-            <a:r>
-              <a:rPr lang="en-KR" dirty="0"/>
-              <a:t>roportions in damage category over time</a:t>
-            </a:r>
-          </a:p>
-          <a:p>
-            <a:r>
-              <a:rPr lang="en-US" dirty="0"/>
-              <a:t>I</a:t>
-            </a:r>
-            <a:r>
-              <a:rPr lang="en-KR" dirty="0"/>
-              <a:t>llustrative images.</a:t>
-            </a:r>
-          </a:p>
-        </p:txBody>
-      </p:sp>
-    </p:spTree>
-    <p:extLst>
-      <p:ext uri="{BB962C8B-B14F-4D97-AF65-F5344CB8AC3E}">
-        <p14:creationId xmlns:p14="http://schemas.microsoft.com/office/powerpoint/2010/main" val="1382440935"/>
-      </p:ext>
-    </p:extLst>
-  </p:cSld>
-  <p:clrMapOvr>
-    <a:masterClrMapping/>
-  </p:clrMapOvr>
-</p:sld>
-</file>
-
-<file path=ppt/slides/slide4.xml><?xml version="1.0" encoding="utf-8"?>
-<p:sld xmlns:a="http://schemas.openxmlformats.org/drawingml/2006/main" xmlns:r="http://schemas.openxmlformats.org/officeDocument/2006/relationships" xmlns:p="http://schemas.openxmlformats.org/presentationml/2006/main">
-  <p:cSld>
-    <p:spTree>
-      <p:nvGrpSpPr>
         <p:cNvPr id="1" name="">
           <a:extLst>
             <a:ext uri="{FF2B5EF4-FFF2-40B4-BE49-F238E27FC236}">
-              <a16:creationId xmlns:a16="http://schemas.microsoft.com/office/drawing/2014/main" id="{A9034EA1-6D63-D05E-05F5-133D017A4312}"/>
+              <a16:creationId xmlns:a16="http://schemas.microsoft.com/office/drawing/2014/main" id="{DC2F5745-D008-462E-0144-275E12E407AA}"/>
             </a:ext>
           </a:extLst>
         </p:cNvPr>
@@ -4229,7 +6973,435 @@
           <p:cNvPr id="2" name="Title 1">
             <a:extLst>
               <a:ext uri="{FF2B5EF4-FFF2-40B4-BE49-F238E27FC236}">
-                <a16:creationId xmlns:a16="http://schemas.microsoft.com/office/drawing/2014/main" id="{1B7F510B-8E59-7F52-05E1-640F7DDDF7F1}"/>
+                <a16:creationId xmlns:a16="http://schemas.microsoft.com/office/drawing/2014/main" id="{13D99DF1-25B3-0C99-C08C-B0F2BDCF9475}"/>
+              </a:ext>
+            </a:extLst>
+          </p:cNvPr>
+          <p:cNvSpPr>
+            <a:spLocks noGrp="1"/>
+          </p:cNvSpPr>
+          <p:nvPr>
+            <p:ph type="title"/>
+          </p:nvPr>
+        </p:nvSpPr>
+        <p:spPr/>
+        <p:txBody>
+          <a:bodyPr/>
+          <a:lstStyle/>
+          <a:p>
+            <a:r>
+              <a:rPr lang="en-US"/>
+              <a:t>Problem Definition</a:t>
+            </a:r>
+            <a:endParaRPr lang="en-US" dirty="0"/>
+          </a:p>
+        </p:txBody>
+      </p:sp>
+      <p:sp>
+        <p:nvSpPr>
+          <p:cNvPr id="7" name="Content Placeholder 2">
+            <a:extLst>
+              <a:ext uri="{FF2B5EF4-FFF2-40B4-BE49-F238E27FC236}">
+                <a16:creationId xmlns:a16="http://schemas.microsoft.com/office/drawing/2014/main" id="{2EB951D2-8BBA-904A-83F1-5717F58CBF9B}"/>
+              </a:ext>
+            </a:extLst>
+          </p:cNvPr>
+          <p:cNvSpPr txBox="1">
+            <a:spLocks/>
+          </p:cNvSpPr>
+          <p:nvPr/>
+        </p:nvSpPr>
+        <p:spPr>
+          <a:xfrm>
+            <a:off x="572493" y="2071316"/>
+            <a:ext cx="6713552" cy="4119172"/>
+          </a:xfrm>
+          <a:prstGeom prst="rect">
+            <a:avLst/>
+          </a:prstGeom>
+        </p:spPr>
+        <p:txBody>
+          <a:bodyPr vert="horz" lIns="91440" tIns="45720" rIns="91440" bIns="45720" rtlCol="0" anchor="t">
+            <a:normAutofit/>
+          </a:bodyPr>
+          <a:lstStyle>
+            <a:lvl1pPr marL="228600" indent="-228600" algn="l" defTabSz="914400" rtl="0" eaLnBrk="1" latinLnBrk="0" hangingPunct="1">
+              <a:lnSpc>
+                <a:spcPct val="90000"/>
+              </a:lnSpc>
+              <a:spcBef>
+                <a:spcPts val="1000"/>
+              </a:spcBef>
+              <a:buFont typeface="Arial" panose="020B0604020202020204" pitchFamily="34" charset="0"/>
+              <a:buChar char="•"/>
+              <a:defRPr sz="2800" kern="1200">
+                <a:solidFill>
+                  <a:schemeClr val="tx1"/>
+                </a:solidFill>
+                <a:latin typeface="+mn-lt"/>
+                <a:ea typeface="+mn-ea"/>
+                <a:cs typeface="+mn-cs"/>
+              </a:defRPr>
+            </a:lvl1pPr>
+            <a:lvl2pPr marL="685800" indent="-228600" algn="l" defTabSz="914400" rtl="0" eaLnBrk="1" latinLnBrk="0" hangingPunct="1">
+              <a:lnSpc>
+                <a:spcPct val="90000"/>
+              </a:lnSpc>
+              <a:spcBef>
+                <a:spcPts val="500"/>
+              </a:spcBef>
+              <a:buFont typeface="Arial" panose="020B0604020202020204" pitchFamily="34" charset="0"/>
+              <a:buChar char="•"/>
+              <a:defRPr sz="2400" kern="1200">
+                <a:solidFill>
+                  <a:schemeClr val="tx1"/>
+                </a:solidFill>
+                <a:latin typeface="+mn-lt"/>
+                <a:ea typeface="+mn-ea"/>
+                <a:cs typeface="+mn-cs"/>
+              </a:defRPr>
+            </a:lvl2pPr>
+            <a:lvl3pPr marL="1143000" indent="-228600" algn="l" defTabSz="914400" rtl="0" eaLnBrk="1" latinLnBrk="0" hangingPunct="1">
+              <a:lnSpc>
+                <a:spcPct val="90000"/>
+              </a:lnSpc>
+              <a:spcBef>
+                <a:spcPts val="500"/>
+              </a:spcBef>
+              <a:buFont typeface="Arial" panose="020B0604020202020204" pitchFamily="34" charset="0"/>
+              <a:buChar char="•"/>
+              <a:defRPr sz="2000" kern="1200">
+                <a:solidFill>
+                  <a:schemeClr val="tx1"/>
+                </a:solidFill>
+                <a:latin typeface="+mn-lt"/>
+                <a:ea typeface="+mn-ea"/>
+                <a:cs typeface="+mn-cs"/>
+              </a:defRPr>
+            </a:lvl3pPr>
+            <a:lvl4pPr marL="1600200" indent="-228600" algn="l" defTabSz="914400" rtl="0" eaLnBrk="1" latinLnBrk="0" hangingPunct="1">
+              <a:lnSpc>
+                <a:spcPct val="90000"/>
+              </a:lnSpc>
+              <a:spcBef>
+                <a:spcPts val="500"/>
+              </a:spcBef>
+              <a:buFont typeface="Arial" panose="020B0604020202020204" pitchFamily="34" charset="0"/>
+              <a:buChar char="•"/>
+              <a:defRPr sz="1800" kern="1200">
+                <a:solidFill>
+                  <a:schemeClr val="tx1"/>
+                </a:solidFill>
+                <a:latin typeface="+mn-lt"/>
+                <a:ea typeface="+mn-ea"/>
+                <a:cs typeface="+mn-cs"/>
+              </a:defRPr>
+            </a:lvl4pPr>
+            <a:lvl5pPr marL="2057400" indent="-228600" algn="l" defTabSz="914400" rtl="0" eaLnBrk="1" latinLnBrk="0" hangingPunct="1">
+              <a:lnSpc>
+                <a:spcPct val="90000"/>
+              </a:lnSpc>
+              <a:spcBef>
+                <a:spcPts val="500"/>
+              </a:spcBef>
+              <a:buFont typeface="Arial" panose="020B0604020202020204" pitchFamily="34" charset="0"/>
+              <a:buChar char="•"/>
+              <a:defRPr sz="1800" kern="1200">
+                <a:solidFill>
+                  <a:schemeClr val="tx1"/>
+                </a:solidFill>
+                <a:latin typeface="+mn-lt"/>
+                <a:ea typeface="+mn-ea"/>
+                <a:cs typeface="+mn-cs"/>
+              </a:defRPr>
+            </a:lvl5pPr>
+            <a:lvl6pPr marL="2514600" indent="-228600" algn="l" defTabSz="914400" rtl="0" eaLnBrk="1" latinLnBrk="0" hangingPunct="1">
+              <a:lnSpc>
+                <a:spcPct val="90000"/>
+              </a:lnSpc>
+              <a:spcBef>
+                <a:spcPts val="500"/>
+              </a:spcBef>
+              <a:buFont typeface="Arial" panose="020B0604020202020204" pitchFamily="34" charset="0"/>
+              <a:buChar char="•"/>
+              <a:defRPr sz="1800" kern="1200">
+                <a:solidFill>
+                  <a:schemeClr val="tx1"/>
+                </a:solidFill>
+                <a:latin typeface="+mn-lt"/>
+                <a:ea typeface="+mn-ea"/>
+                <a:cs typeface="+mn-cs"/>
+              </a:defRPr>
+            </a:lvl6pPr>
+            <a:lvl7pPr marL="2971800" indent="-228600" algn="l" defTabSz="914400" rtl="0" eaLnBrk="1" latinLnBrk="0" hangingPunct="1">
+              <a:lnSpc>
+                <a:spcPct val="90000"/>
+              </a:lnSpc>
+              <a:spcBef>
+                <a:spcPts val="500"/>
+              </a:spcBef>
+              <a:buFont typeface="Arial" panose="020B0604020202020204" pitchFamily="34" charset="0"/>
+              <a:buChar char="•"/>
+              <a:defRPr sz="1800" kern="1200">
+                <a:solidFill>
+                  <a:schemeClr val="tx1"/>
+                </a:solidFill>
+                <a:latin typeface="+mn-lt"/>
+                <a:ea typeface="+mn-ea"/>
+                <a:cs typeface="+mn-cs"/>
+              </a:defRPr>
+            </a:lvl7pPr>
+            <a:lvl8pPr marL="3429000" indent="-228600" algn="l" defTabSz="914400" rtl="0" eaLnBrk="1" latinLnBrk="0" hangingPunct="1">
+              <a:lnSpc>
+                <a:spcPct val="90000"/>
+              </a:lnSpc>
+              <a:spcBef>
+                <a:spcPts val="500"/>
+              </a:spcBef>
+              <a:buFont typeface="Arial" panose="020B0604020202020204" pitchFamily="34" charset="0"/>
+              <a:buChar char="•"/>
+              <a:defRPr sz="1800" kern="1200">
+                <a:solidFill>
+                  <a:schemeClr val="tx1"/>
+                </a:solidFill>
+                <a:latin typeface="+mn-lt"/>
+                <a:ea typeface="+mn-ea"/>
+                <a:cs typeface="+mn-cs"/>
+              </a:defRPr>
+            </a:lvl8pPr>
+            <a:lvl9pPr marL="3886200" indent="-228600" algn="l" defTabSz="914400" rtl="0" eaLnBrk="1" latinLnBrk="0" hangingPunct="1">
+              <a:lnSpc>
+                <a:spcPct val="90000"/>
+              </a:lnSpc>
+              <a:spcBef>
+                <a:spcPts val="500"/>
+              </a:spcBef>
+              <a:buFont typeface="Arial" panose="020B0604020202020204" pitchFamily="34" charset="0"/>
+              <a:buChar char="•"/>
+              <a:defRPr sz="1800" kern="1200">
+                <a:solidFill>
+                  <a:schemeClr val="tx1"/>
+                </a:solidFill>
+                <a:latin typeface="+mn-lt"/>
+                <a:ea typeface="+mn-ea"/>
+                <a:cs typeface="+mn-cs"/>
+              </a:defRPr>
+            </a:lvl9pPr>
+          </a:lstStyle>
+          <a:p>
+            <a:pPr marL="0" indent="0">
+              <a:buFont typeface="Arial" panose="020B0604020202020204" pitchFamily="34" charset="0"/>
+              <a:buNone/>
+            </a:pPr>
+            <a:r>
+              <a:rPr lang="en-US" sz="1900" b="1"/>
+              <a:t>Motivation</a:t>
+            </a:r>
+            <a:endParaRPr lang="en-US" sz="1900"/>
+          </a:p>
+          <a:p>
+            <a:pPr lvl="1"/>
+            <a:r>
+              <a:rPr lang="en-US" sz="1900"/>
+              <a:t>Increasing air travel demands call for </a:t>
+            </a:r>
+            <a:r>
+              <a:rPr lang="en-US" sz="1900" b="1"/>
+              <a:t>ongoing improvements</a:t>
+            </a:r>
+            <a:r>
+              <a:rPr lang="en-US" sz="1900"/>
+              <a:t> in aviation safety</a:t>
+            </a:r>
+          </a:p>
+          <a:p>
+            <a:pPr lvl="1"/>
+            <a:r>
+              <a:rPr lang="en-US" sz="1900"/>
+              <a:t>Data-driven insights can support </a:t>
+            </a:r>
+            <a:r>
+              <a:rPr lang="en-US" sz="1900" b="1"/>
+              <a:t>lawmakers</a:t>
+            </a:r>
+            <a:r>
+              <a:rPr lang="en-US" sz="1900"/>
+              <a:t> and </a:t>
+            </a:r>
+            <a:r>
+              <a:rPr lang="en-US" sz="1900" b="1"/>
+              <a:t>airlines</a:t>
+            </a:r>
+            <a:r>
+              <a:rPr lang="en-US" sz="1900"/>
+              <a:t> in shaping </a:t>
+            </a:r>
+            <a:r>
+              <a:rPr lang="en-US" sz="1900" b="1"/>
+              <a:t>preventive policies</a:t>
+            </a:r>
+            <a:r>
+              <a:rPr lang="en-US" sz="1900"/>
+              <a:t> and </a:t>
+            </a:r>
+            <a:r>
+              <a:rPr lang="en-US" sz="1900" b="1"/>
+              <a:t>risk mitigation strategies</a:t>
+            </a:r>
+          </a:p>
+          <a:p>
+            <a:pPr marL="0" indent="0">
+              <a:buFont typeface="Arial" panose="020B0604020202020204" pitchFamily="34" charset="0"/>
+              <a:buNone/>
+            </a:pPr>
+            <a:endParaRPr lang="en-US" sz="1900"/>
+          </a:p>
+          <a:p>
+            <a:pPr marL="0" indent="0">
+              <a:buFont typeface="Arial" panose="020B0604020202020204" pitchFamily="34" charset="0"/>
+              <a:buNone/>
+            </a:pPr>
+            <a:r>
+              <a:rPr lang="en-US" sz="1900" b="1"/>
+              <a:t>Key Questions</a:t>
+            </a:r>
+            <a:endParaRPr lang="en-US" sz="1900"/>
+          </a:p>
+          <a:p>
+            <a:pPr lvl="1"/>
+            <a:r>
+              <a:rPr lang="en-US" sz="1900"/>
+              <a:t>What are the most influential factors that lead to </a:t>
+            </a:r>
+            <a:r>
+              <a:rPr lang="en-US" sz="1900" b="1"/>
+              <a:t>“severe” accident outcomes?</a:t>
+            </a:r>
+          </a:p>
+          <a:p>
+            <a:pPr lvl="1"/>
+            <a:r>
+              <a:rPr lang="en-US" sz="1900"/>
+              <a:t>Can we </a:t>
+            </a:r>
+            <a:r>
+              <a:rPr lang="en-US" sz="1900" b="1"/>
+              <a:t>predict</a:t>
+            </a:r>
+            <a:r>
+              <a:rPr lang="en-US" sz="1900"/>
+              <a:t> whether a given accident will result in serious </a:t>
+            </a:r>
+            <a:r>
+              <a:rPr lang="en-US" sz="1900" b="1"/>
+              <a:t>aircraft damage</a:t>
+            </a:r>
+            <a:r>
+              <a:rPr lang="en-US" sz="1900"/>
+              <a:t> or </a:t>
+            </a:r>
+            <a:r>
+              <a:rPr lang="en-US" sz="1900" b="1"/>
+              <a:t>casualties</a:t>
+            </a:r>
+            <a:r>
+              <a:rPr lang="en-US" sz="1900"/>
+              <a:t>?</a:t>
+            </a:r>
+          </a:p>
+          <a:p>
+            <a:pPr lvl="1"/>
+            <a:r>
+              <a:rPr lang="en-US" sz="1900"/>
+              <a:t>What trends can be observed in </a:t>
+            </a:r>
+            <a:r>
+              <a:rPr lang="en-US" sz="1900" b="1"/>
+              <a:t>the number of accidents </a:t>
+            </a:r>
+            <a:r>
+              <a:rPr lang="en-US" sz="1900"/>
+              <a:t>over time?</a:t>
+            </a:r>
+          </a:p>
+          <a:p>
+            <a:endParaRPr lang="en-US" sz="1900" dirty="0"/>
+          </a:p>
+        </p:txBody>
+      </p:sp>
+      <p:pic>
+        <p:nvPicPr>
+          <p:cNvPr id="8" name="Picture 7">
+            <a:extLst>
+              <a:ext uri="{FF2B5EF4-FFF2-40B4-BE49-F238E27FC236}">
+                <a16:creationId xmlns:a16="http://schemas.microsoft.com/office/drawing/2014/main" id="{B7EC1859-CC39-FCBC-E9CC-1C864D5CB2C4}"/>
+              </a:ext>
+            </a:extLst>
+          </p:cNvPr>
+          <p:cNvPicPr>
+            <a:picLocks noChangeAspect="1"/>
+          </p:cNvPicPr>
+          <p:nvPr/>
+        </p:nvPicPr>
+        <p:blipFill>
+          <a:blip r:embed="rId3"/>
+          <a:srcRect l="42000" r="2200" b="-2"/>
+          <a:stretch>
+            <a:fillRect/>
+          </a:stretch>
+        </p:blipFill>
+        <p:spPr>
+          <a:xfrm>
+            <a:off x="7675658" y="2093976"/>
+            <a:ext cx="3941064" cy="4096512"/>
+          </a:xfrm>
+          <a:prstGeom prst="rect">
+            <a:avLst/>
+          </a:prstGeom>
+        </p:spPr>
+      </p:pic>
+    </p:spTree>
+    <p:extLst>
+      <p:ext uri="{BB962C8B-B14F-4D97-AF65-F5344CB8AC3E}">
+        <p14:creationId xmlns:p14="http://schemas.microsoft.com/office/powerpoint/2010/main" val="1358667587"/>
+      </p:ext>
+    </p:extLst>
+  </p:cSld>
+  <p:clrMapOvr>
+    <a:masterClrMapping/>
+  </p:clrMapOvr>
+</p:sld>
+</file>
+
+<file path=ppt/slides/slide3.xml><?xml version="1.0" encoding="utf-8"?>
+<p:sld xmlns:a="http://schemas.openxmlformats.org/drawingml/2006/main" xmlns:r="http://schemas.openxmlformats.org/officeDocument/2006/relationships" xmlns:p="http://schemas.openxmlformats.org/presentationml/2006/main">
+  <p:cSld>
+    <p:spTree>
+      <p:nvGrpSpPr>
+        <p:cNvPr id="1" name="">
+          <a:extLst>
+            <a:ext uri="{FF2B5EF4-FFF2-40B4-BE49-F238E27FC236}">
+              <a16:creationId xmlns:a16="http://schemas.microsoft.com/office/drawing/2014/main" id="{AD04EF59-B699-4FAF-9A79-F2BFF8E3B910}"/>
+            </a:ext>
+          </a:extLst>
+        </p:cNvPr>
+        <p:cNvGrpSpPr/>
+        <p:nvPr/>
+      </p:nvGrpSpPr>
+      <p:grpSpPr>
+        <a:xfrm>
+          <a:off x="0" y="0"/>
+          <a:ext cx="0" cy="0"/>
+          <a:chOff x="0" y="0"/>
+          <a:chExt cx="0" cy="0"/>
+        </a:xfrm>
+      </p:grpSpPr>
+      <p:sp>
+        <p:nvSpPr>
+          <p:cNvPr id="2" name="Title 1">
+            <a:extLst>
+              <a:ext uri="{FF2B5EF4-FFF2-40B4-BE49-F238E27FC236}">
+                <a16:creationId xmlns:a16="http://schemas.microsoft.com/office/drawing/2014/main" id="{B8F48995-3AF6-9B07-37CA-7CFBD47D3A1C}"/>
               </a:ext>
             </a:extLst>
           </p:cNvPr>
@@ -4255,55 +7427,40 @@
           </a:p>
         </p:txBody>
       </p:sp>
-      <p:sp>
-        <p:nvSpPr>
-          <p:cNvPr id="5" name="Content Placeholder 4">
+      <p:graphicFrame>
+        <p:nvGraphicFramePr>
+          <p:cNvPr id="3" name="Content Placeholder 4">
             <a:extLst>
               <a:ext uri="{FF2B5EF4-FFF2-40B4-BE49-F238E27FC236}">
-                <a16:creationId xmlns:a16="http://schemas.microsoft.com/office/drawing/2014/main" id="{3F909DC1-6A0E-24E6-DB93-71744A085D46}"/>
+                <a16:creationId xmlns:a16="http://schemas.microsoft.com/office/drawing/2014/main" id="{A06EA8CF-18AD-771F-C282-6B5CCAD52933}"/>
               </a:ext>
             </a:extLst>
           </p:cNvPr>
-          <p:cNvSpPr>
-            <a:spLocks noGrp="1"/>
-          </p:cNvSpPr>
+          <p:cNvGraphicFramePr>
+            <a:graphicFrameLocks/>
+          </p:cNvGraphicFramePr>
           <p:nvPr>
-            <p:ph idx="1"/>
+            <p:extLst>
+              <p:ext uri="{D42A27DB-BD31-4B8C-83A1-F6EECF244321}">
+                <p14:modId xmlns:p14="http://schemas.microsoft.com/office/powerpoint/2010/main" val="4261466950"/>
+              </p:ext>
+            </p:extLst>
           </p:nvPr>
-        </p:nvSpPr>
-        <p:spPr/>
-        <p:txBody>
-          <a:bodyPr/>
-          <a:lstStyle/>
-          <a:p>
-            <a:pPr lvl="0"/>
-            <a:r>
-              <a:rPr lang="en-US" dirty="0"/>
-              <a:t>Dataset of investigations into airplane accidents, typically performed within 1-2 years of incident</a:t>
-            </a:r>
-          </a:p>
-          <a:p>
-            <a:pPr lvl="0"/>
-            <a:r>
-              <a:rPr lang="en-US" dirty="0"/>
-              <a:t>Fact gathering includes flight logs, maintenance records</a:t>
-            </a:r>
-            <a:endParaRPr lang="en-KR" dirty="0"/>
-          </a:p>
-          <a:p>
-            <a:pPr lvl="0"/>
-            <a:r>
-              <a:rPr lang="en-US" dirty="0"/>
-              <a:t>Includes information on on-flight injuries, their severity, and aircraft damage.</a:t>
-            </a:r>
-            <a:endParaRPr lang="en-KR" dirty="0"/>
-          </a:p>
-        </p:txBody>
-      </p:sp>
+        </p:nvGraphicFramePr>
+        <p:xfrm>
+          <a:off x="838200" y="1824049"/>
+          <a:ext cx="10378440" cy="3209902"/>
+        </p:xfrm>
+        <a:graphic>
+          <a:graphicData uri="http://schemas.openxmlformats.org/drawingml/2006/diagram">
+            <dgm:relIds xmlns:dgm="http://schemas.openxmlformats.org/drawingml/2006/diagram" xmlns:r="http://schemas.openxmlformats.org/officeDocument/2006/relationships" r:dm="rId2" r:lo="rId3" r:qs="rId4" r:cs="rId5"/>
+          </a:graphicData>
+        </a:graphic>
+      </p:graphicFrame>
     </p:spTree>
     <p:extLst>
       <p:ext uri="{BB962C8B-B14F-4D97-AF65-F5344CB8AC3E}">
-        <p14:creationId xmlns:p14="http://schemas.microsoft.com/office/powerpoint/2010/main" val="3430632823"/>
+        <p14:creationId xmlns:p14="http://schemas.microsoft.com/office/powerpoint/2010/main" val="1900203460"/>
       </p:ext>
     </p:extLst>
   </p:cSld>
@@ -4313,7 +7470,7 @@
 </p:sld>
 </file>
 
-<file path=ppt/slides/slide5.xml><?xml version="1.0" encoding="utf-8"?>
+<file path=ppt/slides/slide4.xml><?xml version="1.0" encoding="utf-8"?>
 <p:sld xmlns:a="http://schemas.openxmlformats.org/drawingml/2006/main" xmlns:r="http://schemas.openxmlformats.org/officeDocument/2006/relationships" xmlns:p="http://schemas.openxmlformats.org/presentationml/2006/main">
   <p:cSld>
     <p:spTree>
